--- a/Proposal/draft_proposal.pptx
+++ b/Proposal/draft_proposal.pptx
@@ -6,9 +6,10 @@
   </p:sldMasterIdLst>
   <p:sldIdLst>
     <p:sldId id="256" r:id="rId2"/>
-    <p:sldId id="257" r:id="rId3"/>
-    <p:sldId id="259" r:id="rId4"/>
-    <p:sldId id="258" r:id="rId5"/>
+    <p:sldId id="260" r:id="rId3"/>
+    <p:sldId id="257" r:id="rId4"/>
+    <p:sldId id="259" r:id="rId5"/>
+    <p:sldId id="258" r:id="rId6"/>
   </p:sldIdLst>
   <p:sldSz cx="12192000" cy="6858000"/>
   <p:notesSz cx="6858000" cy="9144000"/>
@@ -862,7 +863,1217 @@
 </dgm:colorsDef>
 </file>
 
+<file path=ppt/diagrams/colors2.xml><?xml version="1.0" encoding="utf-8"?>
+<dgm:colorsDef xmlns:dgm="http://schemas.openxmlformats.org/drawingml/2006/diagram" xmlns:a="http://schemas.openxmlformats.org/drawingml/2006/main" uniqueId="urn:microsoft.com/office/officeart/2005/8/colors/accent1_2">
+  <dgm:title val=""/>
+  <dgm:desc val=""/>
+  <dgm:catLst>
+    <dgm:cat type="accent1" pri="11200"/>
+  </dgm:catLst>
+  <dgm:styleLbl name="node0">
+    <dgm:fillClrLst meth="repeat">
+      <a:schemeClr val="accent1"/>
+    </dgm:fillClrLst>
+    <dgm:linClrLst meth="repeat">
+      <a:schemeClr val="lt1"/>
+    </dgm:linClrLst>
+    <dgm:effectClrLst/>
+    <dgm:txLinClrLst/>
+    <dgm:txFillClrLst/>
+    <dgm:txEffectClrLst/>
+  </dgm:styleLbl>
+  <dgm:styleLbl name="alignNode1">
+    <dgm:fillClrLst meth="repeat">
+      <a:schemeClr val="accent1"/>
+    </dgm:fillClrLst>
+    <dgm:linClrLst meth="repeat">
+      <a:schemeClr val="accent1"/>
+    </dgm:linClrLst>
+    <dgm:effectClrLst/>
+    <dgm:txLinClrLst/>
+    <dgm:txFillClrLst/>
+    <dgm:txEffectClrLst/>
+  </dgm:styleLbl>
+  <dgm:styleLbl name="node1">
+    <dgm:fillClrLst meth="repeat">
+      <a:schemeClr val="accent1"/>
+    </dgm:fillClrLst>
+    <dgm:linClrLst meth="repeat">
+      <a:schemeClr val="lt1"/>
+    </dgm:linClrLst>
+    <dgm:effectClrLst/>
+    <dgm:txLinClrLst/>
+    <dgm:txFillClrLst/>
+    <dgm:txEffectClrLst/>
+  </dgm:styleLbl>
+  <dgm:styleLbl name="lnNode1">
+    <dgm:fillClrLst meth="repeat">
+      <a:schemeClr val="accent1"/>
+    </dgm:fillClrLst>
+    <dgm:linClrLst meth="repeat">
+      <a:schemeClr val="lt1"/>
+    </dgm:linClrLst>
+    <dgm:effectClrLst/>
+    <dgm:txLinClrLst/>
+    <dgm:txFillClrLst/>
+    <dgm:txEffectClrLst/>
+  </dgm:styleLbl>
+  <dgm:styleLbl name="vennNode1">
+    <dgm:fillClrLst meth="repeat">
+      <a:schemeClr val="accent1">
+        <a:alpha val="50000"/>
+      </a:schemeClr>
+    </dgm:fillClrLst>
+    <dgm:linClrLst meth="repeat">
+      <a:schemeClr val="lt1"/>
+    </dgm:linClrLst>
+    <dgm:effectClrLst/>
+    <dgm:txLinClrLst/>
+    <dgm:txFillClrLst/>
+    <dgm:txEffectClrLst/>
+  </dgm:styleLbl>
+  <dgm:styleLbl name="node2">
+    <dgm:fillClrLst meth="repeat">
+      <a:schemeClr val="accent1"/>
+    </dgm:fillClrLst>
+    <dgm:linClrLst meth="repeat">
+      <a:schemeClr val="lt1"/>
+    </dgm:linClrLst>
+    <dgm:effectClrLst/>
+    <dgm:txLinClrLst/>
+    <dgm:txFillClrLst/>
+    <dgm:txEffectClrLst/>
+  </dgm:styleLbl>
+  <dgm:styleLbl name="node3">
+    <dgm:fillClrLst meth="repeat">
+      <a:schemeClr val="accent1"/>
+    </dgm:fillClrLst>
+    <dgm:linClrLst meth="repeat">
+      <a:schemeClr val="lt1"/>
+    </dgm:linClrLst>
+    <dgm:effectClrLst/>
+    <dgm:txLinClrLst/>
+    <dgm:txFillClrLst/>
+    <dgm:txEffectClrLst/>
+  </dgm:styleLbl>
+  <dgm:styleLbl name="node4">
+    <dgm:fillClrLst meth="repeat">
+      <a:schemeClr val="accent1"/>
+    </dgm:fillClrLst>
+    <dgm:linClrLst meth="repeat">
+      <a:schemeClr val="lt1"/>
+    </dgm:linClrLst>
+    <dgm:effectClrLst/>
+    <dgm:txLinClrLst/>
+    <dgm:txFillClrLst/>
+    <dgm:txEffectClrLst/>
+  </dgm:styleLbl>
+  <dgm:styleLbl name="fgImgPlace1">
+    <dgm:fillClrLst meth="repeat">
+      <a:schemeClr val="accent1">
+        <a:tint val="50000"/>
+      </a:schemeClr>
+    </dgm:fillClrLst>
+    <dgm:linClrLst meth="repeat">
+      <a:schemeClr val="lt1"/>
+    </dgm:linClrLst>
+    <dgm:effectClrLst/>
+    <dgm:txLinClrLst/>
+    <dgm:txFillClrLst meth="repeat">
+      <a:schemeClr val="lt1"/>
+    </dgm:txFillClrLst>
+    <dgm:txEffectClrLst/>
+  </dgm:styleLbl>
+  <dgm:styleLbl name="alignImgPlace1">
+    <dgm:fillClrLst meth="repeat">
+      <a:schemeClr val="accent1">
+        <a:tint val="50000"/>
+      </a:schemeClr>
+    </dgm:fillClrLst>
+    <dgm:linClrLst meth="repeat">
+      <a:schemeClr val="lt1"/>
+    </dgm:linClrLst>
+    <dgm:effectClrLst/>
+    <dgm:txLinClrLst/>
+    <dgm:txFillClrLst meth="repeat">
+      <a:schemeClr val="lt1"/>
+    </dgm:txFillClrLst>
+    <dgm:txEffectClrLst/>
+  </dgm:styleLbl>
+  <dgm:styleLbl name="bgImgPlace1">
+    <dgm:fillClrLst meth="repeat">
+      <a:schemeClr val="accent1">
+        <a:tint val="50000"/>
+      </a:schemeClr>
+    </dgm:fillClrLst>
+    <dgm:linClrLst meth="repeat">
+      <a:schemeClr val="lt1"/>
+    </dgm:linClrLst>
+    <dgm:effectClrLst/>
+    <dgm:txLinClrLst/>
+    <dgm:txFillClrLst meth="repeat">
+      <a:schemeClr val="lt1"/>
+    </dgm:txFillClrLst>
+    <dgm:txEffectClrLst/>
+  </dgm:styleLbl>
+  <dgm:styleLbl name="sibTrans2D1">
+    <dgm:fillClrLst meth="repeat">
+      <a:schemeClr val="accent1">
+        <a:tint val="60000"/>
+      </a:schemeClr>
+    </dgm:fillClrLst>
+    <dgm:linClrLst meth="repeat">
+      <a:schemeClr val="accent1">
+        <a:tint val="60000"/>
+      </a:schemeClr>
+    </dgm:linClrLst>
+    <dgm:effectClrLst/>
+    <dgm:txLinClrLst/>
+    <dgm:txFillClrLst/>
+    <dgm:txEffectClrLst/>
+  </dgm:styleLbl>
+  <dgm:styleLbl name="fgSibTrans2D1">
+    <dgm:fillClrLst meth="repeat">
+      <a:schemeClr val="accent1">
+        <a:tint val="60000"/>
+      </a:schemeClr>
+    </dgm:fillClrLst>
+    <dgm:linClrLst meth="repeat">
+      <a:schemeClr val="accent1">
+        <a:tint val="60000"/>
+      </a:schemeClr>
+    </dgm:linClrLst>
+    <dgm:effectClrLst/>
+    <dgm:txLinClrLst/>
+    <dgm:txFillClrLst/>
+    <dgm:txEffectClrLst/>
+  </dgm:styleLbl>
+  <dgm:styleLbl name="bgSibTrans2D1">
+    <dgm:fillClrLst meth="repeat">
+      <a:schemeClr val="accent1">
+        <a:tint val="60000"/>
+      </a:schemeClr>
+    </dgm:fillClrLst>
+    <dgm:linClrLst meth="repeat">
+      <a:schemeClr val="accent1">
+        <a:tint val="60000"/>
+      </a:schemeClr>
+    </dgm:linClrLst>
+    <dgm:effectClrLst/>
+    <dgm:txLinClrLst/>
+    <dgm:txFillClrLst/>
+    <dgm:txEffectClrLst/>
+  </dgm:styleLbl>
+  <dgm:styleLbl name="sibTrans1D1">
+    <dgm:fillClrLst meth="repeat">
+      <a:schemeClr val="accent1"/>
+    </dgm:fillClrLst>
+    <dgm:linClrLst meth="repeat">
+      <a:schemeClr val="accent1"/>
+    </dgm:linClrLst>
+    <dgm:effectClrLst/>
+    <dgm:txLinClrLst/>
+    <dgm:txFillClrLst meth="repeat">
+      <a:schemeClr val="tx1"/>
+    </dgm:txFillClrLst>
+    <dgm:txEffectClrLst/>
+  </dgm:styleLbl>
+  <dgm:styleLbl name="callout">
+    <dgm:fillClrLst meth="repeat">
+      <a:schemeClr val="accent1"/>
+    </dgm:fillClrLst>
+    <dgm:linClrLst meth="repeat">
+      <a:schemeClr val="accent1">
+        <a:tint val="50000"/>
+      </a:schemeClr>
+    </dgm:linClrLst>
+    <dgm:effectClrLst/>
+    <dgm:txLinClrLst/>
+    <dgm:txFillClrLst meth="repeat">
+      <a:schemeClr val="tx1"/>
+    </dgm:txFillClrLst>
+    <dgm:txEffectClrLst/>
+  </dgm:styleLbl>
+  <dgm:styleLbl name="asst0">
+    <dgm:fillClrLst meth="repeat">
+      <a:schemeClr val="accent1"/>
+    </dgm:fillClrLst>
+    <dgm:linClrLst meth="repeat">
+      <a:schemeClr val="lt1"/>
+    </dgm:linClrLst>
+    <dgm:effectClrLst/>
+    <dgm:txLinClrLst/>
+    <dgm:txFillClrLst/>
+    <dgm:txEffectClrLst/>
+  </dgm:styleLbl>
+  <dgm:styleLbl name="asst1">
+    <dgm:fillClrLst meth="repeat">
+      <a:schemeClr val="accent1"/>
+    </dgm:fillClrLst>
+    <dgm:linClrLst meth="repeat">
+      <a:schemeClr val="lt1"/>
+    </dgm:linClrLst>
+    <dgm:effectClrLst/>
+    <dgm:txLinClrLst/>
+    <dgm:txFillClrLst/>
+    <dgm:txEffectClrLst/>
+  </dgm:styleLbl>
+  <dgm:styleLbl name="asst2">
+    <dgm:fillClrLst meth="repeat">
+      <a:schemeClr val="accent1"/>
+    </dgm:fillClrLst>
+    <dgm:linClrLst meth="repeat">
+      <a:schemeClr val="lt1"/>
+    </dgm:linClrLst>
+    <dgm:effectClrLst/>
+    <dgm:txLinClrLst/>
+    <dgm:txFillClrLst/>
+    <dgm:txEffectClrLst/>
+  </dgm:styleLbl>
+  <dgm:styleLbl name="asst3">
+    <dgm:fillClrLst meth="repeat">
+      <a:schemeClr val="accent1"/>
+    </dgm:fillClrLst>
+    <dgm:linClrLst meth="repeat">
+      <a:schemeClr val="lt1"/>
+    </dgm:linClrLst>
+    <dgm:effectClrLst/>
+    <dgm:txLinClrLst/>
+    <dgm:txFillClrLst/>
+    <dgm:txEffectClrLst/>
+  </dgm:styleLbl>
+  <dgm:styleLbl name="asst4">
+    <dgm:fillClrLst meth="repeat">
+      <a:schemeClr val="accent1"/>
+    </dgm:fillClrLst>
+    <dgm:linClrLst meth="repeat">
+      <a:schemeClr val="lt1"/>
+    </dgm:linClrLst>
+    <dgm:effectClrLst/>
+    <dgm:txLinClrLst/>
+    <dgm:txFillClrLst/>
+    <dgm:txEffectClrLst/>
+  </dgm:styleLbl>
+  <dgm:styleLbl name="parChTrans2D1">
+    <dgm:fillClrLst meth="repeat">
+      <a:schemeClr val="accent1">
+        <a:tint val="60000"/>
+      </a:schemeClr>
+    </dgm:fillClrLst>
+    <dgm:linClrLst meth="repeat">
+      <a:schemeClr val="accent1">
+        <a:tint val="60000"/>
+      </a:schemeClr>
+    </dgm:linClrLst>
+    <dgm:effectClrLst/>
+    <dgm:txLinClrLst/>
+    <dgm:txFillClrLst meth="repeat">
+      <a:schemeClr val="lt1"/>
+    </dgm:txFillClrLst>
+    <dgm:txEffectClrLst/>
+  </dgm:styleLbl>
+  <dgm:styleLbl name="parChTrans2D2">
+    <dgm:fillClrLst meth="repeat">
+      <a:schemeClr val="accent1"/>
+    </dgm:fillClrLst>
+    <dgm:linClrLst meth="repeat">
+      <a:schemeClr val="accent1"/>
+    </dgm:linClrLst>
+    <dgm:effectClrLst/>
+    <dgm:txLinClrLst/>
+    <dgm:txFillClrLst meth="repeat">
+      <a:schemeClr val="lt1"/>
+    </dgm:txFillClrLst>
+    <dgm:txEffectClrLst/>
+  </dgm:styleLbl>
+  <dgm:styleLbl name="parChTrans2D3">
+    <dgm:fillClrLst meth="repeat">
+      <a:schemeClr val="accent1"/>
+    </dgm:fillClrLst>
+    <dgm:linClrLst meth="repeat">
+      <a:schemeClr val="accent1"/>
+    </dgm:linClrLst>
+    <dgm:effectClrLst/>
+    <dgm:txLinClrLst/>
+    <dgm:txFillClrLst meth="repeat">
+      <a:schemeClr val="lt1"/>
+    </dgm:txFillClrLst>
+    <dgm:txEffectClrLst/>
+  </dgm:styleLbl>
+  <dgm:styleLbl name="parChTrans2D4">
+    <dgm:fillClrLst meth="repeat">
+      <a:schemeClr val="accent1"/>
+    </dgm:fillClrLst>
+    <dgm:linClrLst meth="repeat">
+      <a:schemeClr val="accent1"/>
+    </dgm:linClrLst>
+    <dgm:effectClrLst/>
+    <dgm:txLinClrLst/>
+    <dgm:txFillClrLst meth="repeat">
+      <a:schemeClr val="lt1"/>
+    </dgm:txFillClrLst>
+    <dgm:txEffectClrLst/>
+  </dgm:styleLbl>
+  <dgm:styleLbl name="parChTrans1D1">
+    <dgm:fillClrLst meth="repeat">
+      <a:schemeClr val="accent1"/>
+    </dgm:fillClrLst>
+    <dgm:linClrLst meth="repeat">
+      <a:schemeClr val="accent1">
+        <a:shade val="60000"/>
+      </a:schemeClr>
+    </dgm:linClrLst>
+    <dgm:effectClrLst/>
+    <dgm:txLinClrLst/>
+    <dgm:txFillClrLst meth="repeat">
+      <a:schemeClr val="tx1"/>
+    </dgm:txFillClrLst>
+    <dgm:txEffectClrLst/>
+  </dgm:styleLbl>
+  <dgm:styleLbl name="parChTrans1D2">
+    <dgm:fillClrLst meth="repeat">
+      <a:schemeClr val="accent1"/>
+    </dgm:fillClrLst>
+    <dgm:linClrLst meth="repeat">
+      <a:schemeClr val="accent1">
+        <a:shade val="60000"/>
+      </a:schemeClr>
+    </dgm:linClrLst>
+    <dgm:effectClrLst/>
+    <dgm:txLinClrLst/>
+    <dgm:txFillClrLst meth="repeat">
+      <a:schemeClr val="tx1"/>
+    </dgm:txFillClrLst>
+    <dgm:txEffectClrLst/>
+  </dgm:styleLbl>
+  <dgm:styleLbl name="parChTrans1D3">
+    <dgm:fillClrLst meth="repeat">
+      <a:schemeClr val="accent1"/>
+    </dgm:fillClrLst>
+    <dgm:linClrLst meth="repeat">
+      <a:schemeClr val="accent1">
+        <a:shade val="80000"/>
+      </a:schemeClr>
+    </dgm:linClrLst>
+    <dgm:effectClrLst/>
+    <dgm:txLinClrLst/>
+    <dgm:txFillClrLst meth="repeat">
+      <a:schemeClr val="tx1"/>
+    </dgm:txFillClrLst>
+    <dgm:txEffectClrLst/>
+  </dgm:styleLbl>
+  <dgm:styleLbl name="parChTrans1D4">
+    <dgm:fillClrLst meth="repeat">
+      <a:schemeClr val="accent1"/>
+    </dgm:fillClrLst>
+    <dgm:linClrLst meth="repeat">
+      <a:schemeClr val="accent1">
+        <a:shade val="80000"/>
+      </a:schemeClr>
+    </dgm:linClrLst>
+    <dgm:effectClrLst/>
+    <dgm:txLinClrLst/>
+    <dgm:txFillClrLst meth="repeat">
+      <a:schemeClr val="tx1"/>
+    </dgm:txFillClrLst>
+    <dgm:txEffectClrLst/>
+  </dgm:styleLbl>
+  <dgm:styleLbl name="fgAcc1">
+    <dgm:fillClrLst meth="repeat">
+      <a:schemeClr val="lt1">
+        <a:alpha val="90000"/>
+      </a:schemeClr>
+    </dgm:fillClrLst>
+    <dgm:linClrLst meth="repeat">
+      <a:schemeClr val="accent1"/>
+    </dgm:linClrLst>
+    <dgm:effectClrLst/>
+    <dgm:txLinClrLst/>
+    <dgm:txFillClrLst meth="repeat">
+      <a:schemeClr val="dk1"/>
+    </dgm:txFillClrLst>
+    <dgm:txEffectClrLst/>
+  </dgm:styleLbl>
+  <dgm:styleLbl name="conFgAcc1">
+    <dgm:fillClrLst meth="repeat">
+      <a:schemeClr val="lt1">
+        <a:alpha val="90000"/>
+      </a:schemeClr>
+    </dgm:fillClrLst>
+    <dgm:linClrLst meth="repeat">
+      <a:schemeClr val="accent1"/>
+    </dgm:linClrLst>
+    <dgm:effectClrLst/>
+    <dgm:txLinClrLst/>
+    <dgm:txFillClrLst meth="repeat">
+      <a:schemeClr val="dk1"/>
+    </dgm:txFillClrLst>
+    <dgm:txEffectClrLst/>
+  </dgm:styleLbl>
+  <dgm:styleLbl name="alignAcc1">
+    <dgm:fillClrLst meth="repeat">
+      <a:schemeClr val="lt1">
+        <a:alpha val="90000"/>
+      </a:schemeClr>
+    </dgm:fillClrLst>
+    <dgm:linClrLst meth="repeat">
+      <a:schemeClr val="accent1"/>
+    </dgm:linClrLst>
+    <dgm:effectClrLst/>
+    <dgm:txLinClrLst/>
+    <dgm:txFillClrLst meth="repeat">
+      <a:schemeClr val="dk1"/>
+    </dgm:txFillClrLst>
+    <dgm:txEffectClrLst/>
+  </dgm:styleLbl>
+  <dgm:styleLbl name="trAlignAcc1">
+    <dgm:fillClrLst meth="repeat">
+      <a:schemeClr val="lt1">
+        <a:alpha val="40000"/>
+      </a:schemeClr>
+    </dgm:fillClrLst>
+    <dgm:linClrLst meth="repeat">
+      <a:schemeClr val="accent1"/>
+    </dgm:linClrLst>
+    <dgm:effectClrLst/>
+    <dgm:txLinClrLst/>
+    <dgm:txFillClrLst meth="repeat">
+      <a:schemeClr val="dk1"/>
+    </dgm:txFillClrLst>
+    <dgm:txEffectClrLst/>
+  </dgm:styleLbl>
+  <dgm:styleLbl name="bgAcc1">
+    <dgm:fillClrLst meth="repeat">
+      <a:schemeClr val="lt1">
+        <a:alpha val="90000"/>
+      </a:schemeClr>
+    </dgm:fillClrLst>
+    <dgm:linClrLst meth="repeat">
+      <a:schemeClr val="accent1"/>
+    </dgm:linClrLst>
+    <dgm:effectClrLst/>
+    <dgm:txLinClrLst/>
+    <dgm:txFillClrLst meth="repeat">
+      <a:schemeClr val="dk1"/>
+    </dgm:txFillClrLst>
+    <dgm:txEffectClrLst/>
+  </dgm:styleLbl>
+  <dgm:styleLbl name="solidFgAcc1">
+    <dgm:fillClrLst meth="repeat">
+      <a:schemeClr val="lt1"/>
+    </dgm:fillClrLst>
+    <dgm:linClrLst meth="repeat">
+      <a:schemeClr val="accent1"/>
+    </dgm:linClrLst>
+    <dgm:effectClrLst/>
+    <dgm:txLinClrLst/>
+    <dgm:txFillClrLst meth="repeat">
+      <a:schemeClr val="dk1"/>
+    </dgm:txFillClrLst>
+    <dgm:txEffectClrLst/>
+  </dgm:styleLbl>
+  <dgm:styleLbl name="solidAlignAcc1">
+    <dgm:fillClrLst meth="repeat">
+      <a:schemeClr val="lt1"/>
+    </dgm:fillClrLst>
+    <dgm:linClrLst meth="repeat">
+      <a:schemeClr val="accent1"/>
+    </dgm:linClrLst>
+    <dgm:effectClrLst/>
+    <dgm:txLinClrLst/>
+    <dgm:txFillClrLst meth="repeat">
+      <a:schemeClr val="dk1"/>
+    </dgm:txFillClrLst>
+    <dgm:txEffectClrLst/>
+  </dgm:styleLbl>
+  <dgm:styleLbl name="solidBgAcc1">
+    <dgm:fillClrLst meth="repeat">
+      <a:schemeClr val="lt1"/>
+    </dgm:fillClrLst>
+    <dgm:linClrLst meth="repeat">
+      <a:schemeClr val="accent1"/>
+    </dgm:linClrLst>
+    <dgm:effectClrLst/>
+    <dgm:txLinClrLst/>
+    <dgm:txFillClrLst meth="repeat">
+      <a:schemeClr val="dk1"/>
+    </dgm:txFillClrLst>
+    <dgm:txEffectClrLst/>
+  </dgm:styleLbl>
+  <dgm:styleLbl name="fgAccFollowNode1">
+    <dgm:fillClrLst meth="repeat">
+      <a:schemeClr val="accent1">
+        <a:alpha val="90000"/>
+        <a:tint val="40000"/>
+      </a:schemeClr>
+    </dgm:fillClrLst>
+    <dgm:linClrLst meth="repeat">
+      <a:schemeClr val="accent1">
+        <a:alpha val="90000"/>
+        <a:tint val="40000"/>
+      </a:schemeClr>
+    </dgm:linClrLst>
+    <dgm:effectClrLst/>
+    <dgm:txLinClrLst/>
+    <dgm:txFillClrLst meth="repeat">
+      <a:schemeClr val="dk1"/>
+    </dgm:txFillClrLst>
+    <dgm:txEffectClrLst/>
+  </dgm:styleLbl>
+  <dgm:styleLbl name="alignAccFollowNode1">
+    <dgm:fillClrLst meth="repeat">
+      <a:schemeClr val="accent1">
+        <a:alpha val="90000"/>
+        <a:tint val="40000"/>
+      </a:schemeClr>
+    </dgm:fillClrLst>
+    <dgm:linClrLst meth="repeat">
+      <a:schemeClr val="accent1">
+        <a:alpha val="90000"/>
+        <a:tint val="40000"/>
+      </a:schemeClr>
+    </dgm:linClrLst>
+    <dgm:effectClrLst/>
+    <dgm:txLinClrLst/>
+    <dgm:txFillClrLst meth="repeat">
+      <a:schemeClr val="dk1"/>
+    </dgm:txFillClrLst>
+    <dgm:txEffectClrLst/>
+  </dgm:styleLbl>
+  <dgm:styleLbl name="bgAccFollowNode1">
+    <dgm:fillClrLst meth="repeat">
+      <a:schemeClr val="accent1">
+        <a:alpha val="90000"/>
+        <a:tint val="40000"/>
+      </a:schemeClr>
+    </dgm:fillClrLst>
+    <dgm:linClrLst meth="repeat">
+      <a:schemeClr val="accent1">
+        <a:alpha val="90000"/>
+        <a:tint val="40000"/>
+      </a:schemeClr>
+    </dgm:linClrLst>
+    <dgm:effectClrLst/>
+    <dgm:txLinClrLst/>
+    <dgm:txFillClrLst meth="repeat">
+      <a:schemeClr val="dk1"/>
+    </dgm:txFillClrLst>
+    <dgm:txEffectClrLst/>
+  </dgm:styleLbl>
+  <dgm:styleLbl name="fgAcc0">
+    <dgm:fillClrLst meth="repeat">
+      <a:schemeClr val="lt1">
+        <a:alpha val="90000"/>
+      </a:schemeClr>
+    </dgm:fillClrLst>
+    <dgm:linClrLst meth="repeat">
+      <a:schemeClr val="accent1"/>
+    </dgm:linClrLst>
+    <dgm:effectClrLst/>
+    <dgm:txLinClrLst/>
+    <dgm:txFillClrLst meth="repeat">
+      <a:schemeClr val="dk1"/>
+    </dgm:txFillClrLst>
+    <dgm:txEffectClrLst/>
+  </dgm:styleLbl>
+  <dgm:styleLbl name="fgAcc2">
+    <dgm:fillClrLst meth="repeat">
+      <a:schemeClr val="lt1">
+        <a:alpha val="90000"/>
+      </a:schemeClr>
+    </dgm:fillClrLst>
+    <dgm:linClrLst meth="repeat">
+      <a:schemeClr val="accent1"/>
+    </dgm:linClrLst>
+    <dgm:effectClrLst/>
+    <dgm:txLinClrLst/>
+    <dgm:txFillClrLst meth="repeat">
+      <a:schemeClr val="dk1"/>
+    </dgm:txFillClrLst>
+    <dgm:txEffectClrLst/>
+  </dgm:styleLbl>
+  <dgm:styleLbl name="fgAcc3">
+    <dgm:fillClrLst meth="repeat">
+      <a:schemeClr val="lt1">
+        <a:alpha val="90000"/>
+      </a:schemeClr>
+    </dgm:fillClrLst>
+    <dgm:linClrLst meth="repeat">
+      <a:schemeClr val="accent1"/>
+    </dgm:linClrLst>
+    <dgm:effectClrLst/>
+    <dgm:txLinClrLst/>
+    <dgm:txFillClrLst meth="repeat">
+      <a:schemeClr val="dk1"/>
+    </dgm:txFillClrLst>
+    <dgm:txEffectClrLst/>
+  </dgm:styleLbl>
+  <dgm:styleLbl name="fgAcc4">
+    <dgm:fillClrLst meth="repeat">
+      <a:schemeClr val="lt1">
+        <a:alpha val="90000"/>
+      </a:schemeClr>
+    </dgm:fillClrLst>
+    <dgm:linClrLst meth="repeat">
+      <a:schemeClr val="accent1"/>
+    </dgm:linClrLst>
+    <dgm:effectClrLst/>
+    <dgm:txLinClrLst/>
+    <dgm:txFillClrLst meth="repeat">
+      <a:schemeClr val="dk1"/>
+    </dgm:txFillClrLst>
+    <dgm:txEffectClrLst/>
+  </dgm:styleLbl>
+  <dgm:styleLbl name="bgShp">
+    <dgm:fillClrLst meth="repeat">
+      <a:schemeClr val="accent1">
+        <a:tint val="40000"/>
+      </a:schemeClr>
+    </dgm:fillClrLst>
+    <dgm:linClrLst meth="repeat">
+      <a:schemeClr val="accent1"/>
+    </dgm:linClrLst>
+    <dgm:effectClrLst/>
+    <dgm:txLinClrLst/>
+    <dgm:txFillClrLst meth="repeat">
+      <a:schemeClr val="dk1"/>
+    </dgm:txFillClrLst>
+    <dgm:txEffectClrLst/>
+  </dgm:styleLbl>
+  <dgm:styleLbl name="dkBgShp">
+    <dgm:fillClrLst meth="repeat">
+      <a:schemeClr val="accent1">
+        <a:shade val="80000"/>
+      </a:schemeClr>
+    </dgm:fillClrLst>
+    <dgm:linClrLst meth="repeat">
+      <a:schemeClr val="accent1"/>
+    </dgm:linClrLst>
+    <dgm:effectClrLst/>
+    <dgm:txLinClrLst/>
+    <dgm:txFillClrLst meth="repeat">
+      <a:schemeClr val="lt1"/>
+    </dgm:txFillClrLst>
+    <dgm:txEffectClrLst/>
+  </dgm:styleLbl>
+  <dgm:styleLbl name="trBgShp">
+    <dgm:fillClrLst meth="repeat">
+      <a:schemeClr val="accent1">
+        <a:tint val="50000"/>
+        <a:alpha val="40000"/>
+      </a:schemeClr>
+    </dgm:fillClrLst>
+    <dgm:linClrLst meth="repeat">
+      <a:schemeClr val="accent1"/>
+    </dgm:linClrLst>
+    <dgm:effectClrLst/>
+    <dgm:txLinClrLst/>
+    <dgm:txFillClrLst meth="repeat">
+      <a:schemeClr val="lt1"/>
+    </dgm:txFillClrLst>
+    <dgm:txEffectClrLst/>
+  </dgm:styleLbl>
+  <dgm:styleLbl name="fgShp">
+    <dgm:fillClrLst meth="repeat">
+      <a:schemeClr val="accent1">
+        <a:tint val="60000"/>
+      </a:schemeClr>
+    </dgm:fillClrLst>
+    <dgm:linClrLst meth="repeat">
+      <a:schemeClr val="lt1"/>
+    </dgm:linClrLst>
+    <dgm:effectClrLst/>
+    <dgm:txLinClrLst/>
+    <dgm:txFillClrLst meth="repeat">
+      <a:schemeClr val="dk1"/>
+    </dgm:txFillClrLst>
+    <dgm:txEffectClrLst/>
+  </dgm:styleLbl>
+  <dgm:styleLbl name="revTx">
+    <dgm:fillClrLst meth="repeat">
+      <a:schemeClr val="lt1">
+        <a:alpha val="0"/>
+      </a:schemeClr>
+    </dgm:fillClrLst>
+    <dgm:linClrLst meth="repeat">
+      <a:schemeClr val="dk1">
+        <a:alpha val="0"/>
+      </a:schemeClr>
+    </dgm:linClrLst>
+    <dgm:effectClrLst/>
+    <dgm:txLinClrLst/>
+    <dgm:txFillClrLst meth="repeat">
+      <a:schemeClr val="tx1"/>
+    </dgm:txFillClrLst>
+    <dgm:txEffectClrLst/>
+  </dgm:styleLbl>
+</dgm:colorsDef>
+</file>
+
 <file path=ppt/diagrams/data1.xml><?xml version="1.0" encoding="utf-8"?>
+<dgm:dataModel xmlns:dgm="http://schemas.openxmlformats.org/drawingml/2006/diagram" xmlns:a="http://schemas.openxmlformats.org/drawingml/2006/main">
+  <dgm:ptLst>
+    <dgm:pt modelId="{B0F6BF26-CE7B-4679-BCE8-2F587A25D227}" type="doc">
+      <dgm:prSet loTypeId="urn:microsoft.com/office/officeart/2011/layout/HexagonRadial" loCatId="cycle" qsTypeId="urn:microsoft.com/office/officeart/2005/8/quickstyle/simple1" qsCatId="simple" csTypeId="urn:microsoft.com/office/officeart/2005/8/colors/accent1_2" csCatId="accent1" phldr="1"/>
+      <dgm:spPr/>
+      <dgm:t>
+        <a:bodyPr/>
+        <a:lstStyle/>
+        <a:p>
+          <a:endParaRPr lang="en-US"/>
+        </a:p>
+      </dgm:t>
+    </dgm:pt>
+    <dgm:pt modelId="{DCFB79F9-B42B-4BD6-B05C-ED6EB227F404}">
+      <dgm:prSet phldrT="[Text]"/>
+      <dgm:spPr/>
+      <dgm:t>
+        <a:bodyPr/>
+        <a:lstStyle/>
+        <a:p>
+          <a:r>
+            <a:rPr lang="en-US" dirty="0">
+              <a:latin typeface="Arial" panose="020B0604020202020204" pitchFamily="34" charset="0"/>
+              <a:cs typeface="Arial" panose="020B0604020202020204" pitchFamily="34" charset="0"/>
+            </a:rPr>
+            <a:t>Machine Learning</a:t>
+          </a:r>
+        </a:p>
+      </dgm:t>
+    </dgm:pt>
+    <dgm:pt modelId="{F00CD865-60F4-4436-A896-C52BB20337E8}" type="parTrans" cxnId="{016E23CB-81B7-4315-AC77-A578F09E7EE1}">
+      <dgm:prSet/>
+      <dgm:spPr/>
+      <dgm:t>
+        <a:bodyPr/>
+        <a:lstStyle/>
+        <a:p>
+          <a:endParaRPr lang="en-US"/>
+        </a:p>
+      </dgm:t>
+    </dgm:pt>
+    <dgm:pt modelId="{1BE3EFE1-6B84-4AF4-A57C-177B00259C67}" type="sibTrans" cxnId="{016E23CB-81B7-4315-AC77-A578F09E7EE1}">
+      <dgm:prSet/>
+      <dgm:spPr/>
+      <dgm:t>
+        <a:bodyPr/>
+        <a:lstStyle/>
+        <a:p>
+          <a:endParaRPr lang="en-US"/>
+        </a:p>
+      </dgm:t>
+    </dgm:pt>
+    <dgm:pt modelId="{8BBDDDFB-5198-405E-8514-F53C9FC01E18}">
+      <dgm:prSet phldrT="[Text]"/>
+      <dgm:spPr/>
+      <dgm:t>
+        <a:bodyPr/>
+        <a:lstStyle/>
+        <a:p>
+          <a:r>
+            <a:rPr lang="en-US" dirty="0">
+              <a:latin typeface="Arial" panose="020B0604020202020204" pitchFamily="34" charset="0"/>
+              <a:cs typeface="Arial" panose="020B0604020202020204" pitchFamily="34" charset="0"/>
+            </a:rPr>
+            <a:t>Data Storage (S3)</a:t>
+          </a:r>
+        </a:p>
+      </dgm:t>
+    </dgm:pt>
+    <dgm:pt modelId="{8C7AD8E2-C218-470D-A140-B4CEF5B15AA7}" type="parTrans" cxnId="{FFD254BC-7675-4F35-9EB1-266746033411}">
+      <dgm:prSet/>
+      <dgm:spPr/>
+      <dgm:t>
+        <a:bodyPr/>
+        <a:lstStyle/>
+        <a:p>
+          <a:endParaRPr lang="en-US"/>
+        </a:p>
+      </dgm:t>
+    </dgm:pt>
+    <dgm:pt modelId="{75FF0973-F341-4F88-90B1-744FE4F6B70D}" type="sibTrans" cxnId="{FFD254BC-7675-4F35-9EB1-266746033411}">
+      <dgm:prSet/>
+      <dgm:spPr/>
+      <dgm:t>
+        <a:bodyPr/>
+        <a:lstStyle/>
+        <a:p>
+          <a:endParaRPr lang="en-US"/>
+        </a:p>
+      </dgm:t>
+    </dgm:pt>
+    <dgm:pt modelId="{2A073434-EAD6-46FE-B898-95EEDD50D9DD}">
+      <dgm:prSet phldrT="[Text]"/>
+      <dgm:spPr/>
+      <dgm:t>
+        <a:bodyPr/>
+        <a:lstStyle/>
+        <a:p>
+          <a:r>
+            <a:rPr lang="en-US" dirty="0">
+              <a:latin typeface="Arial" panose="020B0604020202020204" pitchFamily="34" charset="0"/>
+              <a:cs typeface="Arial" panose="020B0604020202020204" pitchFamily="34" charset="0"/>
+            </a:rPr>
+            <a:t>Data to Study</a:t>
+          </a:r>
+        </a:p>
+      </dgm:t>
+    </dgm:pt>
+    <dgm:pt modelId="{E887C71C-DDB8-4CEB-A2A5-FD37F33F5776}" type="sibTrans" cxnId="{255F1368-192F-45C3-B6E3-B38B91FB6A16}">
+      <dgm:prSet/>
+      <dgm:spPr/>
+      <dgm:t>
+        <a:bodyPr/>
+        <a:lstStyle/>
+        <a:p>
+          <a:endParaRPr lang="en-US"/>
+        </a:p>
+      </dgm:t>
+    </dgm:pt>
+    <dgm:pt modelId="{425BFB34-F401-4DC3-B3C6-5DE50F77F78C}" type="parTrans" cxnId="{255F1368-192F-45C3-B6E3-B38B91FB6A16}">
+      <dgm:prSet/>
+      <dgm:spPr/>
+      <dgm:t>
+        <a:bodyPr/>
+        <a:lstStyle/>
+        <a:p>
+          <a:endParaRPr lang="en-US"/>
+        </a:p>
+      </dgm:t>
+    </dgm:pt>
+    <dgm:pt modelId="{9527D709-41B8-4111-97ED-AF9D6854D2B1}">
+      <dgm:prSet phldrT="[Text]"/>
+      <dgm:spPr/>
+      <dgm:t>
+        <a:bodyPr/>
+        <a:lstStyle/>
+        <a:p>
+          <a:r>
+            <a:rPr lang="en-US" dirty="0">
+              <a:latin typeface="Arial" panose="020B0604020202020204" pitchFamily="34" charset="0"/>
+              <a:cs typeface="Arial" panose="020B0604020202020204" pitchFamily="34" charset="0"/>
+            </a:rPr>
+            <a:t>Data Pre-processing</a:t>
+          </a:r>
+        </a:p>
+      </dgm:t>
+    </dgm:pt>
+    <dgm:pt modelId="{9FDEE50A-D45D-46FA-BBEB-0055C6D61957}" type="parTrans" cxnId="{ED53F8DF-24F6-47E5-926F-6C61A46C4BCF}">
+      <dgm:prSet/>
+      <dgm:spPr/>
+      <dgm:t>
+        <a:bodyPr/>
+        <a:lstStyle/>
+        <a:p>
+          <a:endParaRPr lang="en-US"/>
+        </a:p>
+      </dgm:t>
+    </dgm:pt>
+    <dgm:pt modelId="{8E480AE6-75DF-47B6-82CC-95CD5FFCA6EC}" type="sibTrans" cxnId="{ED53F8DF-24F6-47E5-926F-6C61A46C4BCF}">
+      <dgm:prSet/>
+      <dgm:spPr/>
+      <dgm:t>
+        <a:bodyPr/>
+        <a:lstStyle/>
+        <a:p>
+          <a:endParaRPr lang="en-US"/>
+        </a:p>
+      </dgm:t>
+    </dgm:pt>
+    <dgm:pt modelId="{B587DA04-451E-4966-84FB-0A033D237DC5}">
+      <dgm:prSet phldrT="[Text]"/>
+      <dgm:spPr/>
+      <dgm:t>
+        <a:bodyPr/>
+        <a:lstStyle/>
+        <a:p>
+          <a:r>
+            <a:rPr lang="en-US" dirty="0">
+              <a:latin typeface="Arial" panose="020B0604020202020204" pitchFamily="34" charset="0"/>
+              <a:cs typeface="Arial" panose="020B0604020202020204" pitchFamily="34" charset="0"/>
+            </a:rPr>
+            <a:t>Training Data</a:t>
+          </a:r>
+        </a:p>
+      </dgm:t>
+    </dgm:pt>
+    <dgm:pt modelId="{4F60AF80-CA00-467B-9E8E-360EB42C7714}" type="sibTrans" cxnId="{576B5527-D946-45B7-83CE-FAD79F4CC871}">
+      <dgm:prSet/>
+      <dgm:spPr/>
+      <dgm:t>
+        <a:bodyPr/>
+        <a:lstStyle/>
+        <a:p>
+          <a:endParaRPr lang="en-US"/>
+        </a:p>
+      </dgm:t>
+    </dgm:pt>
+    <dgm:pt modelId="{A15FEE71-E930-4BC1-A5C0-AC9936F0E9C4}" type="parTrans" cxnId="{576B5527-D946-45B7-83CE-FAD79F4CC871}">
+      <dgm:prSet/>
+      <dgm:spPr/>
+      <dgm:t>
+        <a:bodyPr/>
+        <a:lstStyle/>
+        <a:p>
+          <a:endParaRPr lang="en-US"/>
+        </a:p>
+      </dgm:t>
+    </dgm:pt>
+    <dgm:pt modelId="{7B8FB17F-F140-49EF-A7B9-14297E787163}">
+      <dgm:prSet phldrT="[Text]"/>
+      <dgm:spPr/>
+      <dgm:t>
+        <a:bodyPr/>
+        <a:lstStyle/>
+        <a:p>
+          <a:r>
+            <a:rPr lang="en-US" dirty="0">
+              <a:latin typeface="Arial" panose="020B0604020202020204" pitchFamily="34" charset="0"/>
+              <a:cs typeface="Arial" panose="020B0604020202020204" pitchFamily="34" charset="0"/>
+            </a:rPr>
+            <a:t>Front End (Heroku)</a:t>
+          </a:r>
+        </a:p>
+      </dgm:t>
+    </dgm:pt>
+    <dgm:pt modelId="{06C0733A-DAFA-4268-A395-396D80EE8F32}" type="parTrans" cxnId="{0C84569F-E6DB-4BB5-8C8F-E89BFD9AA084}">
+      <dgm:prSet/>
+      <dgm:spPr/>
+      <dgm:t>
+        <a:bodyPr/>
+        <a:lstStyle/>
+        <a:p>
+          <a:endParaRPr lang="en-US"/>
+        </a:p>
+      </dgm:t>
+    </dgm:pt>
+    <dgm:pt modelId="{D50223B4-F750-4EE8-8127-7C6B90C770A6}" type="sibTrans" cxnId="{0C84569F-E6DB-4BB5-8C8F-E89BFD9AA084}">
+      <dgm:prSet/>
+      <dgm:spPr/>
+      <dgm:t>
+        <a:bodyPr/>
+        <a:lstStyle/>
+        <a:p>
+          <a:endParaRPr lang="en-US"/>
+        </a:p>
+      </dgm:t>
+    </dgm:pt>
+    <dgm:pt modelId="{36B7BA39-0AB9-4721-BB81-F9650002AC3B}">
+      <dgm:prSet phldrT="[Text]"/>
+      <dgm:spPr/>
+      <dgm:t>
+        <a:bodyPr/>
+        <a:lstStyle/>
+        <a:p>
+          <a:r>
+            <a:rPr lang="en-US" dirty="0">
+              <a:latin typeface="Arial" panose="020B0604020202020204" pitchFamily="34" charset="0"/>
+              <a:cs typeface="Arial" panose="020B0604020202020204" pitchFamily="34" charset="0"/>
+            </a:rPr>
+            <a:t>Front End Server (Flask)</a:t>
+          </a:r>
+        </a:p>
+      </dgm:t>
+    </dgm:pt>
+    <dgm:pt modelId="{D4858C09-B565-4D09-9399-E40FDE25A3E8}" type="parTrans" cxnId="{8B5AAFA6-AD40-40EF-BBCE-94F9C3653C1B}">
+      <dgm:prSet/>
+      <dgm:spPr/>
+      <dgm:t>
+        <a:bodyPr/>
+        <a:lstStyle/>
+        <a:p>
+          <a:endParaRPr lang="en-US"/>
+        </a:p>
+      </dgm:t>
+    </dgm:pt>
+    <dgm:pt modelId="{F1793A88-5D67-4902-9578-3785EFA129D2}" type="sibTrans" cxnId="{8B5AAFA6-AD40-40EF-BBCE-94F9C3653C1B}">
+      <dgm:prSet/>
+      <dgm:spPr/>
+      <dgm:t>
+        <a:bodyPr/>
+        <a:lstStyle/>
+        <a:p>
+          <a:endParaRPr lang="en-US"/>
+        </a:p>
+      </dgm:t>
+    </dgm:pt>
+    <dgm:pt modelId="{03A7BDDD-97E4-4CAD-A177-013E924D346C}" type="pres">
+      <dgm:prSet presAssocID="{B0F6BF26-CE7B-4679-BCE8-2F587A25D227}" presName="Name0" presStyleCnt="0">
+        <dgm:presLayoutVars>
+          <dgm:chMax val="1"/>
+          <dgm:chPref val="1"/>
+          <dgm:dir/>
+          <dgm:animOne val="branch"/>
+          <dgm:animLvl val="lvl"/>
+        </dgm:presLayoutVars>
+      </dgm:prSet>
+      <dgm:spPr/>
+    </dgm:pt>
+    <dgm:pt modelId="{E5052FAB-B231-4A2E-B580-99A4EDE0A8E8}" type="pres">
+      <dgm:prSet presAssocID="{DCFB79F9-B42B-4BD6-B05C-ED6EB227F404}" presName="Parent" presStyleLbl="node0" presStyleIdx="0" presStyleCnt="1">
+        <dgm:presLayoutVars>
+          <dgm:chMax val="6"/>
+          <dgm:chPref val="6"/>
+        </dgm:presLayoutVars>
+      </dgm:prSet>
+      <dgm:spPr/>
+    </dgm:pt>
+    <dgm:pt modelId="{4BEA8DAC-75B6-4D31-BC21-9D55D4D5D097}" type="pres">
+      <dgm:prSet presAssocID="{7B8FB17F-F140-49EF-A7B9-14297E787163}" presName="Accent1" presStyleCnt="0"/>
+      <dgm:spPr/>
+    </dgm:pt>
+    <dgm:pt modelId="{16CF770B-5BEB-4F29-82EB-F4EF790FAA9B}" type="pres">
+      <dgm:prSet presAssocID="{7B8FB17F-F140-49EF-A7B9-14297E787163}" presName="Accent" presStyleLbl="bgShp" presStyleIdx="0" presStyleCnt="6"/>
+      <dgm:spPr/>
+    </dgm:pt>
+    <dgm:pt modelId="{F894FEF7-7BD9-4020-AAEF-20B0DD9B69ED}" type="pres">
+      <dgm:prSet presAssocID="{7B8FB17F-F140-49EF-A7B9-14297E787163}" presName="Child1" presStyleLbl="node1" presStyleIdx="0" presStyleCnt="6">
+        <dgm:presLayoutVars>
+          <dgm:chMax val="0"/>
+          <dgm:chPref val="0"/>
+          <dgm:bulletEnabled val="1"/>
+        </dgm:presLayoutVars>
+      </dgm:prSet>
+      <dgm:spPr/>
+    </dgm:pt>
+    <dgm:pt modelId="{5DD0D44F-3269-4281-8696-94521ACCC3D7}" type="pres">
+      <dgm:prSet presAssocID="{36B7BA39-0AB9-4721-BB81-F9650002AC3B}" presName="Accent2" presStyleCnt="0"/>
+      <dgm:spPr/>
+    </dgm:pt>
+    <dgm:pt modelId="{B3B6A81B-1237-4687-B46C-9CA92F20803C}" type="pres">
+      <dgm:prSet presAssocID="{36B7BA39-0AB9-4721-BB81-F9650002AC3B}" presName="Accent" presStyleLbl="bgShp" presStyleIdx="1" presStyleCnt="6"/>
+      <dgm:spPr/>
+    </dgm:pt>
+    <dgm:pt modelId="{5CAEEB57-154D-4008-873E-DBDA394C6826}" type="pres">
+      <dgm:prSet presAssocID="{36B7BA39-0AB9-4721-BB81-F9650002AC3B}" presName="Child2" presStyleLbl="node1" presStyleIdx="1" presStyleCnt="6">
+        <dgm:presLayoutVars>
+          <dgm:chMax val="0"/>
+          <dgm:chPref val="0"/>
+          <dgm:bulletEnabled val="1"/>
+        </dgm:presLayoutVars>
+      </dgm:prSet>
+      <dgm:spPr/>
+    </dgm:pt>
+    <dgm:pt modelId="{CD9AD4BA-734B-4926-AFB0-B2ACCAC94190}" type="pres">
+      <dgm:prSet presAssocID="{B587DA04-451E-4966-84FB-0A033D237DC5}" presName="Accent3" presStyleCnt="0"/>
+      <dgm:spPr/>
+    </dgm:pt>
+    <dgm:pt modelId="{A219CF80-6B43-4EBC-BD37-B6556E1CA97B}" type="pres">
+      <dgm:prSet presAssocID="{B587DA04-451E-4966-84FB-0A033D237DC5}" presName="Accent" presStyleLbl="bgShp" presStyleIdx="2" presStyleCnt="6"/>
+      <dgm:spPr/>
+    </dgm:pt>
+    <dgm:pt modelId="{6F306E5F-A89A-4868-855D-EB474C4DA12D}" type="pres">
+      <dgm:prSet presAssocID="{B587DA04-451E-4966-84FB-0A033D237DC5}" presName="Child3" presStyleLbl="node1" presStyleIdx="2" presStyleCnt="6">
+        <dgm:presLayoutVars>
+          <dgm:chMax val="0"/>
+          <dgm:chPref val="0"/>
+          <dgm:bulletEnabled val="1"/>
+        </dgm:presLayoutVars>
+      </dgm:prSet>
+      <dgm:spPr/>
+    </dgm:pt>
+    <dgm:pt modelId="{7CB5E1BF-6081-4CEA-9943-DF3C892B58A5}" type="pres">
+      <dgm:prSet presAssocID="{2A073434-EAD6-46FE-B898-95EEDD50D9DD}" presName="Accent4" presStyleCnt="0"/>
+      <dgm:spPr/>
+    </dgm:pt>
+    <dgm:pt modelId="{80F6AC98-57D3-420F-9973-1C029BBB2DA3}" type="pres">
+      <dgm:prSet presAssocID="{2A073434-EAD6-46FE-B898-95EEDD50D9DD}" presName="Accent" presStyleLbl="bgShp" presStyleIdx="3" presStyleCnt="6"/>
+      <dgm:spPr/>
+    </dgm:pt>
+    <dgm:pt modelId="{21186CFA-8898-4881-A52B-9A2CB335AC16}" type="pres">
+      <dgm:prSet presAssocID="{2A073434-EAD6-46FE-B898-95EEDD50D9DD}" presName="Child4" presStyleLbl="node1" presStyleIdx="3" presStyleCnt="6">
+        <dgm:presLayoutVars>
+          <dgm:chMax val="0"/>
+          <dgm:chPref val="0"/>
+          <dgm:bulletEnabled val="1"/>
+        </dgm:presLayoutVars>
+      </dgm:prSet>
+      <dgm:spPr/>
+    </dgm:pt>
+    <dgm:pt modelId="{A72E18DE-5324-4916-A42B-A65FA3417F7C}" type="pres">
+      <dgm:prSet presAssocID="{9527D709-41B8-4111-97ED-AF9D6854D2B1}" presName="Accent5" presStyleCnt="0"/>
+      <dgm:spPr/>
+    </dgm:pt>
+    <dgm:pt modelId="{85200FD4-167B-4233-B72E-07BC76168624}" type="pres">
+      <dgm:prSet presAssocID="{9527D709-41B8-4111-97ED-AF9D6854D2B1}" presName="Accent" presStyleLbl="bgShp" presStyleIdx="4" presStyleCnt="6"/>
+      <dgm:spPr/>
+    </dgm:pt>
+    <dgm:pt modelId="{0484E9B0-3A2F-40BE-9D38-0132C190685C}" type="pres">
+      <dgm:prSet presAssocID="{9527D709-41B8-4111-97ED-AF9D6854D2B1}" presName="Child5" presStyleLbl="node1" presStyleIdx="4" presStyleCnt="6">
+        <dgm:presLayoutVars>
+          <dgm:chMax val="0"/>
+          <dgm:chPref val="0"/>
+          <dgm:bulletEnabled val="1"/>
+        </dgm:presLayoutVars>
+      </dgm:prSet>
+      <dgm:spPr/>
+    </dgm:pt>
+    <dgm:pt modelId="{2C0CF956-C094-4731-9F42-0ACC9845506A}" type="pres">
+      <dgm:prSet presAssocID="{8BBDDDFB-5198-405E-8514-F53C9FC01E18}" presName="Accent6" presStyleCnt="0"/>
+      <dgm:spPr/>
+    </dgm:pt>
+    <dgm:pt modelId="{4EB9E7AE-171F-4987-9A03-76D127A68128}" type="pres">
+      <dgm:prSet presAssocID="{8BBDDDFB-5198-405E-8514-F53C9FC01E18}" presName="Accent" presStyleLbl="bgShp" presStyleIdx="5" presStyleCnt="6"/>
+      <dgm:spPr/>
+    </dgm:pt>
+    <dgm:pt modelId="{603EAF3A-ECE3-4924-ABF9-46DA2BD1E63A}" type="pres">
+      <dgm:prSet presAssocID="{8BBDDDFB-5198-405E-8514-F53C9FC01E18}" presName="Child6" presStyleLbl="node1" presStyleIdx="5" presStyleCnt="6">
+        <dgm:presLayoutVars>
+          <dgm:chMax val="0"/>
+          <dgm:chPref val="0"/>
+          <dgm:bulletEnabled val="1"/>
+        </dgm:presLayoutVars>
+      </dgm:prSet>
+      <dgm:spPr/>
+    </dgm:pt>
+  </dgm:ptLst>
+  <dgm:cxnLst>
+    <dgm:cxn modelId="{6F7D0C1D-FE42-410C-B4BC-071A05D107B2}" type="presOf" srcId="{2A073434-EAD6-46FE-B898-95EEDD50D9DD}" destId="{21186CFA-8898-4881-A52B-9A2CB335AC16}" srcOrd="0" destOrd="0" presId="urn:microsoft.com/office/officeart/2011/layout/HexagonRadial"/>
+    <dgm:cxn modelId="{576B5527-D946-45B7-83CE-FAD79F4CC871}" srcId="{DCFB79F9-B42B-4BD6-B05C-ED6EB227F404}" destId="{B587DA04-451E-4966-84FB-0A033D237DC5}" srcOrd="2" destOrd="0" parTransId="{A15FEE71-E930-4BC1-A5C0-AC9936F0E9C4}" sibTransId="{4F60AF80-CA00-467B-9E8E-360EB42C7714}"/>
+    <dgm:cxn modelId="{D92E5A2A-9209-455E-910E-C611400A0984}" type="presOf" srcId="{DCFB79F9-B42B-4BD6-B05C-ED6EB227F404}" destId="{E5052FAB-B231-4A2E-B580-99A4EDE0A8E8}" srcOrd="0" destOrd="0" presId="urn:microsoft.com/office/officeart/2011/layout/HexagonRadial"/>
+    <dgm:cxn modelId="{7496422B-A248-4DA4-BDFC-6F7EE18A9C3B}" type="presOf" srcId="{8BBDDDFB-5198-405E-8514-F53C9FC01E18}" destId="{603EAF3A-ECE3-4924-ABF9-46DA2BD1E63A}" srcOrd="0" destOrd="0" presId="urn:microsoft.com/office/officeart/2011/layout/HexagonRadial"/>
+    <dgm:cxn modelId="{9040052C-371C-46D3-B35E-D80C0373AC30}" type="presOf" srcId="{9527D709-41B8-4111-97ED-AF9D6854D2B1}" destId="{0484E9B0-3A2F-40BE-9D38-0132C190685C}" srcOrd="0" destOrd="0" presId="urn:microsoft.com/office/officeart/2011/layout/HexagonRadial"/>
+    <dgm:cxn modelId="{255F1368-192F-45C3-B6E3-B38B91FB6A16}" srcId="{DCFB79F9-B42B-4BD6-B05C-ED6EB227F404}" destId="{2A073434-EAD6-46FE-B898-95EEDD50D9DD}" srcOrd="3" destOrd="0" parTransId="{425BFB34-F401-4DC3-B3C6-5DE50F77F78C}" sibTransId="{E887C71C-DDB8-4CEB-A2A5-FD37F33F5776}"/>
+    <dgm:cxn modelId="{2DC4B196-B66C-46A7-862D-D224571CDB7F}" type="presOf" srcId="{36B7BA39-0AB9-4721-BB81-F9650002AC3B}" destId="{5CAEEB57-154D-4008-873E-DBDA394C6826}" srcOrd="0" destOrd="0" presId="urn:microsoft.com/office/officeart/2011/layout/HexagonRadial"/>
+    <dgm:cxn modelId="{0C84569F-E6DB-4BB5-8C8F-E89BFD9AA084}" srcId="{DCFB79F9-B42B-4BD6-B05C-ED6EB227F404}" destId="{7B8FB17F-F140-49EF-A7B9-14297E787163}" srcOrd="0" destOrd="0" parTransId="{06C0733A-DAFA-4268-A395-396D80EE8F32}" sibTransId="{D50223B4-F750-4EE8-8127-7C6B90C770A6}"/>
+    <dgm:cxn modelId="{8B5AAFA6-AD40-40EF-BBCE-94F9C3653C1B}" srcId="{DCFB79F9-B42B-4BD6-B05C-ED6EB227F404}" destId="{36B7BA39-0AB9-4721-BB81-F9650002AC3B}" srcOrd="1" destOrd="0" parTransId="{D4858C09-B565-4D09-9399-E40FDE25A3E8}" sibTransId="{F1793A88-5D67-4902-9578-3785EFA129D2}"/>
+    <dgm:cxn modelId="{3FB0C4AD-4515-4635-90F8-45967FD944E0}" type="presOf" srcId="{7B8FB17F-F140-49EF-A7B9-14297E787163}" destId="{F894FEF7-7BD9-4020-AAEF-20B0DD9B69ED}" srcOrd="0" destOrd="0" presId="urn:microsoft.com/office/officeart/2011/layout/HexagonRadial"/>
+    <dgm:cxn modelId="{FFD254BC-7675-4F35-9EB1-266746033411}" srcId="{DCFB79F9-B42B-4BD6-B05C-ED6EB227F404}" destId="{8BBDDDFB-5198-405E-8514-F53C9FC01E18}" srcOrd="5" destOrd="0" parTransId="{8C7AD8E2-C218-470D-A140-B4CEF5B15AA7}" sibTransId="{75FF0973-F341-4F88-90B1-744FE4F6B70D}"/>
+    <dgm:cxn modelId="{016E23CB-81B7-4315-AC77-A578F09E7EE1}" srcId="{B0F6BF26-CE7B-4679-BCE8-2F587A25D227}" destId="{DCFB79F9-B42B-4BD6-B05C-ED6EB227F404}" srcOrd="0" destOrd="0" parTransId="{F00CD865-60F4-4436-A896-C52BB20337E8}" sibTransId="{1BE3EFE1-6B84-4AF4-A57C-177B00259C67}"/>
+    <dgm:cxn modelId="{ED53F8DF-24F6-47E5-926F-6C61A46C4BCF}" srcId="{DCFB79F9-B42B-4BD6-B05C-ED6EB227F404}" destId="{9527D709-41B8-4111-97ED-AF9D6854D2B1}" srcOrd="4" destOrd="0" parTransId="{9FDEE50A-D45D-46FA-BBEB-0055C6D61957}" sibTransId="{8E480AE6-75DF-47B6-82CC-95CD5FFCA6EC}"/>
+    <dgm:cxn modelId="{494416EA-7200-4E65-A4C4-07E2605CC41E}" type="presOf" srcId="{B0F6BF26-CE7B-4679-BCE8-2F587A25D227}" destId="{03A7BDDD-97E4-4CAD-A177-013E924D346C}" srcOrd="0" destOrd="0" presId="urn:microsoft.com/office/officeart/2011/layout/HexagonRadial"/>
+    <dgm:cxn modelId="{5B8E67F6-21A7-470A-A3AF-EAA31829CF5C}" type="presOf" srcId="{B587DA04-451E-4966-84FB-0A033D237DC5}" destId="{6F306E5F-A89A-4868-855D-EB474C4DA12D}" srcOrd="0" destOrd="0" presId="urn:microsoft.com/office/officeart/2011/layout/HexagonRadial"/>
+    <dgm:cxn modelId="{5436B9DC-F0C4-4348-A3AF-E2133ED8B4C4}" type="presParOf" srcId="{03A7BDDD-97E4-4CAD-A177-013E924D346C}" destId="{E5052FAB-B231-4A2E-B580-99A4EDE0A8E8}" srcOrd="0" destOrd="0" presId="urn:microsoft.com/office/officeart/2011/layout/HexagonRadial"/>
+    <dgm:cxn modelId="{BF85D7D9-0D71-4621-8CD5-30206F97FF8B}" type="presParOf" srcId="{03A7BDDD-97E4-4CAD-A177-013E924D346C}" destId="{4BEA8DAC-75B6-4D31-BC21-9D55D4D5D097}" srcOrd="1" destOrd="0" presId="urn:microsoft.com/office/officeart/2011/layout/HexagonRadial"/>
+    <dgm:cxn modelId="{0A2CF6AF-D4BC-4702-A457-9C3C8DEEC0FB}" type="presParOf" srcId="{4BEA8DAC-75B6-4D31-BC21-9D55D4D5D097}" destId="{16CF770B-5BEB-4F29-82EB-F4EF790FAA9B}" srcOrd="0" destOrd="0" presId="urn:microsoft.com/office/officeart/2011/layout/HexagonRadial"/>
+    <dgm:cxn modelId="{4095F082-7778-4805-BE19-D00E031C10F0}" type="presParOf" srcId="{03A7BDDD-97E4-4CAD-A177-013E924D346C}" destId="{F894FEF7-7BD9-4020-AAEF-20B0DD9B69ED}" srcOrd="2" destOrd="0" presId="urn:microsoft.com/office/officeart/2011/layout/HexagonRadial"/>
+    <dgm:cxn modelId="{E794881E-B3C2-4037-A8BC-470ED7858C94}" type="presParOf" srcId="{03A7BDDD-97E4-4CAD-A177-013E924D346C}" destId="{5DD0D44F-3269-4281-8696-94521ACCC3D7}" srcOrd="3" destOrd="0" presId="urn:microsoft.com/office/officeart/2011/layout/HexagonRadial"/>
+    <dgm:cxn modelId="{FFD18D97-ABD8-4825-BC11-031616A7ED16}" type="presParOf" srcId="{5DD0D44F-3269-4281-8696-94521ACCC3D7}" destId="{B3B6A81B-1237-4687-B46C-9CA92F20803C}" srcOrd="0" destOrd="0" presId="urn:microsoft.com/office/officeart/2011/layout/HexagonRadial"/>
+    <dgm:cxn modelId="{207D8821-00C5-4873-B016-237898102402}" type="presParOf" srcId="{03A7BDDD-97E4-4CAD-A177-013E924D346C}" destId="{5CAEEB57-154D-4008-873E-DBDA394C6826}" srcOrd="4" destOrd="0" presId="urn:microsoft.com/office/officeart/2011/layout/HexagonRadial"/>
+    <dgm:cxn modelId="{615FE84C-6E57-4A3F-8A79-6EBDB55650C8}" type="presParOf" srcId="{03A7BDDD-97E4-4CAD-A177-013E924D346C}" destId="{CD9AD4BA-734B-4926-AFB0-B2ACCAC94190}" srcOrd="5" destOrd="0" presId="urn:microsoft.com/office/officeart/2011/layout/HexagonRadial"/>
+    <dgm:cxn modelId="{75ACD820-BA13-4284-BE72-405BD080DC9D}" type="presParOf" srcId="{CD9AD4BA-734B-4926-AFB0-B2ACCAC94190}" destId="{A219CF80-6B43-4EBC-BD37-B6556E1CA97B}" srcOrd="0" destOrd="0" presId="urn:microsoft.com/office/officeart/2011/layout/HexagonRadial"/>
+    <dgm:cxn modelId="{4B3F1425-0FE3-44DF-AD0B-431A23CC4DF2}" type="presParOf" srcId="{03A7BDDD-97E4-4CAD-A177-013E924D346C}" destId="{6F306E5F-A89A-4868-855D-EB474C4DA12D}" srcOrd="6" destOrd="0" presId="urn:microsoft.com/office/officeart/2011/layout/HexagonRadial"/>
+    <dgm:cxn modelId="{68D68FD7-186E-4345-91D7-CB7ADEB1C8E1}" type="presParOf" srcId="{03A7BDDD-97E4-4CAD-A177-013E924D346C}" destId="{7CB5E1BF-6081-4CEA-9943-DF3C892B58A5}" srcOrd="7" destOrd="0" presId="urn:microsoft.com/office/officeart/2011/layout/HexagonRadial"/>
+    <dgm:cxn modelId="{96D7B107-371A-477B-B051-9256F5673AA5}" type="presParOf" srcId="{7CB5E1BF-6081-4CEA-9943-DF3C892B58A5}" destId="{80F6AC98-57D3-420F-9973-1C029BBB2DA3}" srcOrd="0" destOrd="0" presId="urn:microsoft.com/office/officeart/2011/layout/HexagonRadial"/>
+    <dgm:cxn modelId="{DE97C942-89AA-4631-8F6A-17EA41C1098B}" type="presParOf" srcId="{03A7BDDD-97E4-4CAD-A177-013E924D346C}" destId="{21186CFA-8898-4881-A52B-9A2CB335AC16}" srcOrd="8" destOrd="0" presId="urn:microsoft.com/office/officeart/2011/layout/HexagonRadial"/>
+    <dgm:cxn modelId="{2944C324-1243-459A-928C-81B4C4596B08}" type="presParOf" srcId="{03A7BDDD-97E4-4CAD-A177-013E924D346C}" destId="{A72E18DE-5324-4916-A42B-A65FA3417F7C}" srcOrd="9" destOrd="0" presId="urn:microsoft.com/office/officeart/2011/layout/HexagonRadial"/>
+    <dgm:cxn modelId="{EE2F2D71-F158-4606-BEBD-2F462CE42935}" type="presParOf" srcId="{A72E18DE-5324-4916-A42B-A65FA3417F7C}" destId="{85200FD4-167B-4233-B72E-07BC76168624}" srcOrd="0" destOrd="0" presId="urn:microsoft.com/office/officeart/2011/layout/HexagonRadial"/>
+    <dgm:cxn modelId="{0BD1527A-18BE-4CA8-98EA-27605EE1A6A1}" type="presParOf" srcId="{03A7BDDD-97E4-4CAD-A177-013E924D346C}" destId="{0484E9B0-3A2F-40BE-9D38-0132C190685C}" srcOrd="10" destOrd="0" presId="urn:microsoft.com/office/officeart/2011/layout/HexagonRadial"/>
+    <dgm:cxn modelId="{03C3E23E-AF18-47ED-8520-83E697CEC05F}" type="presParOf" srcId="{03A7BDDD-97E4-4CAD-A177-013E924D346C}" destId="{2C0CF956-C094-4731-9F42-0ACC9845506A}" srcOrd="11" destOrd="0" presId="urn:microsoft.com/office/officeart/2011/layout/HexagonRadial"/>
+    <dgm:cxn modelId="{834FA586-ADB9-4A58-B2EE-3C3175F8C437}" type="presParOf" srcId="{2C0CF956-C094-4731-9F42-0ACC9845506A}" destId="{4EB9E7AE-171F-4987-9A03-76D127A68128}" srcOrd="0" destOrd="0" presId="urn:microsoft.com/office/officeart/2011/layout/HexagonRadial"/>
+    <dgm:cxn modelId="{C4259458-DCC6-4B44-AAF5-AB0948DBDB2A}" type="presParOf" srcId="{03A7BDDD-97E4-4CAD-A177-013E924D346C}" destId="{603EAF3A-ECE3-4924-ABF9-46DA2BD1E63A}" srcOrd="12" destOrd="0" presId="urn:microsoft.com/office/officeart/2011/layout/HexagonRadial"/>
+  </dgm:cxnLst>
+  <dgm:bg/>
+  <dgm:whole/>
+  <dgm:extLst>
+    <a:ext uri="http://schemas.microsoft.com/office/drawing/2008/diagram">
+      <dsp:dataModelExt xmlns:dsp="http://schemas.microsoft.com/office/drawing/2008/diagram" relId="rId6" minVer="http://schemas.openxmlformats.org/drawingml/2006/diagram"/>
+    </a:ext>
+  </dgm:extLst>
+</dgm:dataModel>
+</file>
+
+<file path=ppt/diagrams/data2.xml><?xml version="1.0" encoding="utf-8"?>
 <dgm:dataModel xmlns:dgm="http://schemas.openxmlformats.org/drawingml/2006/diagram" xmlns:a="http://schemas.openxmlformats.org/drawingml/2006/main">
   <dgm:ptLst>
     <dgm:pt modelId="{8E02C846-FB17-4AAD-ABE8-6CE6861BAB2F}" type="doc">
@@ -1418,6 +2629,821 @@
 </file>
 
 <file path=ppt/diagrams/drawing1.xml><?xml version="1.0" encoding="utf-8"?>
+<dsp:drawing xmlns:dgm="http://schemas.openxmlformats.org/drawingml/2006/diagram" xmlns:dsp="http://schemas.microsoft.com/office/drawing/2008/diagram" xmlns:a="http://schemas.openxmlformats.org/drawingml/2006/main">
+  <dsp:spTree>
+    <dsp:nvGrpSpPr>
+      <dsp:cNvPr id="0" name=""/>
+      <dsp:cNvGrpSpPr/>
+    </dsp:nvGrpSpPr>
+    <dsp:grpSpPr/>
+    <dsp:sp modelId="{E5052FAB-B231-4A2E-B580-99A4EDE0A8E8}">
+      <dsp:nvSpPr>
+        <dsp:cNvPr id="0" name=""/>
+        <dsp:cNvSpPr/>
+      </dsp:nvSpPr>
+      <dsp:spPr>
+        <a:xfrm>
+          <a:off x="4365484" y="1403741"/>
+          <a:ext cx="1784216" cy="1543419"/>
+        </a:xfrm>
+        <a:prstGeom prst="hexagon">
+          <a:avLst>
+            <a:gd name="adj" fmla="val 28570"/>
+            <a:gd name="vf" fmla="val 115470"/>
+          </a:avLst>
+        </a:prstGeom>
+        <a:solidFill>
+          <a:schemeClr val="accent1">
+            <a:hueOff val="0"/>
+            <a:satOff val="0"/>
+            <a:lumOff val="0"/>
+            <a:alphaOff val="0"/>
+          </a:schemeClr>
+        </a:solidFill>
+        <a:ln w="12700" cap="flat" cmpd="sng" algn="ctr">
+          <a:solidFill>
+            <a:schemeClr val="lt1">
+              <a:hueOff val="0"/>
+              <a:satOff val="0"/>
+              <a:lumOff val="0"/>
+              <a:alphaOff val="0"/>
+            </a:schemeClr>
+          </a:solidFill>
+          <a:prstDash val="solid"/>
+          <a:miter lim="800000"/>
+        </a:ln>
+        <a:effectLst/>
+      </dsp:spPr>
+      <dsp:style>
+        <a:lnRef idx="2">
+          <a:scrgbClr r="0" g="0" b="0"/>
+        </a:lnRef>
+        <a:fillRef idx="1">
+          <a:scrgbClr r="0" g="0" b="0"/>
+        </a:fillRef>
+        <a:effectRef idx="0">
+          <a:scrgbClr r="0" g="0" b="0"/>
+        </a:effectRef>
+        <a:fontRef idx="minor">
+          <a:schemeClr val="lt1"/>
+        </a:fontRef>
+      </dsp:style>
+      <dsp:txBody>
+        <a:bodyPr spcFirstLastPara="0" vert="horz" wrap="square" lIns="19050" tIns="19050" rIns="19050" bIns="19050" numCol="1" spcCol="1270" anchor="ctr" anchorCtr="0">
+          <a:noAutofit/>
+        </a:bodyPr>
+        <a:lstStyle/>
+        <a:p>
+          <a:pPr marL="0" lvl="0" indent="0" algn="ctr" defTabSz="666750">
+            <a:lnSpc>
+              <a:spcPct val="90000"/>
+            </a:lnSpc>
+            <a:spcBef>
+              <a:spcPct val="0"/>
+            </a:spcBef>
+            <a:spcAft>
+              <a:spcPct val="35000"/>
+            </a:spcAft>
+            <a:buNone/>
+          </a:pPr>
+          <a:r>
+            <a:rPr lang="en-US" sz="1500" kern="1200" dirty="0">
+              <a:latin typeface="Arial" panose="020B0604020202020204" pitchFamily="34" charset="0"/>
+              <a:cs typeface="Arial" panose="020B0604020202020204" pitchFamily="34" charset="0"/>
+            </a:rPr>
+            <a:t>Machine Learning</a:t>
+          </a:r>
+        </a:p>
+      </dsp:txBody>
+      <dsp:txXfrm>
+        <a:off x="4661154" y="1659507"/>
+        <a:ext cx="1192876" cy="1031887"/>
+      </dsp:txXfrm>
+    </dsp:sp>
+    <dsp:sp modelId="{B3B6A81B-1237-4687-B46C-9CA92F20803C}">
+      <dsp:nvSpPr>
+        <dsp:cNvPr id="0" name=""/>
+        <dsp:cNvSpPr/>
+      </dsp:nvSpPr>
+      <dsp:spPr>
+        <a:xfrm>
+          <a:off x="5482746" y="665319"/>
+          <a:ext cx="673179" cy="580033"/>
+        </a:xfrm>
+        <a:prstGeom prst="hexagon">
+          <a:avLst>
+            <a:gd name="adj" fmla="val 28900"/>
+            <a:gd name="vf" fmla="val 115470"/>
+          </a:avLst>
+        </a:prstGeom>
+        <a:solidFill>
+          <a:schemeClr val="accent1">
+            <a:tint val="40000"/>
+            <a:hueOff val="0"/>
+            <a:satOff val="0"/>
+            <a:lumOff val="0"/>
+            <a:alphaOff val="0"/>
+          </a:schemeClr>
+        </a:solidFill>
+        <a:ln>
+          <a:noFill/>
+        </a:ln>
+        <a:effectLst/>
+      </dsp:spPr>
+      <dsp:style>
+        <a:lnRef idx="0">
+          <a:scrgbClr r="0" g="0" b="0"/>
+        </a:lnRef>
+        <a:fillRef idx="1">
+          <a:scrgbClr r="0" g="0" b="0"/>
+        </a:fillRef>
+        <a:effectRef idx="0">
+          <a:scrgbClr r="0" g="0" b="0"/>
+        </a:effectRef>
+        <a:fontRef idx="minor"/>
+      </dsp:style>
+    </dsp:sp>
+    <dsp:sp modelId="{F894FEF7-7BD9-4020-AAEF-20B0DD9B69ED}">
+      <dsp:nvSpPr>
+        <dsp:cNvPr id="0" name=""/>
+        <dsp:cNvSpPr/>
+      </dsp:nvSpPr>
+      <dsp:spPr>
+        <a:xfrm>
+          <a:off x="4529836" y="0"/>
+          <a:ext cx="1462152" cy="1264933"/>
+        </a:xfrm>
+        <a:prstGeom prst="hexagon">
+          <a:avLst>
+            <a:gd name="adj" fmla="val 28570"/>
+            <a:gd name="vf" fmla="val 115470"/>
+          </a:avLst>
+        </a:prstGeom>
+        <a:solidFill>
+          <a:schemeClr val="accent1">
+            <a:hueOff val="0"/>
+            <a:satOff val="0"/>
+            <a:lumOff val="0"/>
+            <a:alphaOff val="0"/>
+          </a:schemeClr>
+        </a:solidFill>
+        <a:ln w="12700" cap="flat" cmpd="sng" algn="ctr">
+          <a:solidFill>
+            <a:schemeClr val="lt1">
+              <a:hueOff val="0"/>
+              <a:satOff val="0"/>
+              <a:lumOff val="0"/>
+              <a:alphaOff val="0"/>
+            </a:schemeClr>
+          </a:solidFill>
+          <a:prstDash val="solid"/>
+          <a:miter lim="800000"/>
+        </a:ln>
+        <a:effectLst/>
+      </dsp:spPr>
+      <dsp:style>
+        <a:lnRef idx="2">
+          <a:scrgbClr r="0" g="0" b="0"/>
+        </a:lnRef>
+        <a:fillRef idx="1">
+          <a:scrgbClr r="0" g="0" b="0"/>
+        </a:fillRef>
+        <a:effectRef idx="0">
+          <a:scrgbClr r="0" g="0" b="0"/>
+        </a:effectRef>
+        <a:fontRef idx="minor">
+          <a:schemeClr val="lt1"/>
+        </a:fontRef>
+      </dsp:style>
+      <dsp:txBody>
+        <a:bodyPr spcFirstLastPara="0" vert="horz" wrap="square" lIns="19050" tIns="19050" rIns="19050" bIns="19050" numCol="1" spcCol="1270" anchor="ctr" anchorCtr="0">
+          <a:noAutofit/>
+        </a:bodyPr>
+        <a:lstStyle/>
+        <a:p>
+          <a:pPr marL="0" lvl="0" indent="0" algn="ctr" defTabSz="666750">
+            <a:lnSpc>
+              <a:spcPct val="90000"/>
+            </a:lnSpc>
+            <a:spcBef>
+              <a:spcPct val="0"/>
+            </a:spcBef>
+            <a:spcAft>
+              <a:spcPct val="35000"/>
+            </a:spcAft>
+            <a:buNone/>
+          </a:pPr>
+          <a:r>
+            <a:rPr lang="en-US" sz="1500" kern="1200" dirty="0">
+              <a:latin typeface="Arial" panose="020B0604020202020204" pitchFamily="34" charset="0"/>
+              <a:cs typeface="Arial" panose="020B0604020202020204" pitchFamily="34" charset="0"/>
+            </a:rPr>
+            <a:t>Front End (Heroku)</a:t>
+          </a:r>
+        </a:p>
+      </dsp:txBody>
+      <dsp:txXfrm>
+        <a:off x="4772146" y="209626"/>
+        <a:ext cx="977532" cy="845681"/>
+      </dsp:txXfrm>
+    </dsp:sp>
+    <dsp:sp modelId="{A219CF80-6B43-4EBC-BD37-B6556E1CA97B}">
+      <dsp:nvSpPr>
+        <dsp:cNvPr id="0" name=""/>
+        <dsp:cNvSpPr/>
+      </dsp:nvSpPr>
+      <dsp:spPr>
+        <a:xfrm>
+          <a:off x="6268399" y="1749673"/>
+          <a:ext cx="673179" cy="580033"/>
+        </a:xfrm>
+        <a:prstGeom prst="hexagon">
+          <a:avLst>
+            <a:gd name="adj" fmla="val 28900"/>
+            <a:gd name="vf" fmla="val 115470"/>
+          </a:avLst>
+        </a:prstGeom>
+        <a:solidFill>
+          <a:schemeClr val="accent1">
+            <a:tint val="40000"/>
+            <a:hueOff val="0"/>
+            <a:satOff val="0"/>
+            <a:lumOff val="0"/>
+            <a:alphaOff val="0"/>
+          </a:schemeClr>
+        </a:solidFill>
+        <a:ln>
+          <a:noFill/>
+        </a:ln>
+        <a:effectLst/>
+      </dsp:spPr>
+      <dsp:style>
+        <a:lnRef idx="0">
+          <a:scrgbClr r="0" g="0" b="0"/>
+        </a:lnRef>
+        <a:fillRef idx="1">
+          <a:scrgbClr r="0" g="0" b="0"/>
+        </a:fillRef>
+        <a:effectRef idx="0">
+          <a:scrgbClr r="0" g="0" b="0"/>
+        </a:effectRef>
+        <a:fontRef idx="minor"/>
+      </dsp:style>
+    </dsp:sp>
+    <dsp:sp modelId="{5CAEEB57-154D-4008-873E-DBDA394C6826}">
+      <dsp:nvSpPr>
+        <dsp:cNvPr id="0" name=""/>
+        <dsp:cNvSpPr/>
+      </dsp:nvSpPr>
+      <dsp:spPr>
+        <a:xfrm>
+          <a:off x="5870800" y="778019"/>
+          <a:ext cx="1462152" cy="1264933"/>
+        </a:xfrm>
+        <a:prstGeom prst="hexagon">
+          <a:avLst>
+            <a:gd name="adj" fmla="val 28570"/>
+            <a:gd name="vf" fmla="val 115470"/>
+          </a:avLst>
+        </a:prstGeom>
+        <a:solidFill>
+          <a:schemeClr val="accent1">
+            <a:hueOff val="0"/>
+            <a:satOff val="0"/>
+            <a:lumOff val="0"/>
+            <a:alphaOff val="0"/>
+          </a:schemeClr>
+        </a:solidFill>
+        <a:ln w="12700" cap="flat" cmpd="sng" algn="ctr">
+          <a:solidFill>
+            <a:schemeClr val="lt1">
+              <a:hueOff val="0"/>
+              <a:satOff val="0"/>
+              <a:lumOff val="0"/>
+              <a:alphaOff val="0"/>
+            </a:schemeClr>
+          </a:solidFill>
+          <a:prstDash val="solid"/>
+          <a:miter lim="800000"/>
+        </a:ln>
+        <a:effectLst/>
+      </dsp:spPr>
+      <dsp:style>
+        <a:lnRef idx="2">
+          <a:scrgbClr r="0" g="0" b="0"/>
+        </a:lnRef>
+        <a:fillRef idx="1">
+          <a:scrgbClr r="0" g="0" b="0"/>
+        </a:fillRef>
+        <a:effectRef idx="0">
+          <a:scrgbClr r="0" g="0" b="0"/>
+        </a:effectRef>
+        <a:fontRef idx="minor">
+          <a:schemeClr val="lt1"/>
+        </a:fontRef>
+      </dsp:style>
+      <dsp:txBody>
+        <a:bodyPr spcFirstLastPara="0" vert="horz" wrap="square" lIns="19050" tIns="19050" rIns="19050" bIns="19050" numCol="1" spcCol="1270" anchor="ctr" anchorCtr="0">
+          <a:noAutofit/>
+        </a:bodyPr>
+        <a:lstStyle/>
+        <a:p>
+          <a:pPr marL="0" lvl="0" indent="0" algn="ctr" defTabSz="666750">
+            <a:lnSpc>
+              <a:spcPct val="90000"/>
+            </a:lnSpc>
+            <a:spcBef>
+              <a:spcPct val="0"/>
+            </a:spcBef>
+            <a:spcAft>
+              <a:spcPct val="35000"/>
+            </a:spcAft>
+            <a:buNone/>
+          </a:pPr>
+          <a:r>
+            <a:rPr lang="en-US" sz="1500" kern="1200" dirty="0">
+              <a:latin typeface="Arial" panose="020B0604020202020204" pitchFamily="34" charset="0"/>
+              <a:cs typeface="Arial" panose="020B0604020202020204" pitchFamily="34" charset="0"/>
+            </a:rPr>
+            <a:t>Front End Server (Flask)</a:t>
+          </a:r>
+        </a:p>
+      </dsp:txBody>
+      <dsp:txXfrm>
+        <a:off x="6113110" y="987645"/>
+        <a:ext cx="977532" cy="845681"/>
+      </dsp:txXfrm>
+    </dsp:sp>
+    <dsp:sp modelId="{80F6AC98-57D3-420F-9973-1C029BBB2DA3}">
+      <dsp:nvSpPr>
+        <dsp:cNvPr id="0" name=""/>
+        <dsp:cNvSpPr/>
+      </dsp:nvSpPr>
+      <dsp:spPr>
+        <a:xfrm>
+          <a:off x="5722634" y="2973704"/>
+          <a:ext cx="673179" cy="580033"/>
+        </a:xfrm>
+        <a:prstGeom prst="hexagon">
+          <a:avLst>
+            <a:gd name="adj" fmla="val 28900"/>
+            <a:gd name="vf" fmla="val 115470"/>
+          </a:avLst>
+        </a:prstGeom>
+        <a:solidFill>
+          <a:schemeClr val="accent1">
+            <a:tint val="40000"/>
+            <a:hueOff val="0"/>
+            <a:satOff val="0"/>
+            <a:lumOff val="0"/>
+            <a:alphaOff val="0"/>
+          </a:schemeClr>
+        </a:solidFill>
+        <a:ln>
+          <a:noFill/>
+        </a:ln>
+        <a:effectLst/>
+      </dsp:spPr>
+      <dsp:style>
+        <a:lnRef idx="0">
+          <a:scrgbClr r="0" g="0" b="0"/>
+        </a:lnRef>
+        <a:fillRef idx="1">
+          <a:scrgbClr r="0" g="0" b="0"/>
+        </a:fillRef>
+        <a:effectRef idx="0">
+          <a:scrgbClr r="0" g="0" b="0"/>
+        </a:effectRef>
+        <a:fontRef idx="minor"/>
+      </dsp:style>
+    </dsp:sp>
+    <dsp:sp modelId="{6F306E5F-A89A-4868-855D-EB474C4DA12D}">
+      <dsp:nvSpPr>
+        <dsp:cNvPr id="0" name=""/>
+        <dsp:cNvSpPr/>
+      </dsp:nvSpPr>
+      <dsp:spPr>
+        <a:xfrm>
+          <a:off x="5870800" y="2307514"/>
+          <a:ext cx="1462152" cy="1264933"/>
+        </a:xfrm>
+        <a:prstGeom prst="hexagon">
+          <a:avLst>
+            <a:gd name="adj" fmla="val 28570"/>
+            <a:gd name="vf" fmla="val 115470"/>
+          </a:avLst>
+        </a:prstGeom>
+        <a:solidFill>
+          <a:schemeClr val="accent1">
+            <a:hueOff val="0"/>
+            <a:satOff val="0"/>
+            <a:lumOff val="0"/>
+            <a:alphaOff val="0"/>
+          </a:schemeClr>
+        </a:solidFill>
+        <a:ln w="12700" cap="flat" cmpd="sng" algn="ctr">
+          <a:solidFill>
+            <a:schemeClr val="lt1">
+              <a:hueOff val="0"/>
+              <a:satOff val="0"/>
+              <a:lumOff val="0"/>
+              <a:alphaOff val="0"/>
+            </a:schemeClr>
+          </a:solidFill>
+          <a:prstDash val="solid"/>
+          <a:miter lim="800000"/>
+        </a:ln>
+        <a:effectLst/>
+      </dsp:spPr>
+      <dsp:style>
+        <a:lnRef idx="2">
+          <a:scrgbClr r="0" g="0" b="0"/>
+        </a:lnRef>
+        <a:fillRef idx="1">
+          <a:scrgbClr r="0" g="0" b="0"/>
+        </a:fillRef>
+        <a:effectRef idx="0">
+          <a:scrgbClr r="0" g="0" b="0"/>
+        </a:effectRef>
+        <a:fontRef idx="minor">
+          <a:schemeClr val="lt1"/>
+        </a:fontRef>
+      </dsp:style>
+      <dsp:txBody>
+        <a:bodyPr spcFirstLastPara="0" vert="horz" wrap="square" lIns="19050" tIns="19050" rIns="19050" bIns="19050" numCol="1" spcCol="1270" anchor="ctr" anchorCtr="0">
+          <a:noAutofit/>
+        </a:bodyPr>
+        <a:lstStyle/>
+        <a:p>
+          <a:pPr marL="0" lvl="0" indent="0" algn="ctr" defTabSz="666750">
+            <a:lnSpc>
+              <a:spcPct val="90000"/>
+            </a:lnSpc>
+            <a:spcBef>
+              <a:spcPct val="0"/>
+            </a:spcBef>
+            <a:spcAft>
+              <a:spcPct val="35000"/>
+            </a:spcAft>
+            <a:buNone/>
+          </a:pPr>
+          <a:r>
+            <a:rPr lang="en-US" sz="1500" kern="1200" dirty="0">
+              <a:latin typeface="Arial" panose="020B0604020202020204" pitchFamily="34" charset="0"/>
+              <a:cs typeface="Arial" panose="020B0604020202020204" pitchFamily="34" charset="0"/>
+            </a:rPr>
+            <a:t>Training Data</a:t>
+          </a:r>
+        </a:p>
+      </dsp:txBody>
+      <dsp:txXfrm>
+        <a:off x="6113110" y="2517140"/>
+        <a:ext cx="977532" cy="845681"/>
+      </dsp:txXfrm>
+    </dsp:sp>
+    <dsp:sp modelId="{85200FD4-167B-4233-B72E-07BC76168624}">
+      <dsp:nvSpPr>
+        <dsp:cNvPr id="0" name=""/>
+        <dsp:cNvSpPr/>
+      </dsp:nvSpPr>
+      <dsp:spPr>
+        <a:xfrm>
+          <a:off x="4368804" y="3100763"/>
+          <a:ext cx="673179" cy="580033"/>
+        </a:xfrm>
+        <a:prstGeom prst="hexagon">
+          <a:avLst>
+            <a:gd name="adj" fmla="val 28900"/>
+            <a:gd name="vf" fmla="val 115470"/>
+          </a:avLst>
+        </a:prstGeom>
+        <a:solidFill>
+          <a:schemeClr val="accent1">
+            <a:tint val="40000"/>
+            <a:hueOff val="0"/>
+            <a:satOff val="0"/>
+            <a:lumOff val="0"/>
+            <a:alphaOff val="0"/>
+          </a:schemeClr>
+        </a:solidFill>
+        <a:ln>
+          <a:noFill/>
+        </a:ln>
+        <a:effectLst/>
+      </dsp:spPr>
+      <dsp:style>
+        <a:lnRef idx="0">
+          <a:scrgbClr r="0" g="0" b="0"/>
+        </a:lnRef>
+        <a:fillRef idx="1">
+          <a:scrgbClr r="0" g="0" b="0"/>
+        </a:fillRef>
+        <a:effectRef idx="0">
+          <a:scrgbClr r="0" g="0" b="0"/>
+        </a:effectRef>
+        <a:fontRef idx="minor"/>
+      </dsp:style>
+    </dsp:sp>
+    <dsp:sp modelId="{21186CFA-8898-4881-A52B-9A2CB335AC16}">
+      <dsp:nvSpPr>
+        <dsp:cNvPr id="0" name=""/>
+        <dsp:cNvSpPr/>
+      </dsp:nvSpPr>
+      <dsp:spPr>
+        <a:xfrm>
+          <a:off x="4529836" y="3086404"/>
+          <a:ext cx="1462152" cy="1264933"/>
+        </a:xfrm>
+        <a:prstGeom prst="hexagon">
+          <a:avLst>
+            <a:gd name="adj" fmla="val 28570"/>
+            <a:gd name="vf" fmla="val 115470"/>
+          </a:avLst>
+        </a:prstGeom>
+        <a:solidFill>
+          <a:schemeClr val="accent1">
+            <a:hueOff val="0"/>
+            <a:satOff val="0"/>
+            <a:lumOff val="0"/>
+            <a:alphaOff val="0"/>
+          </a:schemeClr>
+        </a:solidFill>
+        <a:ln w="12700" cap="flat" cmpd="sng" algn="ctr">
+          <a:solidFill>
+            <a:schemeClr val="lt1">
+              <a:hueOff val="0"/>
+              <a:satOff val="0"/>
+              <a:lumOff val="0"/>
+              <a:alphaOff val="0"/>
+            </a:schemeClr>
+          </a:solidFill>
+          <a:prstDash val="solid"/>
+          <a:miter lim="800000"/>
+        </a:ln>
+        <a:effectLst/>
+      </dsp:spPr>
+      <dsp:style>
+        <a:lnRef idx="2">
+          <a:scrgbClr r="0" g="0" b="0"/>
+        </a:lnRef>
+        <a:fillRef idx="1">
+          <a:scrgbClr r="0" g="0" b="0"/>
+        </a:fillRef>
+        <a:effectRef idx="0">
+          <a:scrgbClr r="0" g="0" b="0"/>
+        </a:effectRef>
+        <a:fontRef idx="minor">
+          <a:schemeClr val="lt1"/>
+        </a:fontRef>
+      </dsp:style>
+      <dsp:txBody>
+        <a:bodyPr spcFirstLastPara="0" vert="horz" wrap="square" lIns="19050" tIns="19050" rIns="19050" bIns="19050" numCol="1" spcCol="1270" anchor="ctr" anchorCtr="0">
+          <a:noAutofit/>
+        </a:bodyPr>
+        <a:lstStyle/>
+        <a:p>
+          <a:pPr marL="0" lvl="0" indent="0" algn="ctr" defTabSz="666750">
+            <a:lnSpc>
+              <a:spcPct val="90000"/>
+            </a:lnSpc>
+            <a:spcBef>
+              <a:spcPct val="0"/>
+            </a:spcBef>
+            <a:spcAft>
+              <a:spcPct val="35000"/>
+            </a:spcAft>
+            <a:buNone/>
+          </a:pPr>
+          <a:r>
+            <a:rPr lang="en-US" sz="1500" kern="1200" dirty="0">
+              <a:latin typeface="Arial" panose="020B0604020202020204" pitchFamily="34" charset="0"/>
+              <a:cs typeface="Arial" panose="020B0604020202020204" pitchFamily="34" charset="0"/>
+            </a:rPr>
+            <a:t>Data to Study</a:t>
+          </a:r>
+        </a:p>
+      </dsp:txBody>
+      <dsp:txXfrm>
+        <a:off x="4772146" y="3296030"/>
+        <a:ext cx="977532" cy="845681"/>
+      </dsp:txXfrm>
+    </dsp:sp>
+    <dsp:sp modelId="{4EB9E7AE-171F-4987-9A03-76D127A68128}">
+      <dsp:nvSpPr>
+        <dsp:cNvPr id="0" name=""/>
+        <dsp:cNvSpPr/>
+      </dsp:nvSpPr>
+      <dsp:spPr>
+        <a:xfrm>
+          <a:off x="3570285" y="2016845"/>
+          <a:ext cx="673179" cy="580033"/>
+        </a:xfrm>
+        <a:prstGeom prst="hexagon">
+          <a:avLst>
+            <a:gd name="adj" fmla="val 28900"/>
+            <a:gd name="vf" fmla="val 115470"/>
+          </a:avLst>
+        </a:prstGeom>
+        <a:solidFill>
+          <a:schemeClr val="accent1">
+            <a:tint val="40000"/>
+            <a:hueOff val="0"/>
+            <a:satOff val="0"/>
+            <a:lumOff val="0"/>
+            <a:alphaOff val="0"/>
+          </a:schemeClr>
+        </a:solidFill>
+        <a:ln>
+          <a:noFill/>
+        </a:ln>
+        <a:effectLst/>
+      </dsp:spPr>
+      <dsp:style>
+        <a:lnRef idx="0">
+          <a:scrgbClr r="0" g="0" b="0"/>
+        </a:lnRef>
+        <a:fillRef idx="1">
+          <a:scrgbClr r="0" g="0" b="0"/>
+        </a:fillRef>
+        <a:effectRef idx="0">
+          <a:scrgbClr r="0" g="0" b="0"/>
+        </a:effectRef>
+        <a:fontRef idx="minor"/>
+      </dsp:style>
+    </dsp:sp>
+    <dsp:sp modelId="{0484E9B0-3A2F-40BE-9D38-0132C190685C}">
+      <dsp:nvSpPr>
+        <dsp:cNvPr id="0" name=""/>
+        <dsp:cNvSpPr/>
+      </dsp:nvSpPr>
+      <dsp:spPr>
+        <a:xfrm>
+          <a:off x="3182646" y="2308384"/>
+          <a:ext cx="1462152" cy="1264933"/>
+        </a:xfrm>
+        <a:prstGeom prst="hexagon">
+          <a:avLst>
+            <a:gd name="adj" fmla="val 28570"/>
+            <a:gd name="vf" fmla="val 115470"/>
+          </a:avLst>
+        </a:prstGeom>
+        <a:solidFill>
+          <a:schemeClr val="accent1">
+            <a:hueOff val="0"/>
+            <a:satOff val="0"/>
+            <a:lumOff val="0"/>
+            <a:alphaOff val="0"/>
+          </a:schemeClr>
+        </a:solidFill>
+        <a:ln w="12700" cap="flat" cmpd="sng" algn="ctr">
+          <a:solidFill>
+            <a:schemeClr val="lt1">
+              <a:hueOff val="0"/>
+              <a:satOff val="0"/>
+              <a:lumOff val="0"/>
+              <a:alphaOff val="0"/>
+            </a:schemeClr>
+          </a:solidFill>
+          <a:prstDash val="solid"/>
+          <a:miter lim="800000"/>
+        </a:ln>
+        <a:effectLst/>
+      </dsp:spPr>
+      <dsp:style>
+        <a:lnRef idx="2">
+          <a:scrgbClr r="0" g="0" b="0"/>
+        </a:lnRef>
+        <a:fillRef idx="1">
+          <a:scrgbClr r="0" g="0" b="0"/>
+        </a:fillRef>
+        <a:effectRef idx="0">
+          <a:scrgbClr r="0" g="0" b="0"/>
+        </a:effectRef>
+        <a:fontRef idx="minor">
+          <a:schemeClr val="lt1"/>
+        </a:fontRef>
+      </dsp:style>
+      <dsp:txBody>
+        <a:bodyPr spcFirstLastPara="0" vert="horz" wrap="square" lIns="19050" tIns="19050" rIns="19050" bIns="19050" numCol="1" spcCol="1270" anchor="ctr" anchorCtr="0">
+          <a:noAutofit/>
+        </a:bodyPr>
+        <a:lstStyle/>
+        <a:p>
+          <a:pPr marL="0" lvl="0" indent="0" algn="ctr" defTabSz="666750">
+            <a:lnSpc>
+              <a:spcPct val="90000"/>
+            </a:lnSpc>
+            <a:spcBef>
+              <a:spcPct val="0"/>
+            </a:spcBef>
+            <a:spcAft>
+              <a:spcPct val="35000"/>
+            </a:spcAft>
+            <a:buNone/>
+          </a:pPr>
+          <a:r>
+            <a:rPr lang="en-US" sz="1500" kern="1200" dirty="0">
+              <a:latin typeface="Arial" panose="020B0604020202020204" pitchFamily="34" charset="0"/>
+              <a:cs typeface="Arial" panose="020B0604020202020204" pitchFamily="34" charset="0"/>
+            </a:rPr>
+            <a:t>Data Pre-processing</a:t>
+          </a:r>
+        </a:p>
+      </dsp:txBody>
+      <dsp:txXfrm>
+        <a:off x="3424956" y="2518010"/>
+        <a:ext cx="977532" cy="845681"/>
+      </dsp:txXfrm>
+    </dsp:sp>
+    <dsp:sp modelId="{603EAF3A-ECE3-4924-ABF9-46DA2BD1E63A}">
+      <dsp:nvSpPr>
+        <dsp:cNvPr id="0" name=""/>
+        <dsp:cNvSpPr/>
+      </dsp:nvSpPr>
+      <dsp:spPr>
+        <a:xfrm>
+          <a:off x="3182646" y="776278"/>
+          <a:ext cx="1462152" cy="1264933"/>
+        </a:xfrm>
+        <a:prstGeom prst="hexagon">
+          <a:avLst>
+            <a:gd name="adj" fmla="val 28570"/>
+            <a:gd name="vf" fmla="val 115470"/>
+          </a:avLst>
+        </a:prstGeom>
+        <a:solidFill>
+          <a:schemeClr val="accent1">
+            <a:hueOff val="0"/>
+            <a:satOff val="0"/>
+            <a:lumOff val="0"/>
+            <a:alphaOff val="0"/>
+          </a:schemeClr>
+        </a:solidFill>
+        <a:ln w="12700" cap="flat" cmpd="sng" algn="ctr">
+          <a:solidFill>
+            <a:schemeClr val="lt1">
+              <a:hueOff val="0"/>
+              <a:satOff val="0"/>
+              <a:lumOff val="0"/>
+              <a:alphaOff val="0"/>
+            </a:schemeClr>
+          </a:solidFill>
+          <a:prstDash val="solid"/>
+          <a:miter lim="800000"/>
+        </a:ln>
+        <a:effectLst/>
+      </dsp:spPr>
+      <dsp:style>
+        <a:lnRef idx="2">
+          <a:scrgbClr r="0" g="0" b="0"/>
+        </a:lnRef>
+        <a:fillRef idx="1">
+          <a:scrgbClr r="0" g="0" b="0"/>
+        </a:fillRef>
+        <a:effectRef idx="0">
+          <a:scrgbClr r="0" g="0" b="0"/>
+        </a:effectRef>
+        <a:fontRef idx="minor">
+          <a:schemeClr val="lt1"/>
+        </a:fontRef>
+      </dsp:style>
+      <dsp:txBody>
+        <a:bodyPr spcFirstLastPara="0" vert="horz" wrap="square" lIns="19050" tIns="19050" rIns="19050" bIns="19050" numCol="1" spcCol="1270" anchor="ctr" anchorCtr="0">
+          <a:noAutofit/>
+        </a:bodyPr>
+        <a:lstStyle/>
+        <a:p>
+          <a:pPr marL="0" lvl="0" indent="0" algn="ctr" defTabSz="666750">
+            <a:lnSpc>
+              <a:spcPct val="90000"/>
+            </a:lnSpc>
+            <a:spcBef>
+              <a:spcPct val="0"/>
+            </a:spcBef>
+            <a:spcAft>
+              <a:spcPct val="35000"/>
+            </a:spcAft>
+            <a:buNone/>
+          </a:pPr>
+          <a:r>
+            <a:rPr lang="en-US" sz="1500" kern="1200" dirty="0">
+              <a:latin typeface="Arial" panose="020B0604020202020204" pitchFamily="34" charset="0"/>
+              <a:cs typeface="Arial" panose="020B0604020202020204" pitchFamily="34" charset="0"/>
+            </a:rPr>
+            <a:t>Data Storage (S3)</a:t>
+          </a:r>
+        </a:p>
+      </dsp:txBody>
+      <dsp:txXfrm>
+        <a:off x="3424956" y="985904"/>
+        <a:ext cx="977532" cy="845681"/>
+      </dsp:txXfrm>
+    </dsp:sp>
+  </dsp:spTree>
+</dsp:drawing>
+</file>
+
+<file path=ppt/diagrams/drawing2.xml><?xml version="1.0" encoding="utf-8"?>
 <dsp:drawing xmlns:dgm="http://schemas.openxmlformats.org/drawingml/2006/diagram" xmlns:dsp="http://schemas.microsoft.com/office/drawing/2008/diagram" xmlns:a="http://schemas.openxmlformats.org/drawingml/2006/main">
   <dsp:spTree>
     <dsp:nvGrpSpPr>
@@ -2278,6 +4304,1005 @@
 </file>
 
 <file path=ppt/diagrams/layout1.xml><?xml version="1.0" encoding="utf-8"?>
+<dgm:layoutDef xmlns:dgm="http://schemas.openxmlformats.org/drawingml/2006/diagram" xmlns:a="http://schemas.openxmlformats.org/drawingml/2006/main" uniqueId="urn:microsoft.com/office/officeart/2011/layout/HexagonRadial">
+  <dgm:title val="Hexagon Radial"/>
+  <dgm:desc val="Use to show a sequential process that relates to a central idea or theme. Limited to six Level 2 shapes. Works best with small amounts of text. Unused text does not appear, but remains available if you switch layouts."/>
+  <dgm:catLst>
+    <dgm:cat type="cycle" pri="8500"/>
+    <dgm:cat type="officeonline" pri="9000"/>
+  </dgm:catLst>
+  <dgm:sampData>
+    <dgm:dataModel>
+      <dgm:ptLst>
+        <dgm:pt modelId="0" type="doc"/>
+        <dgm:pt modelId="10">
+          <dgm:prSet phldr="1"/>
+        </dgm:pt>
+        <dgm:pt modelId="11">
+          <dgm:prSet phldr="1"/>
+        </dgm:pt>
+        <dgm:pt modelId="12">
+          <dgm:prSet phldr="1"/>
+        </dgm:pt>
+        <dgm:pt modelId="13">
+          <dgm:prSet phldr="1"/>
+        </dgm:pt>
+        <dgm:pt modelId="14">
+          <dgm:prSet phldr="1"/>
+        </dgm:pt>
+        <dgm:pt modelId="15">
+          <dgm:prSet phldr="1"/>
+        </dgm:pt>
+        <dgm:pt modelId="16">
+          <dgm:prSet phldr="1"/>
+        </dgm:pt>
+      </dgm:ptLst>
+      <dgm:cxnLst>
+        <dgm:cxn modelId="40" srcId="0" destId="10" srcOrd="0" destOrd="0"/>
+        <dgm:cxn modelId="50" srcId="10" destId="11" srcOrd="0" destOrd="0"/>
+        <dgm:cxn modelId="60" srcId="10" destId="12" srcOrd="0" destOrd="0"/>
+        <dgm:cxn modelId="70" srcId="10" destId="13" srcOrd="0" destOrd="0"/>
+        <dgm:cxn modelId="80" srcId="10" destId="14" srcOrd="0" destOrd="0"/>
+        <dgm:cxn modelId="90" srcId="10" destId="15" srcOrd="0" destOrd="0"/>
+        <dgm:cxn modelId="100" srcId="10" destId="16" srcOrd="0" destOrd="0"/>
+      </dgm:cxnLst>
+      <dgm:bg/>
+      <dgm:whole/>
+    </dgm:dataModel>
+  </dgm:sampData>
+  <dgm:styleData>
+    <dgm:dataModel>
+      <dgm:ptLst>
+        <dgm:pt modelId="0" type="doc"/>
+        <dgm:pt modelId="10">
+          <dgm:prSet phldr="1"/>
+        </dgm:pt>
+        <dgm:pt modelId="11">
+          <dgm:prSet phldr="1"/>
+        </dgm:pt>
+        <dgm:pt modelId="12">
+          <dgm:prSet phldr="1"/>
+        </dgm:pt>
+        <dgm:pt modelId="13">
+          <dgm:prSet phldr="1"/>
+        </dgm:pt>
+      </dgm:ptLst>
+      <dgm:cxnLst>
+        <dgm:cxn modelId="40" srcId="0" destId="10" srcOrd="0" destOrd="0"/>
+        <dgm:cxn modelId="50" srcId="10" destId="11" srcOrd="0" destOrd="0"/>
+        <dgm:cxn modelId="60" srcId="10" destId="12" srcOrd="0" destOrd="0"/>
+        <dgm:cxn modelId="70" srcId="10" destId="13" srcOrd="0" destOrd="0"/>
+      </dgm:cxnLst>
+      <dgm:bg/>
+      <dgm:whole/>
+    </dgm:dataModel>
+  </dgm:styleData>
+  <dgm:clrData>
+    <dgm:dataModel>
+      <dgm:ptLst>
+        <dgm:pt modelId="0" type="doc"/>
+        <dgm:pt modelId="10">
+          <dgm:prSet phldr="1"/>
+        </dgm:pt>
+        <dgm:pt modelId="11">
+          <dgm:prSet phldr="1"/>
+        </dgm:pt>
+        <dgm:pt modelId="12">
+          <dgm:prSet phldr="1"/>
+        </dgm:pt>
+        <dgm:pt modelId="13">
+          <dgm:prSet phldr="1"/>
+        </dgm:pt>
+        <dgm:pt modelId="14">
+          <dgm:prSet phldr="1"/>
+        </dgm:pt>
+        <dgm:pt modelId="15">
+          <dgm:prSet phldr="1"/>
+        </dgm:pt>
+        <dgm:pt modelId="16">
+          <dgm:prSet phldr="1"/>
+        </dgm:pt>
+      </dgm:ptLst>
+      <dgm:cxnLst>
+        <dgm:cxn modelId="40" srcId="0" destId="10" srcOrd="0" destOrd="0"/>
+        <dgm:cxn modelId="50" srcId="10" destId="11" srcOrd="0" destOrd="0"/>
+        <dgm:cxn modelId="60" srcId="10" destId="12" srcOrd="0" destOrd="0"/>
+        <dgm:cxn modelId="70" srcId="10" destId="13" srcOrd="0" destOrd="0"/>
+        <dgm:cxn modelId="80" srcId="10" destId="14" srcOrd="0" destOrd="0"/>
+        <dgm:cxn modelId="90" srcId="10" destId="15" srcOrd="0" destOrd="0"/>
+        <dgm:cxn modelId="100" srcId="10" destId="16" srcOrd="0" destOrd="0"/>
+      </dgm:cxnLst>
+      <dgm:bg/>
+      <dgm:whole/>
+    </dgm:dataModel>
+  </dgm:clrData>
+  <dgm:layoutNode name="Name0">
+    <dgm:varLst>
+      <dgm:chMax val="1"/>
+      <dgm:chPref val="1"/>
+      <dgm:dir/>
+      <dgm:animOne val="branch"/>
+      <dgm:animLvl val="lvl"/>
+    </dgm:varLst>
+    <dgm:shape xmlns:r="http://schemas.openxmlformats.org/officeDocument/2006/relationships" r:blip="">
+      <dgm:adjLst/>
+    </dgm:shape>
+    <dgm:choose name="Name1">
+      <dgm:if name="Name2" func="var" arg="dir" op="equ" val="norm">
+        <dgm:choose name="Name3">
+          <dgm:if name="Name4" axis="ch ch" ptType="node node" st="1 1" cnt="1 0" func="cnt" op="equ" val="0">
+            <dgm:alg type="composite">
+              <dgm:param type="ar" val="1.1561"/>
+            </dgm:alg>
+            <dgm:constrLst>
+              <dgm:constr type="primFontSz" for="des" forName="Parent" val="65"/>
+              <dgm:constr type="l" for="ch" forName="Parent" refType="w" fact="0"/>
+              <dgm:constr type="t" for="ch" forName="Parent" refType="h" fact="0"/>
+              <dgm:constr type="w" for="ch" forName="Parent" refType="w"/>
+              <dgm:constr type="h" for="ch" forName="Parent" refType="h"/>
+            </dgm:constrLst>
+          </dgm:if>
+          <dgm:if name="Name5" axis="ch ch" ptType="node node" st="1 1" cnt="1 0" func="cnt" op="lte" val="1">
+            <dgm:alg type="composite">
+              <dgm:param type="ar" val="1.368"/>
+            </dgm:alg>
+            <dgm:constrLst>
+              <dgm:constr type="primFontSz" for="des" forName="Parent" val="65"/>
+              <dgm:constr type="primFontSz" for="des" forName="Child1" val="65"/>
+              <dgm:constr type="primFontSz" for="des" forName="Child1" refType="primFontSz" refFor="des" refForName="Parent" op="lte"/>
+              <dgm:constr type="l" for="ch" forName="Accent1" refType="w" fact="0.1685"/>
+              <dgm:constr type="t" for="ch" forName="Accent1" refType="h" fact="0.2946"/>
+              <dgm:constr type="w" for="ch" forName="Accent1" refType="w" fact="0.462"/>
+              <dgm:constr type="h" for="ch" forName="Accent1" refType="h" fact="0.5472"/>
+              <dgm:constr type="l" for="ch" forName="Parent" refType="w" fact="0"/>
+              <dgm:constr type="t" for="ch" forName="Parent" refType="h" fact="0.2885"/>
+              <dgm:constr type="w" for="ch" forName="Parent" refType="w" fact="0.6013"/>
+              <dgm:constr type="h" for="ch" forName="Parent" refType="h" fact="0.7115"/>
+              <dgm:constr type="l" for="ch" forName="Child1" refType="w" fact="0.5073"/>
+              <dgm:constr type="t" for="ch" forName="Child1" refType="h" fact="0"/>
+              <dgm:constr type="w" for="ch" forName="Child1" refType="w" fact="0.4927"/>
+              <dgm:constr type="h" for="ch" forName="Child1" refType="h" fact="0.5831"/>
+            </dgm:constrLst>
+          </dgm:if>
+          <dgm:if name="Name6" axis="ch ch" ptType="node node" st="1 1" cnt="1 0" func="cnt" op="equ" val="2">
+            <dgm:alg type="composite">
+              <dgm:param type="ar" val="1.0619"/>
+            </dgm:alg>
+            <dgm:constrLst>
+              <dgm:constr type="primFontSz" for="des" forName="Parent" val="65"/>
+              <dgm:constr type="primFontSz" for="des" forName="Child1" val="65"/>
+              <dgm:constr type="primFontSz" for="des" forName="Child1" refType="primFontSz" refFor="des" refForName="Parent" op="lte"/>
+              <dgm:constr type="primFontSz" for="des" forName="Child2" refType="primFontSz" refFor="des" refForName="Parent" op="lte"/>
+              <dgm:constr type="primFontSz" for="des" forName="Child2" refType="primFontSz" refFor="des" refForName="Child1" op="equ"/>
+              <dgm:constr type="l" for="ch" forName="Accent2" refType="w" fact="0.6413"/>
+              <dgm:constr type="t" for="ch" forName="Accent2" refType="h" fact="0.3477"/>
+              <dgm:constr type="w" for="ch" forName="Accent2" refType="w" fact="0.2269"/>
+              <dgm:constr type="h" for="ch" forName="Accent2" refType="h" fact="0.2076"/>
+              <dgm:constr type="l" for="ch" forName="Accent1" refType="w" fact="0"/>
+              <dgm:constr type="t" for="ch" forName="Accent1" refType="h" fact="0"/>
+              <dgm:constr type="w" for="ch" forName="Accent1" refType="w" fact="0"/>
+              <dgm:constr type="h" for="ch" forName="Accent1" refType="h" fact="0"/>
+              <dgm:constr type="l" for="ch" forName="Parent" refType="w" fact="0"/>
+              <dgm:constr type="t" for="ch" forName="Parent" refType="h" fact="0.2239"/>
+              <dgm:constr type="w" for="ch" forName="Parent" refType="w" fact="0.6013"/>
+              <dgm:constr type="h" for="ch" forName="Parent" refType="h" fact="0.5523"/>
+              <dgm:constr type="l" for="ch" forName="Child1" refType="w" fact="0.5073"/>
+              <dgm:constr type="t" for="ch" forName="Child1" refType="h" fact="0"/>
+              <dgm:constr type="w" for="ch" forName="Child1" refType="w" fact="0.4927"/>
+              <dgm:constr type="h" for="ch" forName="Child1" refType="h" fact="0.4527"/>
+              <dgm:constr type="l" for="ch" forName="Child2" refType="w" fact="0.5073"/>
+              <dgm:constr type="t" for="ch" forName="Child2" refType="h" fact="0.5473"/>
+              <dgm:constr type="w" for="ch" forName="Child2" refType="w" fact="0.4927"/>
+              <dgm:constr type="h" for="ch" forName="Child2" refType="h" fact="0.4527"/>
+            </dgm:constrLst>
+          </dgm:if>
+          <dgm:if name="Name7" axis="ch ch" ptType="node node" st="1 1" cnt="1 0" func="cnt" op="equ" val="3">
+            <dgm:alg type="composite">
+              <dgm:param type="ar" val="0.8305"/>
+            </dgm:alg>
+            <dgm:constrLst>
+              <dgm:constr type="primFontSz" for="des" forName="Parent" val="65"/>
+              <dgm:constr type="primFontSz" for="des" forName="Child1" val="65"/>
+              <dgm:constr type="primFontSz" for="des" forName="Child1" refType="primFontSz" refFor="des" refForName="Parent" op="lte"/>
+              <dgm:constr type="primFontSz" for="des" forName="Child2" refType="primFontSz" refFor="des" refForName="Parent" op="lte"/>
+              <dgm:constr type="primFontSz" for="des" forName="Child3" refType="primFontSz" refFor="des" refForName="Parent" op="lte"/>
+              <dgm:constr type="primFontSz" for="des" forName="Child2" refType="primFontSz" refFor="des" refForName="Child1" op="equ"/>
+              <dgm:constr type="primFontSz" for="des" forName="Child3" refType="primFontSz" refFor="des" refForName="Child1" op="equ"/>
+              <dgm:constr type="l" for="ch" forName="Accent3" refType="w" fact="0.4573"/>
+              <dgm:constr type="t" for="ch" forName="Accent3" refType="h" fact="0.6145"/>
+              <dgm:constr type="w" for="ch" forName="Accent3" refType="w" fact="0.2269"/>
+              <dgm:constr type="h" for="ch" forName="Accent3" refType="h" fact="0.1623"/>
+              <dgm:constr type="l" for="ch" forName="Accent2" refType="w" fact="0.6413"/>
+              <dgm:constr type="t" for="ch" forName="Accent2" refType="h" fact="0.2719"/>
+              <dgm:constr type="w" for="ch" forName="Accent2" refType="w" fact="0.2269"/>
+              <dgm:constr type="h" for="ch" forName="Accent2" refType="h" fact="0.1623"/>
+              <dgm:constr type="l" for="ch" forName="Accent1" refType="w" fact="0"/>
+              <dgm:constr type="t" for="ch" forName="Accent1" refType="h" fact="0"/>
+              <dgm:constr type="w" for="ch" forName="Accent1" refType="w" fact="0"/>
+              <dgm:constr type="h" for="ch" forName="Accent1" refType="h" fact="0"/>
+              <dgm:constr type="l" for="ch" forName="Child3" refType="w" fact="0.0554"/>
+              <dgm:constr type="t" for="ch" forName="Child3" refType="h" fact="0.646"/>
+              <dgm:constr type="w" for="ch" forName="Child3" refType="w" fact="0.4927"/>
+              <dgm:constr type="h" for="ch" forName="Child3" refType="h" fact="0.354"/>
+              <dgm:constr type="l" for="ch" forName="Parent" refType="w" fact="0"/>
+              <dgm:constr type="t" for="ch" forName="Parent" refType="h" fact="0.1751"/>
+              <dgm:constr type="w" for="ch" forName="Parent" refType="w" fact="0.6013"/>
+              <dgm:constr type="h" for="ch" forName="Parent" refType="h" fact="0.4319"/>
+              <dgm:constr type="l" for="ch" forName="Child1" refType="w" fact="0.5073"/>
+              <dgm:constr type="t" for="ch" forName="Child1" refType="h" fact="0"/>
+              <dgm:constr type="w" for="ch" forName="Child1" refType="w" fact="0.4927"/>
+              <dgm:constr type="h" for="ch" forName="Child1" refType="h" fact="0.354"/>
+              <dgm:constr type="l" for="ch" forName="Child2" refType="w" fact="0.5073"/>
+              <dgm:constr type="t" for="ch" forName="Child2" refType="h" fact="0.428"/>
+              <dgm:constr type="w" for="ch" forName="Child2" refType="w" fact="0.4927"/>
+              <dgm:constr type="h" for="ch" forName="Child2" refType="h" fact="0.354"/>
+            </dgm:constrLst>
+          </dgm:if>
+          <dgm:if name="Name8" axis="ch ch" ptType="node node" st="1 1" cnt="1 0" func="cnt" op="equ" val="4">
+            <dgm:alg type="composite">
+              <dgm:param type="ar" val="0.682"/>
+            </dgm:alg>
+            <dgm:constrLst>
+              <dgm:constr type="primFontSz" for="des" forName="Parent" val="65"/>
+              <dgm:constr type="primFontSz" for="des" forName="Child1" val="65"/>
+              <dgm:constr type="primFontSz" for="des" forName="Child1" refType="primFontSz" refFor="des" refForName="Parent" op="lte"/>
+              <dgm:constr type="primFontSz" for="des" forName="Child2" refType="primFontSz" refFor="des" refForName="Parent" op="lte"/>
+              <dgm:constr type="primFontSz" for="des" forName="Child3" refType="primFontSz" refFor="des" refForName="Parent" op="lte"/>
+              <dgm:constr type="primFontSz" for="des" forName="Child4" refType="primFontSz" refFor="des" refForName="Parent" op="lte"/>
+              <dgm:constr type="primFontSz" for="des" forName="Child2" refType="primFontSz" refFor="des" refForName="Child1" op="equ"/>
+              <dgm:constr type="primFontSz" for="des" forName="Child3" refType="primFontSz" refFor="des" refForName="Child1" op="equ"/>
+              <dgm:constr type="primFontSz" for="des" forName="Child4" refType="primFontSz" refFor="des" refForName="Child1" op="equ"/>
+              <dgm:constr type="l" for="ch" forName="Accent4" refType="w" fact="0.4573"/>
+              <dgm:constr type="t" for="ch" forName="Accent4" refType="h" fact="0.6834"/>
+              <dgm:constr type="w" for="ch" forName="Accent4" refType="w" fact="0.2269"/>
+              <dgm:constr type="h" for="ch" forName="Accent4" refType="h" fact="0.1333"/>
+              <dgm:constr type="l" for="ch" forName="Accent3" refType="w" fact="0.6413"/>
+              <dgm:constr type="t" for="ch" forName="Accent3" refType="h" fact="0.4021"/>
+              <dgm:constr type="w" for="ch" forName="Accent3" refType="w" fact="0.2269"/>
+              <dgm:constr type="h" for="ch" forName="Accent3" refType="h" fact="0.1333"/>
+              <dgm:constr type="l" for="ch" forName="Accent2" refType="w" fact="0.3765"/>
+              <dgm:constr type="t" for="ch" forName="Accent2" refType="h" fact="0.1529"/>
+              <dgm:constr type="w" for="ch" forName="Accent2" refType="w" fact="0.2269"/>
+              <dgm:constr type="h" for="ch" forName="Accent2" refType="h" fact="0.1333"/>
+              <dgm:constr type="l" for="ch" forName="Accent1" refType="w" fact="0"/>
+              <dgm:constr type="t" for="ch" forName="Accent1" refType="h" fact="0"/>
+              <dgm:constr type="w" for="ch" forName="Accent1" refType="w" fact="0"/>
+              <dgm:constr type="h" for="ch" forName="Accent1" refType="h" fact="0"/>
+              <dgm:constr type="l" for="ch" forName="Child4" refType="w" fact="0.0554"/>
+              <dgm:constr type="t" for="ch" forName="Child4" refType="h" fact="0.7093"/>
+              <dgm:constr type="w" for="ch" forName="Child4" refType="w" fact="0.4927"/>
+              <dgm:constr type="h" for="ch" forName="Child4" refType="h" fact="0.2907"/>
+              <dgm:constr type="l" for="ch" forName="Parent" refType="w" fact="0"/>
+              <dgm:constr type="t" for="ch" forName="Parent" refType="h" fact="0.3226"/>
+              <dgm:constr type="w" for="ch" forName="Parent" refType="w" fact="0.6013"/>
+              <dgm:constr type="h" for="ch" forName="Parent" refType="h" fact="0.3547"/>
+              <dgm:constr type="l" for="ch" forName="Child2" refType="w" fact="0.5073"/>
+              <dgm:constr type="t" for="ch" forName="Child2" refType="h" fact="0.1788"/>
+              <dgm:constr type="w" for="ch" forName="Child2" refType="w" fact="0.4927"/>
+              <dgm:constr type="h" for="ch" forName="Child2" refType="h" fact="0.2907"/>
+              <dgm:constr type="l" for="ch" forName="Child3" refType="w" fact="0.5073"/>
+              <dgm:constr type="t" for="ch" forName="Child3" refType="h" fact="0.5303"/>
+              <dgm:constr type="w" for="ch" forName="Child3" refType="w" fact="0.4927"/>
+              <dgm:constr type="h" for="ch" forName="Child3" refType="h" fact="0.2907"/>
+              <dgm:constr type="l" for="ch" forName="Child1" refType="w" fact="0.0554"/>
+              <dgm:constr type="t" for="ch" forName="Child1" refType="h" fact="0"/>
+              <dgm:constr type="w" for="ch" forName="Child1" refType="w" fact="0.4927"/>
+              <dgm:constr type="h" for="ch" forName="Child1" refType="h" fact="0.2907"/>
+            </dgm:constrLst>
+          </dgm:if>
+          <dgm:if name="Name9" axis="ch ch" ptType="node node" st="1 1" cnt="1 0" func="cnt" op="equ" val="5">
+            <dgm:alg type="composite">
+              <dgm:param type="ar" val="0.9538"/>
+            </dgm:alg>
+            <dgm:constrLst>
+              <dgm:constr type="primFontSz" for="des" forName="Parent" val="65"/>
+              <dgm:constr type="primFontSz" for="des" forName="Child1" val="65"/>
+              <dgm:constr type="primFontSz" for="des" forName="Child1" refType="primFontSz" refFor="des" refForName="Parent" op="lte"/>
+              <dgm:constr type="primFontSz" for="des" forName="Child2" refType="primFontSz" refFor="des" refForName="Parent" op="lte"/>
+              <dgm:constr type="primFontSz" for="des" forName="Child3" refType="primFontSz" refFor="des" refForName="Parent" op="lte"/>
+              <dgm:constr type="primFontSz" for="des" forName="Child4" refType="primFontSz" refFor="des" refForName="Parent" op="lte"/>
+              <dgm:constr type="primFontSz" for="des" forName="Child5" refType="primFontSz" refFor="des" refForName="Parent" op="lte"/>
+              <dgm:constr type="primFontSz" for="des" forName="Child2" refType="primFontSz" refFor="des" refForName="Child1" op="equ"/>
+              <dgm:constr type="primFontSz" for="des" forName="Child3" refType="primFontSz" refFor="des" refForName="Child1" op="equ"/>
+              <dgm:constr type="primFontSz" for="des" forName="Child4" refType="primFontSz" refFor="des" refForName="Child1" op="equ"/>
+              <dgm:constr type="primFontSz" for="des" forName="Child5" refType="primFontSz" refFor="des" refForName="Child1" op="equ"/>
+              <dgm:constr type="l" for="ch" forName="Accent5" refType="w" fact="0.2858"/>
+              <dgm:constr type="t" for="ch" forName="Accent5" refType="h" fact="0.7126"/>
+              <dgm:constr type="w" for="ch" forName="Accent5" refType="w" fact="0.1622"/>
+              <dgm:constr type="h" for="ch" forName="Accent5" refType="h" fact="0.1333"/>
+              <dgm:constr type="l" for="ch" forName="Accent4" refType="w" fact="0.612"/>
+              <dgm:constr type="t" for="ch" forName="Accent4" refType="h" fact="0.6834"/>
+              <dgm:constr type="w" for="ch" forName="Accent4" refType="w" fact="0.1622"/>
+              <dgm:constr type="h" for="ch" forName="Accent4" refType="h" fact="0.1333"/>
+              <dgm:constr type="l" for="ch" forName="Accent3" refType="w" fact="0.7435"/>
+              <dgm:constr type="t" for="ch" forName="Accent3" refType="h" fact="0.4021"/>
+              <dgm:constr type="w" for="ch" forName="Accent3" refType="w" fact="0.1622"/>
+              <dgm:constr type="h" for="ch" forName="Accent3" refType="h" fact="0.1333"/>
+              <dgm:constr type="l" for="ch" forName="Accent2" refType="w" fact="0.5542"/>
+              <dgm:constr type="t" for="ch" forName="Accent2" refType="h" fact="0.1529"/>
+              <dgm:constr type="w" for="ch" forName="Accent2" refType="w" fact="0.1622"/>
+              <dgm:constr type="h" for="ch" forName="Accent2" refType="h" fact="0.1333"/>
+              <dgm:constr type="l" for="ch" forName="Accent1" refType="w" fact="0"/>
+              <dgm:constr type="t" for="ch" forName="Accent1" refType="h" fact="0"/>
+              <dgm:constr type="w" for="ch" forName="Accent1" refType="w" fact="0"/>
+              <dgm:constr type="h" for="ch" forName="Accent1" refType="h" fact="0"/>
+              <dgm:constr type="l" for="ch" forName="Child4" refType="w" fact="0.3246"/>
+              <dgm:constr type="t" for="ch" forName="Child4" refType="h" fact="0.7093"/>
+              <dgm:constr type="w" for="ch" forName="Child4" refType="w" fact="0.3523"/>
+              <dgm:constr type="h" for="ch" forName="Child4" refType="h" fact="0.2907"/>
+              <dgm:constr type="l" for="ch" forName="Parent" refType="w" fact="0.285"/>
+              <dgm:constr type="t" for="ch" forName="Parent" refType="h" fact="0.3226"/>
+              <dgm:constr type="w" for="ch" forName="Parent" refType="w" fact="0.4299"/>
+              <dgm:constr type="h" for="ch" forName="Parent" refType="h" fact="0.3547"/>
+              <dgm:constr type="l" for="ch" forName="Child2" refType="w" fact="0.6477"/>
+              <dgm:constr type="t" for="ch" forName="Child2" refType="h" fact="0.1788"/>
+              <dgm:constr type="w" for="ch" forName="Child2" refType="w" fact="0.3523"/>
+              <dgm:constr type="h" for="ch" forName="Child2" refType="h" fact="0.2907"/>
+              <dgm:constr type="l" for="ch" forName="Child3" refType="w" fact="0.6477"/>
+              <dgm:constr type="t" for="ch" forName="Child3" refType="h" fact="0.5303"/>
+              <dgm:constr type="w" for="ch" forName="Child3" refType="w" fact="0.3523"/>
+              <dgm:constr type="h" for="ch" forName="Child3" refType="h" fact="0.2907"/>
+              <dgm:constr type="l" for="ch" forName="Child5" refType="w" fact="0"/>
+              <dgm:constr type="t" for="ch" forName="Child5" refType="h" fact="0.5305"/>
+              <dgm:constr type="w" for="ch" forName="Child5" refType="w" fact="0.3523"/>
+              <dgm:constr type="h" for="ch" forName="Child5" refType="h" fact="0.2907"/>
+              <dgm:constr type="l" for="ch" forName="Child1" refType="w" fact="0.3246"/>
+              <dgm:constr type="t" for="ch" forName="Child1" refType="h" fact="0"/>
+              <dgm:constr type="w" for="ch" forName="Child1" refType="w" fact="0.3523"/>
+              <dgm:constr type="h" for="ch" forName="Child1" refType="h" fact="0.2907"/>
+            </dgm:constrLst>
+          </dgm:if>
+          <dgm:else name="Name10">
+            <dgm:alg type="composite">
+              <dgm:param type="ar" val="0.9538"/>
+            </dgm:alg>
+            <dgm:constrLst>
+              <dgm:constr type="primFontSz" for="des" forName="Parent" val="65"/>
+              <dgm:constr type="primFontSz" for="des" forName="Child1" val="65"/>
+              <dgm:constr type="primFontSz" for="des" forName="Child1" refType="primFontSz" refFor="des" refForName="Parent" op="lte"/>
+              <dgm:constr type="primFontSz" for="des" forName="Child2" refType="primFontSz" refFor="des" refForName="Parent" op="lte"/>
+              <dgm:constr type="primFontSz" for="des" forName="Child3" refType="primFontSz" refFor="des" refForName="Parent" op="lte"/>
+              <dgm:constr type="primFontSz" for="des" forName="Child4" refType="primFontSz" refFor="des" refForName="Parent" op="lte"/>
+              <dgm:constr type="primFontSz" for="des" forName="Child5" refType="primFontSz" refFor="des" refForName="Parent" op="lte"/>
+              <dgm:constr type="primFontSz" for="des" forName="Child6" refType="primFontSz" refFor="des" refForName="Parent" op="lte"/>
+              <dgm:constr type="primFontSz" for="des" forName="Child7" refType="primFontSz" refFor="des" refForName="Parent" op="lte"/>
+              <dgm:constr type="primFontSz" for="des" forName="Child2" refType="primFontSz" refFor="des" refForName="Child1" op="equ"/>
+              <dgm:constr type="primFontSz" for="des" forName="Child3" refType="primFontSz" refFor="des" refForName="Child1" op="equ"/>
+              <dgm:constr type="primFontSz" for="des" forName="Child4" refType="primFontSz" refFor="des" refForName="Child1" op="equ"/>
+              <dgm:constr type="primFontSz" for="des" forName="Child5" refType="primFontSz" refFor="des" refForName="Child1" op="equ"/>
+              <dgm:constr type="primFontSz" for="des" forName="Child6" refType="primFontSz" refFor="des" refForName="Child1" op="equ"/>
+              <dgm:constr type="primFontSz" for="des" forName="Child7" refType="primFontSz" refFor="des" refForName="Child1" op="equ"/>
+              <dgm:constr type="primFontSz" for="des" ptType="node" op="equ" val="65"/>
+              <dgm:constr type="l" for="ch" forName="Accent6" refType="w" fact="0.0934"/>
+              <dgm:constr type="t" for="ch" forName="Accent6" refType="h" fact="0.4635"/>
+              <dgm:constr type="w" for="ch" forName="Accent6" refType="w" fact="0.1622"/>
+              <dgm:constr type="h" for="ch" forName="Accent6" refType="h" fact="0.1333"/>
+              <dgm:constr type="l" for="ch" forName="Accent5" refType="w" fact="0.2858"/>
+              <dgm:constr type="t" for="ch" forName="Accent5" refType="h" fact="0.7126"/>
+              <dgm:constr type="w" for="ch" forName="Accent5" refType="w" fact="0.1622"/>
+              <dgm:constr type="h" for="ch" forName="Accent5" refType="h" fact="0.1333"/>
+              <dgm:constr type="l" for="ch" forName="Accent4" refType="w" fact="0.612"/>
+              <dgm:constr type="t" for="ch" forName="Accent4" refType="h" fact="0.6834"/>
+              <dgm:constr type="w" for="ch" forName="Accent4" refType="w" fact="0.1622"/>
+              <dgm:constr type="h" for="ch" forName="Accent4" refType="h" fact="0.1333"/>
+              <dgm:constr type="l" for="ch" forName="Accent3" refType="w" fact="0.7435"/>
+              <dgm:constr type="t" for="ch" forName="Accent3" refType="h" fact="0.4021"/>
+              <dgm:constr type="w" for="ch" forName="Accent3" refType="w" fact="0.1622"/>
+              <dgm:constr type="h" for="ch" forName="Accent3" refType="h" fact="0.1333"/>
+              <dgm:constr type="l" for="ch" forName="Accent2" refType="w" fact="0.5542"/>
+              <dgm:constr type="t" for="ch" forName="Accent2" refType="h" fact="0.1529"/>
+              <dgm:constr type="w" for="ch" forName="Accent2" refType="w" fact="0.1622"/>
+              <dgm:constr type="h" for="ch" forName="Accent2" refType="h" fact="0.1333"/>
+              <dgm:constr type="l" for="ch" forName="Accent1" refType="w" fact="0"/>
+              <dgm:constr type="t" for="ch" forName="Accent1" refType="h" fact="0"/>
+              <dgm:constr type="w" for="ch" forName="Accent1" refType="w" fact="0"/>
+              <dgm:constr type="h" for="ch" forName="Accent1" refType="h" fact="0"/>
+              <dgm:constr type="l" for="ch" forName="Child4" refType="w" fact="0.3246"/>
+              <dgm:constr type="t" for="ch" forName="Child4" refType="h" fact="0.7093"/>
+              <dgm:constr type="w" for="ch" forName="Child4" refType="w" fact="0.3523"/>
+              <dgm:constr type="h" for="ch" forName="Child4" refType="h" fact="0.2907"/>
+              <dgm:constr type="l" for="ch" forName="Parent" refType="w" fact="0.285"/>
+              <dgm:constr type="t" for="ch" forName="Parent" refType="h" fact="0.3226"/>
+              <dgm:constr type="w" for="ch" forName="Parent" refType="w" fact="0.4299"/>
+              <dgm:constr type="h" for="ch" forName="Parent" refType="h" fact="0.3547"/>
+              <dgm:constr type="l" for="ch" forName="Child2" refType="w" fact="0.6477"/>
+              <dgm:constr type="t" for="ch" forName="Child2" refType="h" fact="0.1788"/>
+              <dgm:constr type="w" for="ch" forName="Child2" refType="w" fact="0.3523"/>
+              <dgm:constr type="h" for="ch" forName="Child2" refType="h" fact="0.2907"/>
+              <dgm:constr type="l" for="ch" forName="Child3" refType="w" fact="0.6477"/>
+              <dgm:constr type="t" for="ch" forName="Child3" refType="h" fact="0.5303"/>
+              <dgm:constr type="w" for="ch" forName="Child3" refType="w" fact="0.3523"/>
+              <dgm:constr type="h" for="ch" forName="Child3" refType="h" fact="0.2907"/>
+              <dgm:constr type="l" for="ch" forName="Child5" refType="w" fact="0"/>
+              <dgm:constr type="t" for="ch" forName="Child5" refType="h" fact="0.5305"/>
+              <dgm:constr type="w" for="ch" forName="Child5" refType="w" fact="0.3523"/>
+              <dgm:constr type="h" for="ch" forName="Child5" refType="h" fact="0.2907"/>
+              <dgm:constr type="l" for="ch" forName="Child6" refType="w" fact="0"/>
+              <dgm:constr type="t" for="ch" forName="Child6" refType="h" fact="0.1784"/>
+              <dgm:constr type="w" for="ch" forName="Child6" refType="w" fact="0.3523"/>
+              <dgm:constr type="h" for="ch" forName="Child6" refType="h" fact="0.2907"/>
+              <dgm:constr type="l" for="ch" forName="Child1" refType="w" fact="0.3246"/>
+              <dgm:constr type="t" for="ch" forName="Child1" refType="h" fact="0"/>
+              <dgm:constr type="w" for="ch" forName="Child1" refType="w" fact="0.3523"/>
+              <dgm:constr type="h" for="ch" forName="Child1" refType="h" fact="0.2907"/>
+            </dgm:constrLst>
+          </dgm:else>
+        </dgm:choose>
+      </dgm:if>
+      <dgm:else name="Name11">
+        <dgm:choose name="Name12">
+          <dgm:if name="Name13" axis="ch ch" ptType="node node" st="1 1" cnt="1 0" func="cnt" op="equ" val="0">
+            <dgm:alg type="composite">
+              <dgm:param type="ar" val="1.1561"/>
+            </dgm:alg>
+            <dgm:constrLst>
+              <dgm:constr type="primFontSz" for="des" forName="Parent" val="65"/>
+              <dgm:constr type="l" for="ch" forName="Parent" refType="w" fact="0"/>
+              <dgm:constr type="t" for="ch" forName="Parent" refType="h" fact="0"/>
+              <dgm:constr type="w" for="ch" forName="Parent" refType="w"/>
+              <dgm:constr type="h" for="ch" forName="Parent" refType="h"/>
+            </dgm:constrLst>
+          </dgm:if>
+          <dgm:if name="Name14" axis="ch ch" ptType="node node" st="1 1" cnt="1 0" func="cnt" op="lte" val="1">
+            <dgm:alg type="composite">
+              <dgm:param type="ar" val="1.368"/>
+            </dgm:alg>
+            <dgm:constrLst>
+              <dgm:constr type="primFontSz" for="des" forName="Parent" val="65"/>
+              <dgm:constr type="primFontSz" for="des" forName="Child1" val="65"/>
+              <dgm:constr type="primFontSz" for="des" forName="Child1" refType="primFontSz" refFor="des" refForName="Parent" op="lte"/>
+              <dgm:constr type="r" for="ch" forName="Accent1" refType="w" fact="0.8315"/>
+              <dgm:constr type="t" for="ch" forName="Accent1" refType="h" fact="0.2946"/>
+              <dgm:constr type="w" for="ch" forName="Accent1" refType="w" fact="0.462"/>
+              <dgm:constr type="h" for="ch" forName="Accent1" refType="h" fact="0.5472"/>
+              <dgm:constr type="r" for="ch" forName="Parent" refType="w"/>
+              <dgm:constr type="t" for="ch" forName="Parent" refType="h" fact="0.2885"/>
+              <dgm:constr type="w" for="ch" forName="Parent" refType="w" fact="0.6013"/>
+              <dgm:constr type="h" for="ch" forName="Parent" refType="h" fact="0.7115"/>
+              <dgm:constr type="r" for="ch" forName="Child1" refType="w" fact="0.4927"/>
+              <dgm:constr type="t" for="ch" forName="Child1" refType="h" fact="0"/>
+              <dgm:constr type="w" for="ch" forName="Child1" refType="w" fact="0.4927"/>
+              <dgm:constr type="h" for="ch" forName="Child1" refType="h" fact="0.5831"/>
+            </dgm:constrLst>
+          </dgm:if>
+          <dgm:if name="Name15" axis="ch ch" ptType="node node" st="1 1" cnt="1 0" func="cnt" op="equ" val="2">
+            <dgm:alg type="composite">
+              <dgm:param type="ar" val="1.0619"/>
+            </dgm:alg>
+            <dgm:constrLst>
+              <dgm:constr type="primFontSz" for="des" forName="Parent" val="65"/>
+              <dgm:constr type="primFontSz" for="des" forName="Child1" val="65"/>
+              <dgm:constr type="primFontSz" for="des" forName="Child1" refType="primFontSz" refFor="des" refForName="Parent" op="lte"/>
+              <dgm:constr type="primFontSz" for="des" forName="Child2" refType="primFontSz" refFor="des" refForName="Parent" op="lte"/>
+              <dgm:constr type="primFontSz" for="des" forName="Child2" refType="primFontSz" refFor="des" refForName="Child1" op="equ"/>
+              <dgm:constr type="r" for="ch" forName="Accent2" refType="w" fact="0.3587"/>
+              <dgm:constr type="t" for="ch" forName="Accent2" refType="h" fact="0.3477"/>
+              <dgm:constr type="w" for="ch" forName="Accent2" refType="w" fact="0.2269"/>
+              <dgm:constr type="h" for="ch" forName="Accent2" refType="h" fact="0.2076"/>
+              <dgm:constr type="r" for="ch" forName="Accent1" refType="w" fact="0"/>
+              <dgm:constr type="t" for="ch" forName="Accent1" refType="h" fact="0"/>
+              <dgm:constr type="w" for="ch" forName="Accent1" refType="w" fact="0"/>
+              <dgm:constr type="h" for="ch" forName="Accent1" refType="h" fact="0"/>
+              <dgm:constr type="r" for="ch" forName="Parent" refType="w"/>
+              <dgm:constr type="t" for="ch" forName="Parent" refType="h" fact="0.2239"/>
+              <dgm:constr type="w" for="ch" forName="Parent" refType="w" fact="0.6013"/>
+              <dgm:constr type="h" for="ch" forName="Parent" refType="h" fact="0.5523"/>
+              <dgm:constr type="r" for="ch" forName="Child1" refType="w" fact="0.4927"/>
+              <dgm:constr type="t" for="ch" forName="Child1" refType="h" fact="0"/>
+              <dgm:constr type="w" for="ch" forName="Child1" refType="w" fact="0.4927"/>
+              <dgm:constr type="h" for="ch" forName="Child1" refType="h" fact="0.4527"/>
+              <dgm:constr type="r" for="ch" forName="Child2" refType="w" fact="0.5073"/>
+              <dgm:constr type="t" for="ch" forName="Child2" refType="h" fact="0.5473"/>
+              <dgm:constr type="w" for="ch" forName="Child2" refType="w" fact="0.4927"/>
+              <dgm:constr type="h" for="ch" forName="Child2" refType="h" fact="0.4527"/>
+            </dgm:constrLst>
+          </dgm:if>
+          <dgm:if name="Name16" axis="ch ch" ptType="node node" st="1 1" cnt="1 0" func="cnt" op="equ" val="3">
+            <dgm:alg type="composite">
+              <dgm:param type="ar" val="0.8305"/>
+            </dgm:alg>
+            <dgm:constrLst>
+              <dgm:constr type="primFontSz" for="des" forName="Parent" val="65"/>
+              <dgm:constr type="primFontSz" for="des" forName="Child1" val="65"/>
+              <dgm:constr type="primFontSz" for="des" forName="Child1" refType="primFontSz" refFor="des" refForName="Parent" op="lte"/>
+              <dgm:constr type="primFontSz" for="des" forName="Child2" refType="primFontSz" refFor="des" refForName="Parent" op="lte"/>
+              <dgm:constr type="primFontSz" for="des" forName="Child3" refType="primFontSz" refFor="des" refForName="Parent" op="lte"/>
+              <dgm:constr type="primFontSz" for="des" forName="Child2" refType="primFontSz" refFor="des" refForName="Child1" op="equ"/>
+              <dgm:constr type="primFontSz" for="des" forName="Child3" refType="primFontSz" refFor="des" refForName="Child1" op="equ"/>
+              <dgm:constr type="r" for="ch" forName="Accent3" refType="w" fact="0.5427"/>
+              <dgm:constr type="t" for="ch" forName="Accent3" refType="h" fact="0.6145"/>
+              <dgm:constr type="w" for="ch" forName="Accent3" refType="w" fact="0.2269"/>
+              <dgm:constr type="h" for="ch" forName="Accent3" refType="h" fact="0.1623"/>
+              <dgm:constr type="r" for="ch" forName="Accent2" refType="w" fact="0.3587"/>
+              <dgm:constr type="t" for="ch" forName="Accent2" refType="h" fact="0.2719"/>
+              <dgm:constr type="w" for="ch" forName="Accent2" refType="w" fact="0.2269"/>
+              <dgm:constr type="h" for="ch" forName="Accent2" refType="h" fact="0.1623"/>
+              <dgm:constr type="r" for="ch" forName="Accent1" refType="w" fact="0"/>
+              <dgm:constr type="t" for="ch" forName="Accent1" refType="h" fact="0"/>
+              <dgm:constr type="w" for="ch" forName="Accent1" refType="w" fact="0"/>
+              <dgm:constr type="h" for="ch" forName="Accent1" refType="h" fact="0"/>
+              <dgm:constr type="r" for="ch" forName="Child3" refType="w" fact="0.9446"/>
+              <dgm:constr type="t" for="ch" forName="Child3" refType="h" fact="0.646"/>
+              <dgm:constr type="w" for="ch" forName="Child3" refType="w" fact="0.4927"/>
+              <dgm:constr type="h" for="ch" forName="Child3" refType="h" fact="0.354"/>
+              <dgm:constr type="r" for="ch" forName="Parent" refType="w"/>
+              <dgm:constr type="t" for="ch" forName="Parent" refType="h" fact="0.1751"/>
+              <dgm:constr type="w" for="ch" forName="Parent" refType="w" fact="0.6013"/>
+              <dgm:constr type="h" for="ch" forName="Parent" refType="h" fact="0.4319"/>
+              <dgm:constr type="r" for="ch" forName="Child1" refType="w" fact="0.4927"/>
+              <dgm:constr type="t" for="ch" forName="Child1" refType="h" fact="0"/>
+              <dgm:constr type="w" for="ch" forName="Child1" refType="w" fact="0.4927"/>
+              <dgm:constr type="h" for="ch" forName="Child1" refType="h" fact="0.354"/>
+              <dgm:constr type="r" for="ch" forName="Child2" refType="w" fact="0.4927"/>
+              <dgm:constr type="t" for="ch" forName="Child2" refType="h" fact="0.428"/>
+              <dgm:constr type="w" for="ch" forName="Child2" refType="w" fact="0.4927"/>
+              <dgm:constr type="h" for="ch" forName="Child2" refType="h" fact="0.354"/>
+            </dgm:constrLst>
+          </dgm:if>
+          <dgm:if name="Name17" axis="ch ch" ptType="node node" st="1 1" cnt="1 0" func="cnt" op="equ" val="4">
+            <dgm:alg type="composite">
+              <dgm:param type="ar" val="0.682"/>
+            </dgm:alg>
+            <dgm:constrLst>
+              <dgm:constr type="primFontSz" for="des" forName="Parent" val="65"/>
+              <dgm:constr type="primFontSz" for="des" forName="Child1" val="65"/>
+              <dgm:constr type="primFontSz" for="des" forName="Child1" refType="primFontSz" refFor="des" refForName="Parent" op="lte"/>
+              <dgm:constr type="primFontSz" for="des" forName="Child2" refType="primFontSz" refFor="des" refForName="Parent" op="lte"/>
+              <dgm:constr type="primFontSz" for="des" forName="Child3" refType="primFontSz" refFor="des" refForName="Parent" op="lte"/>
+              <dgm:constr type="primFontSz" for="des" forName="Child4" refType="primFontSz" refFor="des" refForName="Parent" op="lte"/>
+              <dgm:constr type="primFontSz" for="des" forName="Child2" refType="primFontSz" refFor="des" refForName="Child1" op="equ"/>
+              <dgm:constr type="primFontSz" for="des" forName="Child3" refType="primFontSz" refFor="des" refForName="Child1" op="equ"/>
+              <dgm:constr type="primFontSz" for="des" forName="Child4" refType="primFontSz" refFor="des" refForName="Child1" op="equ"/>
+              <dgm:constr type="r" for="ch" forName="Accent4" refType="w" fact="0.5427"/>
+              <dgm:constr type="t" for="ch" forName="Accent4" refType="h" fact="0.6834"/>
+              <dgm:constr type="w" for="ch" forName="Accent4" refType="w" fact="0.2269"/>
+              <dgm:constr type="h" for="ch" forName="Accent4" refType="h" fact="0.1333"/>
+              <dgm:constr type="r" for="ch" forName="Accent3" refType="w" fact="0.3587"/>
+              <dgm:constr type="t" for="ch" forName="Accent3" refType="h" fact="0.4021"/>
+              <dgm:constr type="w" for="ch" forName="Accent3" refType="w" fact="0.2269"/>
+              <dgm:constr type="h" for="ch" forName="Accent3" refType="h" fact="0.1333"/>
+              <dgm:constr type="r" for="ch" forName="Accent2" refType="w" fact="0.6235"/>
+              <dgm:constr type="t" for="ch" forName="Accent2" refType="h" fact="0.1529"/>
+              <dgm:constr type="w" for="ch" forName="Accent2" refType="w" fact="0.2269"/>
+              <dgm:constr type="h" for="ch" forName="Accent2" refType="h" fact="0.1333"/>
+              <dgm:constr type="r" for="ch" forName="Accent1" refType="w" fact="0"/>
+              <dgm:constr type="t" for="ch" forName="Accent1" refType="h" fact="0"/>
+              <dgm:constr type="w" for="ch" forName="Accent1" refType="w" fact="0"/>
+              <dgm:constr type="h" for="ch" forName="Accent1" refType="h" fact="0"/>
+              <dgm:constr type="r" for="ch" forName="Child4" refType="w" fact="0.9446"/>
+              <dgm:constr type="t" for="ch" forName="Child4" refType="h" fact="0.7093"/>
+              <dgm:constr type="w" for="ch" forName="Child4" refType="w" fact="0.4927"/>
+              <dgm:constr type="h" for="ch" forName="Child4" refType="h" fact="0.2907"/>
+              <dgm:constr type="r" for="ch" forName="Parent" refType="w"/>
+              <dgm:constr type="t" for="ch" forName="Parent" refType="h" fact="0.3226"/>
+              <dgm:constr type="w" for="ch" forName="Parent" refType="w" fact="0.6013"/>
+              <dgm:constr type="h" for="ch" forName="Parent" refType="h" fact="0.3547"/>
+              <dgm:constr type="r" for="ch" forName="Child2" refType="w" fact="0.4927"/>
+              <dgm:constr type="t" for="ch" forName="Child2" refType="h" fact="0.1788"/>
+              <dgm:constr type="w" for="ch" forName="Child2" refType="w" fact="0.4927"/>
+              <dgm:constr type="h" for="ch" forName="Child2" refType="h" fact="0.2907"/>
+              <dgm:constr type="r" for="ch" forName="Child3" refType="w" fact="0.4927"/>
+              <dgm:constr type="t" for="ch" forName="Child3" refType="h" fact="0.5303"/>
+              <dgm:constr type="w" for="ch" forName="Child3" refType="w" fact="0.4927"/>
+              <dgm:constr type="h" for="ch" forName="Child3" refType="h" fact="0.2907"/>
+              <dgm:constr type="r" for="ch" forName="Child1" refType="w" fact="0.9446"/>
+              <dgm:constr type="t" for="ch" forName="Child1" refType="h" fact="0"/>
+              <dgm:constr type="w" for="ch" forName="Child1" refType="w" fact="0.4927"/>
+              <dgm:constr type="h" for="ch" forName="Child1" refType="h" fact="0.2907"/>
+            </dgm:constrLst>
+          </dgm:if>
+          <dgm:if name="Name18" axis="ch ch" ptType="node node" st="1 1" cnt="1 0" func="cnt" op="equ" val="5">
+            <dgm:alg type="composite">
+              <dgm:param type="ar" val="0.9538"/>
+            </dgm:alg>
+            <dgm:constrLst>
+              <dgm:constr type="primFontSz" for="des" forName="Parent" val="65"/>
+              <dgm:constr type="primFontSz" for="des" forName="Child1" val="65"/>
+              <dgm:constr type="primFontSz" for="des" forName="Child1" refType="primFontSz" refFor="des" refForName="Parent" op="lte"/>
+              <dgm:constr type="primFontSz" for="des" forName="Child2" refType="primFontSz" refFor="des" refForName="Parent" op="lte"/>
+              <dgm:constr type="primFontSz" for="des" forName="Child3" refType="primFontSz" refFor="des" refForName="Parent" op="lte"/>
+              <dgm:constr type="primFontSz" for="des" forName="Child4" refType="primFontSz" refFor="des" refForName="Parent" op="lte"/>
+              <dgm:constr type="primFontSz" for="des" forName="Child5" refType="primFontSz" refFor="des" refForName="Parent" op="lte"/>
+              <dgm:constr type="primFontSz" for="des" forName="Child2" refType="primFontSz" refFor="des" refForName="Child1" op="equ"/>
+              <dgm:constr type="primFontSz" for="des" forName="Child3" refType="primFontSz" refFor="des" refForName="Child1" op="equ"/>
+              <dgm:constr type="primFontSz" for="des" forName="Child4" refType="primFontSz" refFor="des" refForName="Child1" op="equ"/>
+              <dgm:constr type="primFontSz" for="des" forName="Child5" refType="primFontSz" refFor="des" refForName="Child1" op="equ"/>
+              <dgm:constr type="r" for="ch" forName="Accent5" refType="w" fact="0.7142"/>
+              <dgm:constr type="t" for="ch" forName="Accent5" refType="h" fact="0.7126"/>
+              <dgm:constr type="w" for="ch" forName="Accent5" refType="w" fact="0.1622"/>
+              <dgm:constr type="h" for="ch" forName="Accent5" refType="h" fact="0.1333"/>
+              <dgm:constr type="r" for="ch" forName="Accent4" refType="w" fact="0.388"/>
+              <dgm:constr type="t" for="ch" forName="Accent4" refType="h" fact="0.6834"/>
+              <dgm:constr type="w" for="ch" forName="Accent4" refType="w" fact="0.1622"/>
+              <dgm:constr type="h" for="ch" forName="Accent4" refType="h" fact="0.1333"/>
+              <dgm:constr type="r" for="ch" forName="Accent3" refType="w" fact="0.2565"/>
+              <dgm:constr type="t" for="ch" forName="Accent3" refType="h" fact="0.4021"/>
+              <dgm:constr type="w" for="ch" forName="Accent3" refType="w" fact="0.1622"/>
+              <dgm:constr type="h" for="ch" forName="Accent3" refType="h" fact="0.1333"/>
+              <dgm:constr type="r" for="ch" forName="Accent2" refType="w" fact="0.4458"/>
+              <dgm:constr type="t" for="ch" forName="Accent2" refType="h" fact="0.1529"/>
+              <dgm:constr type="w" for="ch" forName="Accent2" refType="w" fact="0.1622"/>
+              <dgm:constr type="h" for="ch" forName="Accent2" refType="h" fact="0.1333"/>
+              <dgm:constr type="r" for="ch" forName="Accent1" refType="w" fact="0"/>
+              <dgm:constr type="t" for="ch" forName="Accent1" refType="h" fact="0"/>
+              <dgm:constr type="w" for="ch" forName="Accent1" refType="w" fact="0"/>
+              <dgm:constr type="h" for="ch" forName="Accent1" refType="h" fact="0"/>
+              <dgm:constr type="r" for="ch" forName="Child4" refType="w" fact="0.6754"/>
+              <dgm:constr type="t" for="ch" forName="Child4" refType="h" fact="0.7093"/>
+              <dgm:constr type="w" for="ch" forName="Child4" refType="w" fact="0.3523"/>
+              <dgm:constr type="h" for="ch" forName="Child4" refType="h" fact="0.2907"/>
+              <dgm:constr type="r" for="ch" forName="Parent" refType="w" fact="0.715"/>
+              <dgm:constr type="t" for="ch" forName="Parent" refType="h" fact="0.3226"/>
+              <dgm:constr type="w" for="ch" forName="Parent" refType="w" fact="0.4299"/>
+              <dgm:constr type="h" for="ch" forName="Parent" refType="h" fact="0.3547"/>
+              <dgm:constr type="r" for="ch" forName="Child2" refType="w" fact="0.3523"/>
+              <dgm:constr type="t" for="ch" forName="Child2" refType="h" fact="0.1788"/>
+              <dgm:constr type="w" for="ch" forName="Child2" refType="w" fact="0.3523"/>
+              <dgm:constr type="h" for="ch" forName="Child2" refType="h" fact="0.2907"/>
+              <dgm:constr type="r" for="ch" forName="Child3" refType="w" fact="0.3523"/>
+              <dgm:constr type="t" for="ch" forName="Child3" refType="h" fact="0.5303"/>
+              <dgm:constr type="w" for="ch" forName="Child3" refType="w" fact="0.3523"/>
+              <dgm:constr type="h" for="ch" forName="Child3" refType="h" fact="0.2907"/>
+              <dgm:constr type="r" for="ch" forName="Child5" refType="w"/>
+              <dgm:constr type="t" for="ch" forName="Child5" refType="h" fact="0.5305"/>
+              <dgm:constr type="w" for="ch" forName="Child5" refType="w" fact="0.3523"/>
+              <dgm:constr type="h" for="ch" forName="Child5" refType="h" fact="0.2907"/>
+              <dgm:constr type="r" for="ch" forName="Child1" refType="w" fact="0.6754"/>
+              <dgm:constr type="t" for="ch" forName="Child1" refType="h" fact="0"/>
+              <dgm:constr type="w" for="ch" forName="Child1" refType="w" fact="0.3523"/>
+              <dgm:constr type="h" for="ch" forName="Child1" refType="h" fact="0.2907"/>
+            </dgm:constrLst>
+          </dgm:if>
+          <dgm:else name="Name19">
+            <dgm:alg type="composite">
+              <dgm:param type="ar" val="0.9538"/>
+            </dgm:alg>
+            <dgm:constrLst>
+              <dgm:constr type="primFontSz" for="des" forName="Parent" val="65"/>
+              <dgm:constr type="primFontSz" for="des" forName="Child1" val="65"/>
+              <dgm:constr type="primFontSz" for="des" forName="Child1" refType="primFontSz" refFor="des" refForName="Parent" op="lte"/>
+              <dgm:constr type="primFontSz" for="des" forName="Child2" refType="primFontSz" refFor="des" refForName="Parent" op="lte"/>
+              <dgm:constr type="primFontSz" for="des" forName="Child3" refType="primFontSz" refFor="des" refForName="Parent" op="lte"/>
+              <dgm:constr type="primFontSz" for="des" forName="Child4" refType="primFontSz" refFor="des" refForName="Parent" op="lte"/>
+              <dgm:constr type="primFontSz" for="des" forName="Child5" refType="primFontSz" refFor="des" refForName="Parent" op="lte"/>
+              <dgm:constr type="primFontSz" for="des" forName="Child6" refType="primFontSz" refFor="des" refForName="Parent" op="lte"/>
+              <dgm:constr type="primFontSz" for="des" forName="Child7" refType="primFontSz" refFor="des" refForName="Parent" op="lte"/>
+              <dgm:constr type="primFontSz" for="des" forName="Child2" refType="primFontSz" refFor="des" refForName="Child1" op="equ"/>
+              <dgm:constr type="primFontSz" for="des" forName="Child3" refType="primFontSz" refFor="des" refForName="Child1" op="equ"/>
+              <dgm:constr type="primFontSz" for="des" forName="Child4" refType="primFontSz" refFor="des" refForName="Child1" op="equ"/>
+              <dgm:constr type="primFontSz" for="des" forName="Child5" refType="primFontSz" refFor="des" refForName="Child1" op="equ"/>
+              <dgm:constr type="primFontSz" for="des" forName="Child6" refType="primFontSz" refFor="des" refForName="Child1" op="equ"/>
+              <dgm:constr type="primFontSz" for="des" forName="Child7" refType="primFontSz" refFor="des" refForName="Child1" op="equ"/>
+              <dgm:constr type="primFontSz" for="des" ptType="node" op="equ" val="65"/>
+              <dgm:constr type="r" for="ch" forName="Accent6" refType="w" fact="0.9066"/>
+              <dgm:constr type="t" for="ch" forName="Accent6" refType="h" fact="0.4635"/>
+              <dgm:constr type="w" for="ch" forName="Accent6" refType="w" fact="0.1622"/>
+              <dgm:constr type="h" for="ch" forName="Accent6" refType="h" fact="0.1333"/>
+              <dgm:constr type="r" for="ch" forName="Accent5" refType="w" fact="0.7142"/>
+              <dgm:constr type="t" for="ch" forName="Accent5" refType="h" fact="0.7126"/>
+              <dgm:constr type="w" for="ch" forName="Accent5" refType="w" fact="0.1622"/>
+              <dgm:constr type="h" for="ch" forName="Accent5" refType="h" fact="0.1333"/>
+              <dgm:constr type="r" for="ch" forName="Accent4" refType="w" fact="0.388"/>
+              <dgm:constr type="t" for="ch" forName="Accent4" refType="h" fact="0.6834"/>
+              <dgm:constr type="w" for="ch" forName="Accent4" refType="w" fact="0.1622"/>
+              <dgm:constr type="h" for="ch" forName="Accent4" refType="h" fact="0.1333"/>
+              <dgm:constr type="r" for="ch" forName="Accent3" refType="w" fact="0.2565"/>
+              <dgm:constr type="t" for="ch" forName="Accent3" refType="h" fact="0.4021"/>
+              <dgm:constr type="w" for="ch" forName="Accent3" refType="w" fact="0.1622"/>
+              <dgm:constr type="h" for="ch" forName="Accent3" refType="h" fact="0.1333"/>
+              <dgm:constr type="r" for="ch" forName="Accent2" refType="w" fact="0.4458"/>
+              <dgm:constr type="t" for="ch" forName="Accent2" refType="h" fact="0.1529"/>
+              <dgm:constr type="w" for="ch" forName="Accent2" refType="w" fact="0.1622"/>
+              <dgm:constr type="h" for="ch" forName="Accent2" refType="h" fact="0.1333"/>
+              <dgm:constr type="r" for="ch" forName="Accent1" refType="w" fact="0"/>
+              <dgm:constr type="t" for="ch" forName="Accent1" refType="h" fact="0"/>
+              <dgm:constr type="w" for="ch" forName="Accent1" refType="w" fact="0"/>
+              <dgm:constr type="h" for="ch" forName="Accent1" refType="h" fact="0"/>
+              <dgm:constr type="r" for="ch" forName="Child4" refType="w" fact="0.6754"/>
+              <dgm:constr type="t" for="ch" forName="Child4" refType="h" fact="0.7093"/>
+              <dgm:constr type="w" for="ch" forName="Child4" refType="w" fact="0.3523"/>
+              <dgm:constr type="h" for="ch" forName="Child4" refType="h" fact="0.2907"/>
+              <dgm:constr type="r" for="ch" forName="Parent" refType="w" fact="0.715"/>
+              <dgm:constr type="t" for="ch" forName="Parent" refType="h" fact="0.3226"/>
+              <dgm:constr type="w" for="ch" forName="Parent" refType="w" fact="0.4299"/>
+              <dgm:constr type="h" for="ch" forName="Parent" refType="h" fact="0.3547"/>
+              <dgm:constr type="r" for="ch" forName="Child2" refType="w" fact="0.3523"/>
+              <dgm:constr type="t" for="ch" forName="Child2" refType="h" fact="0.1788"/>
+              <dgm:constr type="w" for="ch" forName="Child2" refType="w" fact="0.3523"/>
+              <dgm:constr type="h" for="ch" forName="Child2" refType="h" fact="0.2907"/>
+              <dgm:constr type="r" for="ch" forName="Child3" refType="w" fact="0.3523"/>
+              <dgm:constr type="t" for="ch" forName="Child3" refType="h" fact="0.5303"/>
+              <dgm:constr type="w" for="ch" forName="Child3" refType="w" fact="0.3523"/>
+              <dgm:constr type="h" for="ch" forName="Child3" refType="h" fact="0.2907"/>
+              <dgm:constr type="r" for="ch" forName="Child5" refType="w"/>
+              <dgm:constr type="t" for="ch" forName="Child5" refType="h" fact="0.5305"/>
+              <dgm:constr type="w" for="ch" forName="Child5" refType="w" fact="0.3523"/>
+              <dgm:constr type="h" for="ch" forName="Child5" refType="h" fact="0.2907"/>
+              <dgm:constr type="r" for="ch" forName="Child6" refType="w"/>
+              <dgm:constr type="t" for="ch" forName="Child6" refType="h" fact="0.1784"/>
+              <dgm:constr type="w" for="ch" forName="Child6" refType="w" fact="0.3523"/>
+              <dgm:constr type="h" for="ch" forName="Child6" refType="h" fact="0.2907"/>
+              <dgm:constr type="r" for="ch" forName="Child1" refType="w" fact="0.6754"/>
+              <dgm:constr type="t" for="ch" forName="Child1" refType="h" fact="0"/>
+              <dgm:constr type="w" for="ch" forName="Child1" refType="w" fact="0.3523"/>
+              <dgm:constr type="h" for="ch" forName="Child1" refType="h" fact="0.2907"/>
+            </dgm:constrLst>
+          </dgm:else>
+        </dgm:choose>
+      </dgm:else>
+    </dgm:choose>
+    <dgm:forEach name="wrapper" axis="self" ptType="parTrans">
+      <dgm:forEach name="accentRepeat" axis="self">
+        <dgm:layoutNode name="Accent" styleLbl="bgShp">
+          <dgm:alg type="sp"/>
+          <dgm:shape xmlns:r="http://schemas.openxmlformats.org/officeDocument/2006/relationships" type="hexagon" r:blip="" zOrderOff="-2">
+            <dgm:adjLst>
+              <dgm:adj idx="1" val="0.289"/>
+              <dgm:adj idx="2" val="1.1547"/>
+            </dgm:adjLst>
+          </dgm:shape>
+          <dgm:presOf/>
+        </dgm:layoutNode>
+      </dgm:forEach>
+    </dgm:forEach>
+    <dgm:forEach name="Name20" axis="ch" ptType="node" cnt="1">
+      <dgm:layoutNode name="Parent" styleLbl="node0">
+        <dgm:varLst>
+          <dgm:chMax val="6"/>
+          <dgm:chPref val="6"/>
+        </dgm:varLst>
+        <dgm:alg type="tx"/>
+        <dgm:shape xmlns:r="http://schemas.openxmlformats.org/officeDocument/2006/relationships" type="hexagon" r:blip="">
+          <dgm:adjLst>
+            <dgm:adj idx="1" val="0.2857"/>
+            <dgm:adj idx="2" val="1.1547"/>
+          </dgm:adjLst>
+        </dgm:shape>
+        <dgm:presOf axis="self"/>
+        <dgm:constrLst>
+          <dgm:constr type="lMarg" refType="primFontSz" fact="0.1"/>
+          <dgm:constr type="rMarg" refType="primFontSz" fact="0.1"/>
+          <dgm:constr type="tMarg" refType="primFontSz" fact="0.1"/>
+          <dgm:constr type="bMarg" refType="primFontSz" fact="0.1"/>
+        </dgm:constrLst>
+        <dgm:ruleLst>
+          <dgm:rule type="primFontSz" val="5" fact="NaN" max="NaN"/>
+        </dgm:ruleLst>
+      </dgm:layoutNode>
+    </dgm:forEach>
+    <dgm:forEach name="Name21" axis="ch ch" ptType="node node" st="1 1" cnt="1 1">
+      <dgm:layoutNode name="Accent1">
+        <dgm:alg type="sp"/>
+        <dgm:shape xmlns:r="http://schemas.openxmlformats.org/officeDocument/2006/relationships" r:blip="" zOrderOff="-2">
+          <dgm:adjLst/>
+        </dgm:shape>
+        <dgm:presOf/>
+        <dgm:constrLst/>
+        <dgm:forEach name="Name22" ref="accentRepeat"/>
+      </dgm:layoutNode>
+      <dgm:layoutNode name="Child1" styleLbl="node1">
+        <dgm:varLst>
+          <dgm:chMax val="0"/>
+          <dgm:chPref val="0"/>
+          <dgm:bulletEnabled val="1"/>
+        </dgm:varLst>
+        <dgm:alg type="tx">
+          <dgm:param type="shpTxLTRAlignCh" val="ctr"/>
+          <dgm:param type="txAnchorVertCh" val="mid"/>
+        </dgm:alg>
+        <dgm:shape xmlns:r="http://schemas.openxmlformats.org/officeDocument/2006/relationships" type="hexagon" r:blip="">
+          <dgm:adjLst>
+            <dgm:adj idx="1" val="0.2857"/>
+            <dgm:adj idx="2" val="1.1547"/>
+          </dgm:adjLst>
+        </dgm:shape>
+        <dgm:presOf axis="desOrSelf" ptType="node"/>
+        <dgm:constrLst>
+          <dgm:constr type="lMarg" refType="primFontSz" fact="0.1"/>
+          <dgm:constr type="rMarg" refType="primFontSz" fact="0.1"/>
+          <dgm:constr type="tMarg" refType="primFontSz" fact="0.1"/>
+          <dgm:constr type="bMarg" refType="primFontSz" fact="0.1"/>
+        </dgm:constrLst>
+        <dgm:ruleLst>
+          <dgm:rule type="primFontSz" val="5" fact="NaN" max="NaN"/>
+        </dgm:ruleLst>
+      </dgm:layoutNode>
+    </dgm:forEach>
+    <dgm:forEach name="Name23" axis="ch ch" ptType="node node" st="1 2" cnt="1 1">
+      <dgm:layoutNode name="Accent2">
+        <dgm:alg type="sp"/>
+        <dgm:shape xmlns:r="http://schemas.openxmlformats.org/officeDocument/2006/relationships" r:blip="" zOrderOff="-2">
+          <dgm:adjLst/>
+        </dgm:shape>
+        <dgm:presOf/>
+        <dgm:constrLst/>
+        <dgm:forEach name="Name24" ref="accentRepeat"/>
+      </dgm:layoutNode>
+      <dgm:layoutNode name="Child2" styleLbl="node1">
+        <dgm:varLst>
+          <dgm:chMax val="0"/>
+          <dgm:chPref val="0"/>
+          <dgm:bulletEnabled val="1"/>
+        </dgm:varLst>
+        <dgm:alg type="tx">
+          <dgm:param type="shpTxLTRAlignCh" val="ctr"/>
+          <dgm:param type="txAnchorVertCh" val="mid"/>
+        </dgm:alg>
+        <dgm:shape xmlns:r="http://schemas.openxmlformats.org/officeDocument/2006/relationships" type="hexagon" r:blip="">
+          <dgm:adjLst>
+            <dgm:adj idx="1" val="0.2857"/>
+            <dgm:adj idx="2" val="1.1547"/>
+          </dgm:adjLst>
+        </dgm:shape>
+        <dgm:presOf axis="desOrSelf" ptType="node"/>
+        <dgm:constrLst>
+          <dgm:constr type="lMarg" refType="primFontSz" fact="0.1"/>
+          <dgm:constr type="rMarg" refType="primFontSz" fact="0.1"/>
+          <dgm:constr type="tMarg" refType="primFontSz" fact="0.1"/>
+          <dgm:constr type="bMarg" refType="primFontSz" fact="0.1"/>
+        </dgm:constrLst>
+        <dgm:ruleLst>
+          <dgm:rule type="primFontSz" val="5" fact="NaN" max="NaN"/>
+        </dgm:ruleLst>
+      </dgm:layoutNode>
+    </dgm:forEach>
+    <dgm:forEach name="Name25" axis="ch ch" ptType="node node" st="1 3" cnt="1 1">
+      <dgm:layoutNode name="Accent3">
+        <dgm:alg type="sp"/>
+        <dgm:shape xmlns:r="http://schemas.openxmlformats.org/officeDocument/2006/relationships" r:blip="" zOrderOff="-2">
+          <dgm:adjLst/>
+        </dgm:shape>
+        <dgm:presOf/>
+        <dgm:constrLst/>
+        <dgm:forEach name="Name26" ref="accentRepeat"/>
+      </dgm:layoutNode>
+      <dgm:layoutNode name="Child3" styleLbl="node1">
+        <dgm:varLst>
+          <dgm:chMax val="0"/>
+          <dgm:chPref val="0"/>
+          <dgm:bulletEnabled val="1"/>
+        </dgm:varLst>
+        <dgm:alg type="tx">
+          <dgm:param type="shpTxLTRAlignCh" val="ctr"/>
+          <dgm:param type="txAnchorVertCh" val="mid"/>
+        </dgm:alg>
+        <dgm:shape xmlns:r="http://schemas.openxmlformats.org/officeDocument/2006/relationships" type="hexagon" r:blip="">
+          <dgm:adjLst>
+            <dgm:adj idx="1" val="0.2857"/>
+            <dgm:adj idx="2" val="1.1547"/>
+          </dgm:adjLst>
+        </dgm:shape>
+        <dgm:presOf axis="desOrSelf" ptType="node"/>
+        <dgm:constrLst>
+          <dgm:constr type="lMarg" refType="primFontSz" fact="0.1"/>
+          <dgm:constr type="rMarg" refType="primFontSz" fact="0.1"/>
+          <dgm:constr type="tMarg" refType="primFontSz" fact="0.1"/>
+          <dgm:constr type="bMarg" refType="primFontSz" fact="0.1"/>
+        </dgm:constrLst>
+        <dgm:ruleLst>
+          <dgm:rule type="primFontSz" val="5" fact="NaN" max="NaN"/>
+        </dgm:ruleLst>
+      </dgm:layoutNode>
+    </dgm:forEach>
+    <dgm:forEach name="Name27" axis="ch ch" ptType="node node" st="1 4" cnt="1 1">
+      <dgm:layoutNode name="Accent4">
+        <dgm:alg type="sp"/>
+        <dgm:shape xmlns:r="http://schemas.openxmlformats.org/officeDocument/2006/relationships" r:blip="">
+          <dgm:adjLst/>
+        </dgm:shape>
+        <dgm:presOf/>
+        <dgm:constrLst/>
+        <dgm:forEach name="Name28" ref="accentRepeat"/>
+      </dgm:layoutNode>
+      <dgm:layoutNode name="Child4" styleLbl="node1">
+        <dgm:varLst>
+          <dgm:chMax val="0"/>
+          <dgm:chPref val="0"/>
+          <dgm:bulletEnabled val="1"/>
+        </dgm:varLst>
+        <dgm:alg type="tx">
+          <dgm:param type="shpTxLTRAlignCh" val="ctr"/>
+          <dgm:param type="txAnchorVertCh" val="mid"/>
+        </dgm:alg>
+        <dgm:shape xmlns:r="http://schemas.openxmlformats.org/officeDocument/2006/relationships" type="hexagon" r:blip="">
+          <dgm:adjLst>
+            <dgm:adj idx="1" val="0.2857"/>
+            <dgm:adj idx="2" val="1.1547"/>
+          </dgm:adjLst>
+        </dgm:shape>
+        <dgm:presOf axis="desOrSelf" ptType="node"/>
+        <dgm:constrLst>
+          <dgm:constr type="lMarg" refType="primFontSz" fact="0.1"/>
+          <dgm:constr type="rMarg" refType="primFontSz" fact="0.1"/>
+          <dgm:constr type="tMarg" refType="primFontSz" fact="0.1"/>
+          <dgm:constr type="bMarg" refType="primFontSz" fact="0.1"/>
+        </dgm:constrLst>
+        <dgm:ruleLst>
+          <dgm:rule type="primFontSz" val="5" fact="NaN" max="NaN"/>
+        </dgm:ruleLst>
+      </dgm:layoutNode>
+    </dgm:forEach>
+    <dgm:forEach name="Name29" axis="ch ch" ptType="node node" st="1 5" cnt="1 1">
+      <dgm:layoutNode name="Accent5">
+        <dgm:alg type="sp"/>
+        <dgm:shape xmlns:r="http://schemas.openxmlformats.org/officeDocument/2006/relationships" r:blip="">
+          <dgm:adjLst/>
+        </dgm:shape>
+        <dgm:presOf/>
+        <dgm:constrLst/>
+        <dgm:forEach name="Name30" ref="accentRepeat"/>
+      </dgm:layoutNode>
+      <dgm:layoutNode name="Child5" styleLbl="node1">
+        <dgm:varLst>
+          <dgm:chMax val="0"/>
+          <dgm:chPref val="0"/>
+          <dgm:bulletEnabled val="1"/>
+        </dgm:varLst>
+        <dgm:alg type="tx">
+          <dgm:param type="shpTxLTRAlignCh" val="ctr"/>
+          <dgm:param type="txAnchorVertCh" val="mid"/>
+        </dgm:alg>
+        <dgm:shape xmlns:r="http://schemas.openxmlformats.org/officeDocument/2006/relationships" type="hexagon" r:blip="">
+          <dgm:adjLst>
+            <dgm:adj idx="1" val="0.2857"/>
+            <dgm:adj idx="2" val="1.1547"/>
+          </dgm:adjLst>
+        </dgm:shape>
+        <dgm:presOf axis="desOrSelf" ptType="node"/>
+        <dgm:constrLst>
+          <dgm:constr type="lMarg" refType="primFontSz" fact="0.1"/>
+          <dgm:constr type="rMarg" refType="primFontSz" fact="0.1"/>
+          <dgm:constr type="tMarg" refType="primFontSz" fact="0.1"/>
+          <dgm:constr type="bMarg" refType="primFontSz" fact="0.1"/>
+        </dgm:constrLst>
+        <dgm:ruleLst>
+          <dgm:rule type="primFontSz" val="5" fact="NaN" max="NaN"/>
+        </dgm:ruleLst>
+      </dgm:layoutNode>
+    </dgm:forEach>
+    <dgm:forEach name="Name31" axis="ch ch" ptType="node node" st="1 6" cnt="1 1">
+      <dgm:layoutNode name="Accent6">
+        <dgm:alg type="sp"/>
+        <dgm:shape xmlns:r="http://schemas.openxmlformats.org/officeDocument/2006/relationships" r:blip="">
+          <dgm:adjLst/>
+        </dgm:shape>
+        <dgm:presOf/>
+        <dgm:constrLst/>
+        <dgm:forEach name="Name32" ref="accentRepeat"/>
+      </dgm:layoutNode>
+      <dgm:layoutNode name="Child6" styleLbl="node1">
+        <dgm:varLst>
+          <dgm:chMax val="0"/>
+          <dgm:chPref val="0"/>
+          <dgm:bulletEnabled val="1"/>
+        </dgm:varLst>
+        <dgm:alg type="tx">
+          <dgm:param type="shpTxLTRAlignCh" val="ctr"/>
+          <dgm:param type="txAnchorVertCh" val="mid"/>
+        </dgm:alg>
+        <dgm:shape xmlns:r="http://schemas.openxmlformats.org/officeDocument/2006/relationships" type="hexagon" r:blip="">
+          <dgm:adjLst>
+            <dgm:adj idx="1" val="0.2857"/>
+            <dgm:adj idx="2" val="1.1547"/>
+          </dgm:adjLst>
+        </dgm:shape>
+        <dgm:presOf axis="desOrSelf" ptType="node"/>
+        <dgm:constrLst>
+          <dgm:constr type="lMarg" refType="primFontSz" fact="0.1"/>
+          <dgm:constr type="rMarg" refType="primFontSz" fact="0.1"/>
+          <dgm:constr type="tMarg" refType="primFontSz" fact="0.1"/>
+          <dgm:constr type="bMarg" refType="primFontSz" fact="0.1"/>
+        </dgm:constrLst>
+        <dgm:ruleLst>
+          <dgm:rule type="primFontSz" val="5" fact="NaN" max="NaN"/>
+        </dgm:ruleLst>
+      </dgm:layoutNode>
+    </dgm:forEach>
+  </dgm:layoutNode>
+</dgm:layoutDef>
+</file>
+
+<file path=ppt/diagrams/layout2.xml><?xml version="1.0" encoding="utf-8"?>
 <dgm:layoutDef xmlns:dgm="http://schemas.openxmlformats.org/drawingml/2006/diagram" xmlns:a="http://schemas.openxmlformats.org/drawingml/2006/main" uniqueId="urn:microsoft.com/office/officeart/2005/8/layout/hProcess10">
   <dgm:title val=""/>
   <dgm:desc val=""/>
@@ -3551,6 +6576,1040 @@
 </dgm:styleDef>
 </file>
 
+<file path=ppt/diagrams/quickStyle2.xml><?xml version="1.0" encoding="utf-8"?>
+<dgm:styleDef xmlns:dgm="http://schemas.openxmlformats.org/drawingml/2006/diagram" xmlns:a="http://schemas.openxmlformats.org/drawingml/2006/main" uniqueId="urn:microsoft.com/office/officeart/2005/8/quickstyle/simple1">
+  <dgm:title val=""/>
+  <dgm:desc val=""/>
+  <dgm:catLst>
+    <dgm:cat type="simple" pri="10100"/>
+  </dgm:catLst>
+  <dgm:scene3d>
+    <a:camera prst="orthographicFront"/>
+    <a:lightRig rig="threePt" dir="t"/>
+  </dgm:scene3d>
+  <dgm:styleLbl name="node0">
+    <dgm:scene3d>
+      <a:camera prst="orthographicFront"/>
+      <a:lightRig rig="threePt" dir="t"/>
+    </dgm:scene3d>
+    <dgm:sp3d/>
+    <dgm:txPr/>
+    <dgm:style>
+      <a:lnRef idx="2">
+        <a:scrgbClr r="0" g="0" b="0"/>
+      </a:lnRef>
+      <a:fillRef idx="1">
+        <a:scrgbClr r="0" g="0" b="0"/>
+      </a:fillRef>
+      <a:effectRef idx="0">
+        <a:scrgbClr r="0" g="0" b="0"/>
+      </a:effectRef>
+      <a:fontRef idx="minor">
+        <a:schemeClr val="lt1"/>
+      </a:fontRef>
+    </dgm:style>
+  </dgm:styleLbl>
+  <dgm:styleLbl name="lnNode1">
+    <dgm:scene3d>
+      <a:camera prst="orthographicFront"/>
+      <a:lightRig rig="threePt" dir="t"/>
+    </dgm:scene3d>
+    <dgm:sp3d/>
+    <dgm:txPr/>
+    <dgm:style>
+      <a:lnRef idx="2">
+        <a:scrgbClr r="0" g="0" b="0"/>
+      </a:lnRef>
+      <a:fillRef idx="1">
+        <a:scrgbClr r="0" g="0" b="0"/>
+      </a:fillRef>
+      <a:effectRef idx="0">
+        <a:scrgbClr r="0" g="0" b="0"/>
+      </a:effectRef>
+      <a:fontRef idx="minor">
+        <a:schemeClr val="lt1"/>
+      </a:fontRef>
+    </dgm:style>
+  </dgm:styleLbl>
+  <dgm:styleLbl name="vennNode1">
+    <dgm:scene3d>
+      <a:camera prst="orthographicFront"/>
+      <a:lightRig rig="threePt" dir="t"/>
+    </dgm:scene3d>
+    <dgm:sp3d/>
+    <dgm:txPr/>
+    <dgm:style>
+      <a:lnRef idx="2">
+        <a:scrgbClr r="0" g="0" b="0"/>
+      </a:lnRef>
+      <a:fillRef idx="1">
+        <a:scrgbClr r="0" g="0" b="0"/>
+      </a:fillRef>
+      <a:effectRef idx="0">
+        <a:scrgbClr r="0" g="0" b="0"/>
+      </a:effectRef>
+      <a:fontRef idx="minor">
+        <a:schemeClr val="tx1"/>
+      </a:fontRef>
+    </dgm:style>
+  </dgm:styleLbl>
+  <dgm:styleLbl name="alignNode1">
+    <dgm:scene3d>
+      <a:camera prst="orthographicFront"/>
+      <a:lightRig rig="threePt" dir="t"/>
+    </dgm:scene3d>
+    <dgm:sp3d/>
+    <dgm:txPr/>
+    <dgm:style>
+      <a:lnRef idx="2">
+        <a:scrgbClr r="0" g="0" b="0"/>
+      </a:lnRef>
+      <a:fillRef idx="1">
+        <a:scrgbClr r="0" g="0" b="0"/>
+      </a:fillRef>
+      <a:effectRef idx="0">
+        <a:scrgbClr r="0" g="0" b="0"/>
+      </a:effectRef>
+      <a:fontRef idx="minor">
+        <a:schemeClr val="lt1"/>
+      </a:fontRef>
+    </dgm:style>
+  </dgm:styleLbl>
+  <dgm:styleLbl name="node1">
+    <dgm:scene3d>
+      <a:camera prst="orthographicFront"/>
+      <a:lightRig rig="threePt" dir="t"/>
+    </dgm:scene3d>
+    <dgm:sp3d/>
+    <dgm:txPr/>
+    <dgm:style>
+      <a:lnRef idx="2">
+        <a:scrgbClr r="0" g="0" b="0"/>
+      </a:lnRef>
+      <a:fillRef idx="1">
+        <a:scrgbClr r="0" g="0" b="0"/>
+      </a:fillRef>
+      <a:effectRef idx="0">
+        <a:scrgbClr r="0" g="0" b="0"/>
+      </a:effectRef>
+      <a:fontRef idx="minor">
+        <a:schemeClr val="lt1"/>
+      </a:fontRef>
+    </dgm:style>
+  </dgm:styleLbl>
+  <dgm:styleLbl name="node2">
+    <dgm:scene3d>
+      <a:camera prst="orthographicFront"/>
+      <a:lightRig rig="threePt" dir="t"/>
+    </dgm:scene3d>
+    <dgm:sp3d/>
+    <dgm:txPr/>
+    <dgm:style>
+      <a:lnRef idx="2">
+        <a:scrgbClr r="0" g="0" b="0"/>
+      </a:lnRef>
+      <a:fillRef idx="1">
+        <a:scrgbClr r="0" g="0" b="0"/>
+      </a:fillRef>
+      <a:effectRef idx="0">
+        <a:scrgbClr r="0" g="0" b="0"/>
+      </a:effectRef>
+      <a:fontRef idx="minor">
+        <a:schemeClr val="lt1"/>
+      </a:fontRef>
+    </dgm:style>
+  </dgm:styleLbl>
+  <dgm:styleLbl name="node3">
+    <dgm:scene3d>
+      <a:camera prst="orthographicFront"/>
+      <a:lightRig rig="threePt" dir="t"/>
+    </dgm:scene3d>
+    <dgm:sp3d/>
+    <dgm:txPr/>
+    <dgm:style>
+      <a:lnRef idx="2">
+        <a:scrgbClr r="0" g="0" b="0"/>
+      </a:lnRef>
+      <a:fillRef idx="1">
+        <a:scrgbClr r="0" g="0" b="0"/>
+      </a:fillRef>
+      <a:effectRef idx="0">
+        <a:scrgbClr r="0" g="0" b="0"/>
+      </a:effectRef>
+      <a:fontRef idx="minor">
+        <a:schemeClr val="lt1"/>
+      </a:fontRef>
+    </dgm:style>
+  </dgm:styleLbl>
+  <dgm:styleLbl name="node4">
+    <dgm:scene3d>
+      <a:camera prst="orthographicFront"/>
+      <a:lightRig rig="threePt" dir="t"/>
+    </dgm:scene3d>
+    <dgm:sp3d/>
+    <dgm:txPr/>
+    <dgm:style>
+      <a:lnRef idx="2">
+        <a:scrgbClr r="0" g="0" b="0"/>
+      </a:lnRef>
+      <a:fillRef idx="1">
+        <a:scrgbClr r="0" g="0" b="0"/>
+      </a:fillRef>
+      <a:effectRef idx="0">
+        <a:scrgbClr r="0" g="0" b="0"/>
+      </a:effectRef>
+      <a:fontRef idx="minor">
+        <a:schemeClr val="lt1"/>
+      </a:fontRef>
+    </dgm:style>
+  </dgm:styleLbl>
+  <dgm:styleLbl name="fgImgPlace1">
+    <dgm:scene3d>
+      <a:camera prst="orthographicFront"/>
+      <a:lightRig rig="threePt" dir="t"/>
+    </dgm:scene3d>
+    <dgm:sp3d/>
+    <dgm:txPr/>
+    <dgm:style>
+      <a:lnRef idx="2">
+        <a:scrgbClr r="0" g="0" b="0"/>
+      </a:lnRef>
+      <a:fillRef idx="1">
+        <a:scrgbClr r="0" g="0" b="0"/>
+      </a:fillRef>
+      <a:effectRef idx="0">
+        <a:scrgbClr r="0" g="0" b="0"/>
+      </a:effectRef>
+      <a:fontRef idx="minor"/>
+    </dgm:style>
+  </dgm:styleLbl>
+  <dgm:styleLbl name="alignImgPlace1">
+    <dgm:scene3d>
+      <a:camera prst="orthographicFront"/>
+      <a:lightRig rig="threePt" dir="t"/>
+    </dgm:scene3d>
+    <dgm:sp3d/>
+    <dgm:txPr/>
+    <dgm:style>
+      <a:lnRef idx="2">
+        <a:scrgbClr r="0" g="0" b="0"/>
+      </a:lnRef>
+      <a:fillRef idx="1">
+        <a:scrgbClr r="0" g="0" b="0"/>
+      </a:fillRef>
+      <a:effectRef idx="0">
+        <a:scrgbClr r="0" g="0" b="0"/>
+      </a:effectRef>
+      <a:fontRef idx="minor"/>
+    </dgm:style>
+  </dgm:styleLbl>
+  <dgm:styleLbl name="bgImgPlace1">
+    <dgm:scene3d>
+      <a:camera prst="orthographicFront"/>
+      <a:lightRig rig="threePt" dir="t"/>
+    </dgm:scene3d>
+    <dgm:sp3d/>
+    <dgm:txPr/>
+    <dgm:style>
+      <a:lnRef idx="2">
+        <a:scrgbClr r="0" g="0" b="0"/>
+      </a:lnRef>
+      <a:fillRef idx="1">
+        <a:scrgbClr r="0" g="0" b="0"/>
+      </a:fillRef>
+      <a:effectRef idx="0">
+        <a:scrgbClr r="0" g="0" b="0"/>
+      </a:effectRef>
+      <a:fontRef idx="minor"/>
+    </dgm:style>
+  </dgm:styleLbl>
+  <dgm:styleLbl name="sibTrans2D1">
+    <dgm:scene3d>
+      <a:camera prst="orthographicFront"/>
+      <a:lightRig rig="threePt" dir="t"/>
+    </dgm:scene3d>
+    <dgm:sp3d/>
+    <dgm:txPr/>
+    <dgm:style>
+      <a:lnRef idx="0">
+        <a:scrgbClr r="0" g="0" b="0"/>
+      </a:lnRef>
+      <a:fillRef idx="1">
+        <a:scrgbClr r="0" g="0" b="0"/>
+      </a:fillRef>
+      <a:effectRef idx="0">
+        <a:scrgbClr r="0" g="0" b="0"/>
+      </a:effectRef>
+      <a:fontRef idx="minor">
+        <a:schemeClr val="lt1"/>
+      </a:fontRef>
+    </dgm:style>
+  </dgm:styleLbl>
+  <dgm:styleLbl name="fgSibTrans2D1">
+    <dgm:scene3d>
+      <a:camera prst="orthographicFront"/>
+      <a:lightRig rig="threePt" dir="t"/>
+    </dgm:scene3d>
+    <dgm:sp3d/>
+    <dgm:txPr/>
+    <dgm:style>
+      <a:lnRef idx="0">
+        <a:scrgbClr r="0" g="0" b="0"/>
+      </a:lnRef>
+      <a:fillRef idx="1">
+        <a:scrgbClr r="0" g="0" b="0"/>
+      </a:fillRef>
+      <a:effectRef idx="0">
+        <a:scrgbClr r="0" g="0" b="0"/>
+      </a:effectRef>
+      <a:fontRef idx="minor">
+        <a:schemeClr val="lt1"/>
+      </a:fontRef>
+    </dgm:style>
+  </dgm:styleLbl>
+  <dgm:styleLbl name="bgSibTrans2D1">
+    <dgm:scene3d>
+      <a:camera prst="orthographicFront"/>
+      <a:lightRig rig="threePt" dir="t"/>
+    </dgm:scene3d>
+    <dgm:sp3d/>
+    <dgm:txPr/>
+    <dgm:style>
+      <a:lnRef idx="0">
+        <a:scrgbClr r="0" g="0" b="0"/>
+      </a:lnRef>
+      <a:fillRef idx="1">
+        <a:scrgbClr r="0" g="0" b="0"/>
+      </a:fillRef>
+      <a:effectRef idx="0">
+        <a:scrgbClr r="0" g="0" b="0"/>
+      </a:effectRef>
+      <a:fontRef idx="minor">
+        <a:schemeClr val="lt1"/>
+      </a:fontRef>
+    </dgm:style>
+  </dgm:styleLbl>
+  <dgm:styleLbl name="sibTrans1D1">
+    <dgm:scene3d>
+      <a:camera prst="orthographicFront"/>
+      <a:lightRig rig="threePt" dir="t"/>
+    </dgm:scene3d>
+    <dgm:sp3d/>
+    <dgm:txPr/>
+    <dgm:style>
+      <a:lnRef idx="1">
+        <a:scrgbClr r="0" g="0" b="0"/>
+      </a:lnRef>
+      <a:fillRef idx="0">
+        <a:scrgbClr r="0" g="0" b="0"/>
+      </a:fillRef>
+      <a:effectRef idx="0">
+        <a:scrgbClr r="0" g="0" b="0"/>
+      </a:effectRef>
+      <a:fontRef idx="minor"/>
+    </dgm:style>
+  </dgm:styleLbl>
+  <dgm:styleLbl name="callout">
+    <dgm:scene3d>
+      <a:camera prst="orthographicFront"/>
+      <a:lightRig rig="threePt" dir="t"/>
+    </dgm:scene3d>
+    <dgm:sp3d/>
+    <dgm:txPr/>
+    <dgm:style>
+      <a:lnRef idx="2">
+        <a:scrgbClr r="0" g="0" b="0"/>
+      </a:lnRef>
+      <a:fillRef idx="1">
+        <a:scrgbClr r="0" g="0" b="0"/>
+      </a:fillRef>
+      <a:effectRef idx="0">
+        <a:scrgbClr r="0" g="0" b="0"/>
+      </a:effectRef>
+      <a:fontRef idx="minor"/>
+    </dgm:style>
+  </dgm:styleLbl>
+  <dgm:styleLbl name="asst0">
+    <dgm:scene3d>
+      <a:camera prst="orthographicFront"/>
+      <a:lightRig rig="threePt" dir="t"/>
+    </dgm:scene3d>
+    <dgm:sp3d/>
+    <dgm:txPr/>
+    <dgm:style>
+      <a:lnRef idx="2">
+        <a:scrgbClr r="0" g="0" b="0"/>
+      </a:lnRef>
+      <a:fillRef idx="1">
+        <a:scrgbClr r="0" g="0" b="0"/>
+      </a:fillRef>
+      <a:effectRef idx="0">
+        <a:scrgbClr r="0" g="0" b="0"/>
+      </a:effectRef>
+      <a:fontRef idx="minor">
+        <a:schemeClr val="lt1"/>
+      </a:fontRef>
+    </dgm:style>
+  </dgm:styleLbl>
+  <dgm:styleLbl name="asst1">
+    <dgm:scene3d>
+      <a:camera prst="orthographicFront"/>
+      <a:lightRig rig="threePt" dir="t"/>
+    </dgm:scene3d>
+    <dgm:sp3d/>
+    <dgm:txPr/>
+    <dgm:style>
+      <a:lnRef idx="2">
+        <a:scrgbClr r="0" g="0" b="0"/>
+      </a:lnRef>
+      <a:fillRef idx="1">
+        <a:scrgbClr r="0" g="0" b="0"/>
+      </a:fillRef>
+      <a:effectRef idx="0">
+        <a:scrgbClr r="0" g="0" b="0"/>
+      </a:effectRef>
+      <a:fontRef idx="minor">
+        <a:schemeClr val="lt1"/>
+      </a:fontRef>
+    </dgm:style>
+  </dgm:styleLbl>
+  <dgm:styleLbl name="asst2">
+    <dgm:scene3d>
+      <a:camera prst="orthographicFront"/>
+      <a:lightRig rig="threePt" dir="t"/>
+    </dgm:scene3d>
+    <dgm:sp3d/>
+    <dgm:txPr/>
+    <dgm:style>
+      <a:lnRef idx="2">
+        <a:scrgbClr r="0" g="0" b="0"/>
+      </a:lnRef>
+      <a:fillRef idx="1">
+        <a:scrgbClr r="0" g="0" b="0"/>
+      </a:fillRef>
+      <a:effectRef idx="0">
+        <a:scrgbClr r="0" g="0" b="0"/>
+      </a:effectRef>
+      <a:fontRef idx="minor">
+        <a:schemeClr val="lt1"/>
+      </a:fontRef>
+    </dgm:style>
+  </dgm:styleLbl>
+  <dgm:styleLbl name="asst3">
+    <dgm:scene3d>
+      <a:camera prst="orthographicFront"/>
+      <a:lightRig rig="threePt" dir="t"/>
+    </dgm:scene3d>
+    <dgm:sp3d/>
+    <dgm:txPr/>
+    <dgm:style>
+      <a:lnRef idx="2">
+        <a:scrgbClr r="0" g="0" b="0"/>
+      </a:lnRef>
+      <a:fillRef idx="1">
+        <a:scrgbClr r="0" g="0" b="0"/>
+      </a:fillRef>
+      <a:effectRef idx="0">
+        <a:scrgbClr r="0" g="0" b="0"/>
+      </a:effectRef>
+      <a:fontRef idx="minor">
+        <a:schemeClr val="lt1"/>
+      </a:fontRef>
+    </dgm:style>
+  </dgm:styleLbl>
+  <dgm:styleLbl name="asst4">
+    <dgm:scene3d>
+      <a:camera prst="orthographicFront"/>
+      <a:lightRig rig="threePt" dir="t"/>
+    </dgm:scene3d>
+    <dgm:sp3d/>
+    <dgm:txPr/>
+    <dgm:style>
+      <a:lnRef idx="2">
+        <a:scrgbClr r="0" g="0" b="0"/>
+      </a:lnRef>
+      <a:fillRef idx="1">
+        <a:scrgbClr r="0" g="0" b="0"/>
+      </a:fillRef>
+      <a:effectRef idx="0">
+        <a:scrgbClr r="0" g="0" b="0"/>
+      </a:effectRef>
+      <a:fontRef idx="minor">
+        <a:schemeClr val="lt1"/>
+      </a:fontRef>
+    </dgm:style>
+  </dgm:styleLbl>
+  <dgm:styleLbl name="parChTrans2D1">
+    <dgm:scene3d>
+      <a:camera prst="orthographicFront"/>
+      <a:lightRig rig="threePt" dir="t"/>
+    </dgm:scene3d>
+    <dgm:sp3d/>
+    <dgm:txPr/>
+    <dgm:style>
+      <a:lnRef idx="2">
+        <a:scrgbClr r="0" g="0" b="0"/>
+      </a:lnRef>
+      <a:fillRef idx="1">
+        <a:scrgbClr r="0" g="0" b="0"/>
+      </a:fillRef>
+      <a:effectRef idx="0">
+        <a:scrgbClr r="0" g="0" b="0"/>
+      </a:effectRef>
+      <a:fontRef idx="minor">
+        <a:schemeClr val="lt1"/>
+      </a:fontRef>
+    </dgm:style>
+  </dgm:styleLbl>
+  <dgm:styleLbl name="parChTrans2D2">
+    <dgm:scene3d>
+      <a:camera prst="orthographicFront"/>
+      <a:lightRig rig="threePt" dir="t"/>
+    </dgm:scene3d>
+    <dgm:sp3d/>
+    <dgm:txPr/>
+    <dgm:style>
+      <a:lnRef idx="2">
+        <a:scrgbClr r="0" g="0" b="0"/>
+      </a:lnRef>
+      <a:fillRef idx="1">
+        <a:scrgbClr r="0" g="0" b="0"/>
+      </a:fillRef>
+      <a:effectRef idx="0">
+        <a:scrgbClr r="0" g="0" b="0"/>
+      </a:effectRef>
+      <a:fontRef idx="minor">
+        <a:schemeClr val="lt1"/>
+      </a:fontRef>
+    </dgm:style>
+  </dgm:styleLbl>
+  <dgm:styleLbl name="parChTrans2D3">
+    <dgm:scene3d>
+      <a:camera prst="orthographicFront"/>
+      <a:lightRig rig="threePt" dir="t"/>
+    </dgm:scene3d>
+    <dgm:sp3d/>
+    <dgm:txPr/>
+    <dgm:style>
+      <a:lnRef idx="2">
+        <a:scrgbClr r="0" g="0" b="0"/>
+      </a:lnRef>
+      <a:fillRef idx="1">
+        <a:scrgbClr r="0" g="0" b="0"/>
+      </a:fillRef>
+      <a:effectRef idx="0">
+        <a:scrgbClr r="0" g="0" b="0"/>
+      </a:effectRef>
+      <a:fontRef idx="minor">
+        <a:schemeClr val="lt1"/>
+      </a:fontRef>
+    </dgm:style>
+  </dgm:styleLbl>
+  <dgm:styleLbl name="parChTrans2D4">
+    <dgm:scene3d>
+      <a:camera prst="orthographicFront"/>
+      <a:lightRig rig="threePt" dir="t"/>
+    </dgm:scene3d>
+    <dgm:sp3d/>
+    <dgm:txPr/>
+    <dgm:style>
+      <a:lnRef idx="2">
+        <a:scrgbClr r="0" g="0" b="0"/>
+      </a:lnRef>
+      <a:fillRef idx="1">
+        <a:scrgbClr r="0" g="0" b="0"/>
+      </a:fillRef>
+      <a:effectRef idx="0">
+        <a:scrgbClr r="0" g="0" b="0"/>
+      </a:effectRef>
+      <a:fontRef idx="minor">
+        <a:schemeClr val="lt1"/>
+      </a:fontRef>
+    </dgm:style>
+  </dgm:styleLbl>
+  <dgm:styleLbl name="parChTrans1D1">
+    <dgm:scene3d>
+      <a:camera prst="orthographicFront"/>
+      <a:lightRig rig="threePt" dir="t"/>
+    </dgm:scene3d>
+    <dgm:sp3d/>
+    <dgm:txPr/>
+    <dgm:style>
+      <a:lnRef idx="2">
+        <a:scrgbClr r="0" g="0" b="0"/>
+      </a:lnRef>
+      <a:fillRef idx="0">
+        <a:scrgbClr r="0" g="0" b="0"/>
+      </a:fillRef>
+      <a:effectRef idx="0">
+        <a:scrgbClr r="0" g="0" b="0"/>
+      </a:effectRef>
+      <a:fontRef idx="minor"/>
+    </dgm:style>
+  </dgm:styleLbl>
+  <dgm:styleLbl name="parChTrans1D2">
+    <dgm:scene3d>
+      <a:camera prst="orthographicFront"/>
+      <a:lightRig rig="threePt" dir="t"/>
+    </dgm:scene3d>
+    <dgm:sp3d/>
+    <dgm:txPr/>
+    <dgm:style>
+      <a:lnRef idx="2">
+        <a:scrgbClr r="0" g="0" b="0"/>
+      </a:lnRef>
+      <a:fillRef idx="0">
+        <a:scrgbClr r="0" g="0" b="0"/>
+      </a:fillRef>
+      <a:effectRef idx="0">
+        <a:scrgbClr r="0" g="0" b="0"/>
+      </a:effectRef>
+      <a:fontRef idx="minor"/>
+    </dgm:style>
+  </dgm:styleLbl>
+  <dgm:styleLbl name="parChTrans1D3">
+    <dgm:scene3d>
+      <a:camera prst="orthographicFront"/>
+      <a:lightRig rig="threePt" dir="t"/>
+    </dgm:scene3d>
+    <dgm:sp3d/>
+    <dgm:txPr/>
+    <dgm:style>
+      <a:lnRef idx="2">
+        <a:scrgbClr r="0" g="0" b="0"/>
+      </a:lnRef>
+      <a:fillRef idx="0">
+        <a:scrgbClr r="0" g="0" b="0"/>
+      </a:fillRef>
+      <a:effectRef idx="0">
+        <a:scrgbClr r="0" g="0" b="0"/>
+      </a:effectRef>
+      <a:fontRef idx="minor"/>
+    </dgm:style>
+  </dgm:styleLbl>
+  <dgm:styleLbl name="parChTrans1D4">
+    <dgm:scene3d>
+      <a:camera prst="orthographicFront"/>
+      <a:lightRig rig="threePt" dir="t"/>
+    </dgm:scene3d>
+    <dgm:sp3d/>
+    <dgm:txPr/>
+    <dgm:style>
+      <a:lnRef idx="2">
+        <a:scrgbClr r="0" g="0" b="0"/>
+      </a:lnRef>
+      <a:fillRef idx="0">
+        <a:scrgbClr r="0" g="0" b="0"/>
+      </a:fillRef>
+      <a:effectRef idx="0">
+        <a:scrgbClr r="0" g="0" b="0"/>
+      </a:effectRef>
+      <a:fontRef idx="minor"/>
+    </dgm:style>
+  </dgm:styleLbl>
+  <dgm:styleLbl name="fgAcc1">
+    <dgm:scene3d>
+      <a:camera prst="orthographicFront"/>
+      <a:lightRig rig="threePt" dir="t"/>
+    </dgm:scene3d>
+    <dgm:sp3d/>
+    <dgm:txPr/>
+    <dgm:style>
+      <a:lnRef idx="2">
+        <a:scrgbClr r="0" g="0" b="0"/>
+      </a:lnRef>
+      <a:fillRef idx="1">
+        <a:scrgbClr r="0" g="0" b="0"/>
+      </a:fillRef>
+      <a:effectRef idx="0">
+        <a:scrgbClr r="0" g="0" b="0"/>
+      </a:effectRef>
+      <a:fontRef idx="minor"/>
+    </dgm:style>
+  </dgm:styleLbl>
+  <dgm:styleLbl name="conFgAcc1">
+    <dgm:scene3d>
+      <a:camera prst="orthographicFront"/>
+      <a:lightRig rig="threePt" dir="t"/>
+    </dgm:scene3d>
+    <dgm:sp3d/>
+    <dgm:txPr/>
+    <dgm:style>
+      <a:lnRef idx="2">
+        <a:scrgbClr r="0" g="0" b="0"/>
+      </a:lnRef>
+      <a:fillRef idx="1">
+        <a:scrgbClr r="0" g="0" b="0"/>
+      </a:fillRef>
+      <a:effectRef idx="0">
+        <a:scrgbClr r="0" g="0" b="0"/>
+      </a:effectRef>
+      <a:fontRef idx="minor"/>
+    </dgm:style>
+  </dgm:styleLbl>
+  <dgm:styleLbl name="alignAcc1">
+    <dgm:scene3d>
+      <a:camera prst="orthographicFront"/>
+      <a:lightRig rig="threePt" dir="t"/>
+    </dgm:scene3d>
+    <dgm:sp3d/>
+    <dgm:txPr/>
+    <dgm:style>
+      <a:lnRef idx="2">
+        <a:scrgbClr r="0" g="0" b="0"/>
+      </a:lnRef>
+      <a:fillRef idx="1">
+        <a:scrgbClr r="0" g="0" b="0"/>
+      </a:fillRef>
+      <a:effectRef idx="0">
+        <a:scrgbClr r="0" g="0" b="0"/>
+      </a:effectRef>
+      <a:fontRef idx="minor"/>
+    </dgm:style>
+  </dgm:styleLbl>
+  <dgm:styleLbl name="trAlignAcc1">
+    <dgm:scene3d>
+      <a:camera prst="orthographicFront"/>
+      <a:lightRig rig="threePt" dir="t"/>
+    </dgm:scene3d>
+    <dgm:sp3d/>
+    <dgm:txPr/>
+    <dgm:style>
+      <a:lnRef idx="1">
+        <a:scrgbClr r="0" g="0" b="0"/>
+      </a:lnRef>
+      <a:fillRef idx="1">
+        <a:scrgbClr r="0" g="0" b="0"/>
+      </a:fillRef>
+      <a:effectRef idx="0">
+        <a:scrgbClr r="0" g="0" b="0"/>
+      </a:effectRef>
+      <a:fontRef idx="minor"/>
+    </dgm:style>
+  </dgm:styleLbl>
+  <dgm:styleLbl name="bgAcc1">
+    <dgm:scene3d>
+      <a:camera prst="orthographicFront"/>
+      <a:lightRig rig="threePt" dir="t"/>
+    </dgm:scene3d>
+    <dgm:sp3d/>
+    <dgm:txPr/>
+    <dgm:style>
+      <a:lnRef idx="2">
+        <a:scrgbClr r="0" g="0" b="0"/>
+      </a:lnRef>
+      <a:fillRef idx="1">
+        <a:scrgbClr r="0" g="0" b="0"/>
+      </a:fillRef>
+      <a:effectRef idx="0">
+        <a:scrgbClr r="0" g="0" b="0"/>
+      </a:effectRef>
+      <a:fontRef idx="minor"/>
+    </dgm:style>
+  </dgm:styleLbl>
+  <dgm:styleLbl name="solidFgAcc1">
+    <dgm:scene3d>
+      <a:camera prst="orthographicFront"/>
+      <a:lightRig rig="threePt" dir="t"/>
+    </dgm:scene3d>
+    <dgm:sp3d/>
+    <dgm:txPr/>
+    <dgm:style>
+      <a:lnRef idx="2">
+        <a:scrgbClr r="0" g="0" b="0"/>
+      </a:lnRef>
+      <a:fillRef idx="1">
+        <a:scrgbClr r="0" g="0" b="0"/>
+      </a:fillRef>
+      <a:effectRef idx="0">
+        <a:scrgbClr r="0" g="0" b="0"/>
+      </a:effectRef>
+      <a:fontRef idx="minor"/>
+    </dgm:style>
+  </dgm:styleLbl>
+  <dgm:styleLbl name="solidAlignAcc1">
+    <dgm:scene3d>
+      <a:camera prst="orthographicFront"/>
+      <a:lightRig rig="threePt" dir="t"/>
+    </dgm:scene3d>
+    <dgm:sp3d/>
+    <dgm:txPr/>
+    <dgm:style>
+      <a:lnRef idx="2">
+        <a:scrgbClr r="0" g="0" b="0"/>
+      </a:lnRef>
+      <a:fillRef idx="1">
+        <a:scrgbClr r="0" g="0" b="0"/>
+      </a:fillRef>
+      <a:effectRef idx="0">
+        <a:scrgbClr r="0" g="0" b="0"/>
+      </a:effectRef>
+      <a:fontRef idx="minor"/>
+    </dgm:style>
+  </dgm:styleLbl>
+  <dgm:styleLbl name="solidBgAcc1">
+    <dgm:scene3d>
+      <a:camera prst="orthographicFront"/>
+      <a:lightRig rig="threePt" dir="t"/>
+    </dgm:scene3d>
+    <dgm:sp3d/>
+    <dgm:txPr/>
+    <dgm:style>
+      <a:lnRef idx="2">
+        <a:scrgbClr r="0" g="0" b="0"/>
+      </a:lnRef>
+      <a:fillRef idx="1">
+        <a:scrgbClr r="0" g="0" b="0"/>
+      </a:fillRef>
+      <a:effectRef idx="0">
+        <a:scrgbClr r="0" g="0" b="0"/>
+      </a:effectRef>
+      <a:fontRef idx="minor"/>
+    </dgm:style>
+  </dgm:styleLbl>
+  <dgm:styleLbl name="fgAccFollowNode1">
+    <dgm:scene3d>
+      <a:camera prst="orthographicFront"/>
+      <a:lightRig rig="threePt" dir="t"/>
+    </dgm:scene3d>
+    <dgm:sp3d/>
+    <dgm:txPr/>
+    <dgm:style>
+      <a:lnRef idx="2">
+        <a:scrgbClr r="0" g="0" b="0"/>
+      </a:lnRef>
+      <a:fillRef idx="1">
+        <a:scrgbClr r="0" g="0" b="0"/>
+      </a:fillRef>
+      <a:effectRef idx="0">
+        <a:scrgbClr r="0" g="0" b="0"/>
+      </a:effectRef>
+      <a:fontRef idx="minor"/>
+    </dgm:style>
+  </dgm:styleLbl>
+  <dgm:styleLbl name="alignAccFollowNode1">
+    <dgm:scene3d>
+      <a:camera prst="orthographicFront"/>
+      <a:lightRig rig="threePt" dir="t"/>
+    </dgm:scene3d>
+    <dgm:sp3d/>
+    <dgm:txPr/>
+    <dgm:style>
+      <a:lnRef idx="2">
+        <a:scrgbClr r="0" g="0" b="0"/>
+      </a:lnRef>
+      <a:fillRef idx="1">
+        <a:scrgbClr r="0" g="0" b="0"/>
+      </a:fillRef>
+      <a:effectRef idx="0">
+        <a:scrgbClr r="0" g="0" b="0"/>
+      </a:effectRef>
+      <a:fontRef idx="minor"/>
+    </dgm:style>
+  </dgm:styleLbl>
+  <dgm:styleLbl name="bgAccFollowNode1">
+    <dgm:scene3d>
+      <a:camera prst="orthographicFront"/>
+      <a:lightRig rig="threePt" dir="t"/>
+    </dgm:scene3d>
+    <dgm:sp3d/>
+    <dgm:txPr/>
+    <dgm:style>
+      <a:lnRef idx="2">
+        <a:scrgbClr r="0" g="0" b="0"/>
+      </a:lnRef>
+      <a:fillRef idx="1">
+        <a:scrgbClr r="0" g="0" b="0"/>
+      </a:fillRef>
+      <a:effectRef idx="0">
+        <a:scrgbClr r="0" g="0" b="0"/>
+      </a:effectRef>
+      <a:fontRef idx="minor"/>
+    </dgm:style>
+  </dgm:styleLbl>
+  <dgm:styleLbl name="fgAcc0">
+    <dgm:scene3d>
+      <a:camera prst="orthographicFront"/>
+      <a:lightRig rig="threePt" dir="t"/>
+    </dgm:scene3d>
+    <dgm:sp3d/>
+    <dgm:txPr/>
+    <dgm:style>
+      <a:lnRef idx="2">
+        <a:scrgbClr r="0" g="0" b="0"/>
+      </a:lnRef>
+      <a:fillRef idx="1">
+        <a:scrgbClr r="0" g="0" b="0"/>
+      </a:fillRef>
+      <a:effectRef idx="0">
+        <a:scrgbClr r="0" g="0" b="0"/>
+      </a:effectRef>
+      <a:fontRef idx="minor"/>
+    </dgm:style>
+  </dgm:styleLbl>
+  <dgm:styleLbl name="fgAcc2">
+    <dgm:scene3d>
+      <a:camera prst="orthographicFront"/>
+      <a:lightRig rig="threePt" dir="t"/>
+    </dgm:scene3d>
+    <dgm:sp3d/>
+    <dgm:txPr/>
+    <dgm:style>
+      <a:lnRef idx="2">
+        <a:scrgbClr r="0" g="0" b="0"/>
+      </a:lnRef>
+      <a:fillRef idx="1">
+        <a:scrgbClr r="0" g="0" b="0"/>
+      </a:fillRef>
+      <a:effectRef idx="0">
+        <a:scrgbClr r="0" g="0" b="0"/>
+      </a:effectRef>
+      <a:fontRef idx="minor"/>
+    </dgm:style>
+  </dgm:styleLbl>
+  <dgm:styleLbl name="fgAcc3">
+    <dgm:scene3d>
+      <a:camera prst="orthographicFront"/>
+      <a:lightRig rig="threePt" dir="t"/>
+    </dgm:scene3d>
+    <dgm:sp3d/>
+    <dgm:txPr/>
+    <dgm:style>
+      <a:lnRef idx="2">
+        <a:scrgbClr r="0" g="0" b="0"/>
+      </a:lnRef>
+      <a:fillRef idx="1">
+        <a:scrgbClr r="0" g="0" b="0"/>
+      </a:fillRef>
+      <a:effectRef idx="0">
+        <a:scrgbClr r="0" g="0" b="0"/>
+      </a:effectRef>
+      <a:fontRef idx="minor"/>
+    </dgm:style>
+  </dgm:styleLbl>
+  <dgm:styleLbl name="fgAcc4">
+    <dgm:scene3d>
+      <a:camera prst="orthographicFront"/>
+      <a:lightRig rig="threePt" dir="t"/>
+    </dgm:scene3d>
+    <dgm:sp3d/>
+    <dgm:txPr/>
+    <dgm:style>
+      <a:lnRef idx="2">
+        <a:scrgbClr r="0" g="0" b="0"/>
+      </a:lnRef>
+      <a:fillRef idx="1">
+        <a:scrgbClr r="0" g="0" b="0"/>
+      </a:fillRef>
+      <a:effectRef idx="0">
+        <a:scrgbClr r="0" g="0" b="0"/>
+      </a:effectRef>
+      <a:fontRef idx="minor"/>
+    </dgm:style>
+  </dgm:styleLbl>
+  <dgm:styleLbl name="bgShp">
+    <dgm:scene3d>
+      <a:camera prst="orthographicFront"/>
+      <a:lightRig rig="threePt" dir="t"/>
+    </dgm:scene3d>
+    <dgm:sp3d/>
+    <dgm:txPr/>
+    <dgm:style>
+      <a:lnRef idx="0">
+        <a:scrgbClr r="0" g="0" b="0"/>
+      </a:lnRef>
+      <a:fillRef idx="1">
+        <a:scrgbClr r="0" g="0" b="0"/>
+      </a:fillRef>
+      <a:effectRef idx="0">
+        <a:scrgbClr r="0" g="0" b="0"/>
+      </a:effectRef>
+      <a:fontRef idx="minor"/>
+    </dgm:style>
+  </dgm:styleLbl>
+  <dgm:styleLbl name="dkBgShp">
+    <dgm:scene3d>
+      <a:camera prst="orthographicFront"/>
+      <a:lightRig rig="threePt" dir="t"/>
+    </dgm:scene3d>
+    <dgm:sp3d/>
+    <dgm:txPr/>
+    <dgm:style>
+      <a:lnRef idx="0">
+        <a:scrgbClr r="0" g="0" b="0"/>
+      </a:lnRef>
+      <a:fillRef idx="1">
+        <a:scrgbClr r="0" g="0" b="0"/>
+      </a:fillRef>
+      <a:effectRef idx="0">
+        <a:scrgbClr r="0" g="0" b="0"/>
+      </a:effectRef>
+      <a:fontRef idx="minor"/>
+    </dgm:style>
+  </dgm:styleLbl>
+  <dgm:styleLbl name="trBgShp">
+    <dgm:scene3d>
+      <a:camera prst="orthographicFront"/>
+      <a:lightRig rig="threePt" dir="t"/>
+    </dgm:scene3d>
+    <dgm:sp3d/>
+    <dgm:txPr/>
+    <dgm:style>
+      <a:lnRef idx="0">
+        <a:scrgbClr r="0" g="0" b="0"/>
+      </a:lnRef>
+      <a:fillRef idx="1">
+        <a:scrgbClr r="0" g="0" b="0"/>
+      </a:fillRef>
+      <a:effectRef idx="0">
+        <a:scrgbClr r="0" g="0" b="0"/>
+      </a:effectRef>
+      <a:fontRef idx="minor"/>
+    </dgm:style>
+  </dgm:styleLbl>
+  <dgm:styleLbl name="fgShp">
+    <dgm:scene3d>
+      <a:camera prst="orthographicFront"/>
+      <a:lightRig rig="threePt" dir="t"/>
+    </dgm:scene3d>
+    <dgm:sp3d/>
+    <dgm:txPr/>
+    <dgm:style>
+      <a:lnRef idx="2">
+        <a:scrgbClr r="0" g="0" b="0"/>
+      </a:lnRef>
+      <a:fillRef idx="1">
+        <a:scrgbClr r="0" g="0" b="0"/>
+      </a:fillRef>
+      <a:effectRef idx="0">
+        <a:scrgbClr r="0" g="0" b="0"/>
+      </a:effectRef>
+      <a:fontRef idx="minor"/>
+    </dgm:style>
+  </dgm:styleLbl>
+  <dgm:styleLbl name="revTx">
+    <dgm:scene3d>
+      <a:camera prst="orthographicFront"/>
+      <a:lightRig rig="threePt" dir="t"/>
+    </dgm:scene3d>
+    <dgm:sp3d/>
+    <dgm:txPr/>
+    <dgm:style>
+      <a:lnRef idx="0">
+        <a:scrgbClr r="0" g="0" b="0"/>
+      </a:lnRef>
+      <a:fillRef idx="0">
+        <a:scrgbClr r="0" g="0" b="0"/>
+      </a:fillRef>
+      <a:effectRef idx="0">
+        <a:scrgbClr r="0" g="0" b="0"/>
+      </a:effectRef>
+      <a:fontRef idx="minor"/>
+    </dgm:style>
+  </dgm:styleLbl>
+</dgm:styleDef>
+</file>
+
 <file path=ppt/slideLayouts/slideLayout1.xml><?xml version="1.0" encoding="utf-8"?>
 <p:sldLayout xmlns:a="http://schemas.openxmlformats.org/drawingml/2006/main" xmlns:r="http://schemas.openxmlformats.org/officeDocument/2006/relationships" xmlns:p="http://schemas.openxmlformats.org/presentationml/2006/main" type="title" preserve="1">
   <p:cSld name="Title Slide">
@@ -3698,7 +7757,7 @@
           <a:p>
             <a:fld id="{A201A809-C1A5-4CC3-B472-EA07E4FD626D}" type="datetimeFigureOut">
               <a:rPr lang="en-US" smtClean="0"/>
-              <a:t>5/5/2019</a:t>
+              <a:t>5/7/2019</a:t>
             </a:fld>
             <a:endParaRPr lang="en-US"/>
           </a:p>
@@ -3896,7 +7955,7 @@
           <a:p>
             <a:fld id="{A201A809-C1A5-4CC3-B472-EA07E4FD626D}" type="datetimeFigureOut">
               <a:rPr lang="en-US" smtClean="0"/>
-              <a:t>5/5/2019</a:t>
+              <a:t>5/7/2019</a:t>
             </a:fld>
             <a:endParaRPr lang="en-US"/>
           </a:p>
@@ -4104,7 +8163,7 @@
           <a:p>
             <a:fld id="{A201A809-C1A5-4CC3-B472-EA07E4FD626D}" type="datetimeFigureOut">
               <a:rPr lang="en-US" smtClean="0"/>
-              <a:t>5/5/2019</a:t>
+              <a:t>5/7/2019</a:t>
             </a:fld>
             <a:endParaRPr lang="en-US"/>
           </a:p>
@@ -4302,7 +8361,7 @@
           <a:p>
             <a:fld id="{A201A809-C1A5-4CC3-B472-EA07E4FD626D}" type="datetimeFigureOut">
               <a:rPr lang="en-US" smtClean="0"/>
-              <a:t>5/5/2019</a:t>
+              <a:t>5/7/2019</a:t>
             </a:fld>
             <a:endParaRPr lang="en-US"/>
           </a:p>
@@ -4577,7 +8636,7 @@
           <a:p>
             <a:fld id="{A201A809-C1A5-4CC3-B472-EA07E4FD626D}" type="datetimeFigureOut">
               <a:rPr lang="en-US" smtClean="0"/>
-              <a:t>5/5/2019</a:t>
+              <a:t>5/7/2019</a:t>
             </a:fld>
             <a:endParaRPr lang="en-US"/>
           </a:p>
@@ -4842,7 +8901,7 @@
           <a:p>
             <a:fld id="{A201A809-C1A5-4CC3-B472-EA07E4FD626D}" type="datetimeFigureOut">
               <a:rPr lang="en-US" smtClean="0"/>
-              <a:t>5/5/2019</a:t>
+              <a:t>5/7/2019</a:t>
             </a:fld>
             <a:endParaRPr lang="en-US"/>
           </a:p>
@@ -5254,7 +9313,7 @@
           <a:p>
             <a:fld id="{A201A809-C1A5-4CC3-B472-EA07E4FD626D}" type="datetimeFigureOut">
               <a:rPr lang="en-US" smtClean="0"/>
-              <a:t>5/5/2019</a:t>
+              <a:t>5/7/2019</a:t>
             </a:fld>
             <a:endParaRPr lang="en-US"/>
           </a:p>
@@ -5395,7 +9454,7 @@
           <a:p>
             <a:fld id="{A201A809-C1A5-4CC3-B472-EA07E4FD626D}" type="datetimeFigureOut">
               <a:rPr lang="en-US" smtClean="0"/>
-              <a:t>5/5/2019</a:t>
+              <a:t>5/7/2019</a:t>
             </a:fld>
             <a:endParaRPr lang="en-US"/>
           </a:p>
@@ -5508,7 +9567,7 @@
           <a:p>
             <a:fld id="{A201A809-C1A5-4CC3-B472-EA07E4FD626D}" type="datetimeFigureOut">
               <a:rPr lang="en-US" smtClean="0"/>
-              <a:t>5/5/2019</a:t>
+              <a:t>5/7/2019</a:t>
             </a:fld>
             <a:endParaRPr lang="en-US"/>
           </a:p>
@@ -5819,7 +9878,7 @@
           <a:p>
             <a:fld id="{A201A809-C1A5-4CC3-B472-EA07E4FD626D}" type="datetimeFigureOut">
               <a:rPr lang="en-US" smtClean="0"/>
-              <a:t>5/5/2019</a:t>
+              <a:t>5/7/2019</a:t>
             </a:fld>
             <a:endParaRPr lang="en-US"/>
           </a:p>
@@ -6107,7 +10166,7 @@
           <a:p>
             <a:fld id="{A201A809-C1A5-4CC3-B472-EA07E4FD626D}" type="datetimeFigureOut">
               <a:rPr lang="en-US" smtClean="0"/>
-              <a:t>5/5/2019</a:t>
+              <a:t>5/7/2019</a:t>
             </a:fld>
             <a:endParaRPr lang="en-US"/>
           </a:p>
@@ -6348,7 +10407,7 @@
           <a:p>
             <a:fld id="{A201A809-C1A5-4CC3-B472-EA07E4FD626D}" type="datetimeFigureOut">
               <a:rPr lang="en-US" smtClean="0"/>
-              <a:t>5/5/2019</a:t>
+              <a:t>5/7/2019</a:t>
             </a:fld>
             <a:endParaRPr lang="en-US"/>
           </a:p>
@@ -6787,8 +10846,14 @@
           <a:lstStyle/>
           <a:p>
             <a:r>
-              <a:rPr lang="en-US" dirty="0"/>
-              <a:t>Satellite data machine learning</a:t>
+              <a:rPr lang="en-US" dirty="0">
+                <a:solidFill>
+                  <a:schemeClr val="accent1"/>
+                </a:solidFill>
+                <a:latin typeface="Arial" panose="020B0604020202020204" pitchFamily="34" charset="0"/>
+                <a:cs typeface="Arial" panose="020B0604020202020204" pitchFamily="34" charset="0"/>
+              </a:rPr>
+              <a:t>Machine Learning Study of Satellite Data</a:t>
             </a:r>
           </a:p>
         </p:txBody>
@@ -6814,7 +10879,39 @@
           <a:bodyPr/>
           <a:lstStyle/>
           <a:p>
-            <a:endParaRPr lang="en-US"/>
+            <a:endParaRPr lang="en-US" dirty="0">
+              <a:solidFill>
+                <a:schemeClr val="accent1"/>
+              </a:solidFill>
+            </a:endParaRPr>
+          </a:p>
+          <a:p>
+            <a:r>
+              <a:rPr lang="en-US" dirty="0" err="1">
+                <a:solidFill>
+                  <a:schemeClr val="accent1"/>
+                </a:solidFill>
+              </a:rPr>
+              <a:t>Ahmeda</a:t>
+            </a:r>
+            <a:r>
+              <a:rPr lang="en-US" dirty="0">
+                <a:solidFill>
+                  <a:schemeClr val="accent1"/>
+                </a:solidFill>
+              </a:rPr>
+              <a:t> Cheick, Madelaine Davis, ZiAng Zhang</a:t>
+            </a:r>
+          </a:p>
+          <a:p>
+            <a:r>
+              <a:rPr lang="en-US" dirty="0">
+                <a:solidFill>
+                  <a:schemeClr val="accent1"/>
+                </a:solidFill>
+              </a:rPr>
+              <a:t>May 07, 2019</a:t>
+            </a:r>
           </a:p>
         </p:txBody>
       </p:sp>
@@ -6832,6 +10929,101 @@
 </file>
 
 <file path=ppt/slides/slide2.xml><?xml version="1.0" encoding="utf-8"?>
+<p:sld xmlns:a="http://schemas.openxmlformats.org/drawingml/2006/main" xmlns:r="http://schemas.openxmlformats.org/officeDocument/2006/relationships" xmlns:p="http://schemas.openxmlformats.org/presentationml/2006/main">
+  <p:cSld>
+    <p:spTree>
+      <p:nvGrpSpPr>
+        <p:cNvPr id="1" name=""/>
+        <p:cNvGrpSpPr/>
+        <p:nvPr/>
+      </p:nvGrpSpPr>
+      <p:grpSpPr>
+        <a:xfrm>
+          <a:off x="0" y="0"/>
+          <a:ext cx="0" cy="0"/>
+          <a:chOff x="0" y="0"/>
+          <a:chExt cx="0" cy="0"/>
+        </a:xfrm>
+      </p:grpSpPr>
+      <p:sp>
+        <p:nvSpPr>
+          <p:cNvPr id="2" name="Title 1">
+            <a:extLst>
+              <a:ext uri="{FF2B5EF4-FFF2-40B4-BE49-F238E27FC236}">
+                <a16:creationId xmlns:a16="http://schemas.microsoft.com/office/drawing/2014/main" id="{2002D377-94CA-4BE5-B83B-BE923E52BF96}"/>
+              </a:ext>
+            </a:extLst>
+          </p:cNvPr>
+          <p:cNvSpPr>
+            <a:spLocks noGrp="1"/>
+          </p:cNvSpPr>
+          <p:nvPr>
+            <p:ph type="title"/>
+          </p:nvPr>
+        </p:nvSpPr>
+        <p:spPr/>
+        <p:txBody>
+          <a:bodyPr/>
+          <a:lstStyle/>
+          <a:p>
+            <a:r>
+              <a:rPr lang="en-US" dirty="0">
+                <a:solidFill>
+                  <a:schemeClr val="accent1"/>
+                </a:solidFill>
+                <a:latin typeface="Arial" panose="020B0604020202020204" pitchFamily="34" charset="0"/>
+                <a:cs typeface="Arial" panose="020B0604020202020204" pitchFamily="34" charset="0"/>
+              </a:rPr>
+              <a:t>Project Breakdown</a:t>
+            </a:r>
+          </a:p>
+        </p:txBody>
+      </p:sp>
+      <p:graphicFrame>
+        <p:nvGraphicFramePr>
+          <p:cNvPr id="4" name="Content Placeholder 3">
+            <a:extLst>
+              <a:ext uri="{FF2B5EF4-FFF2-40B4-BE49-F238E27FC236}">
+                <a16:creationId xmlns:a16="http://schemas.microsoft.com/office/drawing/2014/main" id="{1BE30BEC-FFA3-47F5-8DE5-B1C684481537}"/>
+              </a:ext>
+            </a:extLst>
+          </p:cNvPr>
+          <p:cNvGraphicFramePr>
+            <a:graphicFrameLocks noGrp="1"/>
+          </p:cNvGraphicFramePr>
+          <p:nvPr>
+            <p:ph idx="1"/>
+            <p:extLst>
+              <p:ext uri="{D42A27DB-BD31-4B8C-83A1-F6EECF244321}">
+                <p14:modId xmlns:p14="http://schemas.microsoft.com/office/powerpoint/2010/main" val="2209496545"/>
+              </p:ext>
+            </p:extLst>
+          </p:nvPr>
+        </p:nvGraphicFramePr>
+        <p:xfrm>
+          <a:off x="838200" y="1825625"/>
+          <a:ext cx="10515600" cy="4351338"/>
+        </p:xfrm>
+        <a:graphic>
+          <a:graphicData uri="http://schemas.openxmlformats.org/drawingml/2006/diagram">
+            <dgm:relIds xmlns:dgm="http://schemas.openxmlformats.org/drawingml/2006/diagram" xmlns:r="http://schemas.openxmlformats.org/officeDocument/2006/relationships" r:dm="rId2" r:lo="rId3" r:qs="rId4" r:cs="rId5"/>
+          </a:graphicData>
+        </a:graphic>
+      </p:graphicFrame>
+    </p:spTree>
+    <p:extLst>
+      <p:ext uri="{BB962C8B-B14F-4D97-AF65-F5344CB8AC3E}">
+        <p14:creationId xmlns:p14="http://schemas.microsoft.com/office/powerpoint/2010/main" val="2042974895"/>
+      </p:ext>
+    </p:extLst>
+  </p:cSld>
+  <p:clrMapOvr>
+    <a:masterClrMapping/>
+  </p:clrMapOvr>
+</p:sld>
+</file>
+
+<file path=ppt/slides/slide3.xml><?xml version="1.0" encoding="utf-8"?>
 <p:sld xmlns:a="http://schemas.openxmlformats.org/drawingml/2006/main" xmlns:r="http://schemas.openxmlformats.org/officeDocument/2006/relationships" xmlns:p="http://schemas.openxmlformats.org/presentationml/2006/main">
   <p:cSld>
     <p:spTree>
@@ -6903,7 +11095,7 @@
         </p:nvSpPr>
         <p:spPr>
           <a:xfrm>
-            <a:off x="6655836" y="350334"/>
+            <a:off x="6096000" y="350334"/>
             <a:ext cx="2843763" cy="369332"/>
           </a:xfrm>
           <a:prstGeom prst="rect">
@@ -6917,6 +11109,7 @@
           </a:bodyPr>
           <a:lstStyle/>
           <a:p>
+            <a:pPr algn="ctr"/>
             <a:r>
               <a:rPr lang="en-US" dirty="0">
                 <a:solidFill>
@@ -6970,7 +11163,7 @@
         </p:nvSpPr>
         <p:spPr>
           <a:xfrm>
-            <a:off x="2833136" y="350334"/>
+            <a:off x="2428402" y="350334"/>
             <a:ext cx="2843763" cy="369332"/>
           </a:xfrm>
           <a:prstGeom prst="rect">
@@ -6984,6 +11177,7 @@
           </a:bodyPr>
           <a:lstStyle/>
           <a:p>
+            <a:pPr algn="ctr"/>
             <a:r>
               <a:rPr lang="en-US" dirty="0">
                 <a:solidFill>
@@ -7009,7 +11203,7 @@
         </p:nvSpPr>
         <p:spPr>
           <a:xfrm>
-            <a:off x="6655836" y="6078034"/>
+            <a:off x="6181906" y="6078034"/>
             <a:ext cx="2843763" cy="369332"/>
           </a:xfrm>
           <a:prstGeom prst="rect">
@@ -7023,13 +11217,14 @@
           </a:bodyPr>
           <a:lstStyle/>
           <a:p>
+            <a:pPr algn="ctr"/>
             <a:r>
               <a:rPr lang="en-US" dirty="0">
                 <a:solidFill>
                   <a:schemeClr val="accent1"/>
                 </a:solidFill>
               </a:rPr>
-              <a:t>Back end (getting data)</a:t>
+              <a:t>Back end (data acquisition)</a:t>
             </a:r>
           </a:p>
         </p:txBody>
@@ -7048,7 +11243,7 @@
         </p:nvSpPr>
         <p:spPr>
           <a:xfrm>
-            <a:off x="2833135" y="6138333"/>
+            <a:off x="2577537" y="6078034"/>
             <a:ext cx="2843763" cy="369332"/>
           </a:xfrm>
           <a:prstGeom prst="rect">
@@ -7062,13 +11257,14 @@
           </a:bodyPr>
           <a:lstStyle/>
           <a:p>
+            <a:pPr algn="ctr"/>
             <a:r>
               <a:rPr lang="en-US" dirty="0">
                 <a:solidFill>
                   <a:schemeClr val="accent1"/>
                 </a:solidFill>
               </a:rPr>
-              <a:t>Back end (doing stuff)</a:t>
+              <a:t>Back end (ML)</a:t>
             </a:r>
           </a:p>
         </p:txBody>
@@ -7242,7 +11438,7 @@
 </p:sld>
 </file>
 
-<file path=ppt/slides/slide3.xml><?xml version="1.0" encoding="utf-8"?>
+<file path=ppt/slides/slide4.xml><?xml version="1.0" encoding="utf-8"?>
 <p:sld xmlns:a="http://schemas.openxmlformats.org/drawingml/2006/main" xmlns:r="http://schemas.openxmlformats.org/officeDocument/2006/relationships" xmlns:p="http://schemas.openxmlformats.org/presentationml/2006/main">
   <p:cSld>
     <p:spTree>
@@ -7282,7 +11478,7 @@
           <a:p>
             <a:r>
               <a:rPr lang="en-US" dirty="0"/>
-              <a:t>Mission Objectives</a:t>
+              <a:t>Mission Objective</a:t>
             </a:r>
           </a:p>
         </p:txBody>
@@ -7794,7 +11990,7 @@
 </p:sld>
 </file>
 
-<file path=ppt/slides/slide4.xml><?xml version="1.0" encoding="utf-8"?>
+<file path=ppt/slides/slide5.xml><?xml version="1.0" encoding="utf-8"?>
 <p:sld xmlns:a="http://schemas.openxmlformats.org/drawingml/2006/main" xmlns:r="http://schemas.openxmlformats.org/officeDocument/2006/relationships" xmlns:p="http://schemas.openxmlformats.org/presentationml/2006/main">
   <p:cSld>
     <p:spTree>
